--- a/Documents/Oral Presentation/oralPresentation_22106178.pptx
+++ b/Documents/Oral Presentation/oralPresentation_22106178.pptx
@@ -9,18 +9,17 @@
     <p:sldId id="257" r:id="rId3"/>
     <p:sldId id="258" r:id="rId4"/>
     <p:sldId id="271" r:id="rId5"/>
-    <p:sldId id="272" r:id="rId6"/>
-    <p:sldId id="259" r:id="rId7"/>
-    <p:sldId id="270" r:id="rId8"/>
-    <p:sldId id="260" r:id="rId9"/>
-    <p:sldId id="261" r:id="rId10"/>
-    <p:sldId id="266" r:id="rId11"/>
-    <p:sldId id="267" r:id="rId12"/>
-    <p:sldId id="269" r:id="rId13"/>
-    <p:sldId id="268" r:id="rId14"/>
-    <p:sldId id="262" r:id="rId15"/>
-    <p:sldId id="264" r:id="rId16"/>
-    <p:sldId id="265" r:id="rId17"/>
+    <p:sldId id="259" r:id="rId6"/>
+    <p:sldId id="270" r:id="rId7"/>
+    <p:sldId id="260" r:id="rId8"/>
+    <p:sldId id="261" r:id="rId9"/>
+    <p:sldId id="266" r:id="rId10"/>
+    <p:sldId id="267" r:id="rId11"/>
+    <p:sldId id="269" r:id="rId12"/>
+    <p:sldId id="268" r:id="rId13"/>
+    <p:sldId id="262" r:id="rId14"/>
+    <p:sldId id="264" r:id="rId15"/>
+    <p:sldId id="265" r:id="rId16"/>
   </p:sldIdLst>
   <p:sldSz cx="9144000" cy="6858000" type="screen4x3"/>
   <p:notesSz cx="6858000" cy="9144000"/>
@@ -319,7 +318,7 @@
           <a:p>
             <a:fld id="{5BCAD085-E8A6-8845-BD4E-CB4CCA059FC4}" type="datetimeFigureOut">
               <a:rPr lang="en-US" smtClean="0"/>
-              <a:t>10/28/2025</a:t>
+              <a:t>10/29/2025</a:t>
             </a:fld>
             <a:endParaRPr lang="en-US"/>
           </a:p>
@@ -489,7 +488,7 @@
           <a:p>
             <a:fld id="{5BCAD085-E8A6-8845-BD4E-CB4CCA059FC4}" type="datetimeFigureOut">
               <a:rPr lang="en-US" smtClean="0"/>
-              <a:t>10/28/2025</a:t>
+              <a:t>10/29/2025</a:t>
             </a:fld>
             <a:endParaRPr lang="en-US"/>
           </a:p>
@@ -669,7 +668,7 @@
           <a:p>
             <a:fld id="{5BCAD085-E8A6-8845-BD4E-CB4CCA059FC4}" type="datetimeFigureOut">
               <a:rPr lang="en-US" smtClean="0"/>
-              <a:t>10/28/2025</a:t>
+              <a:t>10/29/2025</a:t>
             </a:fld>
             <a:endParaRPr lang="en-US"/>
           </a:p>
@@ -839,7 +838,7 @@
           <a:p>
             <a:fld id="{5BCAD085-E8A6-8845-BD4E-CB4CCA059FC4}" type="datetimeFigureOut">
               <a:rPr lang="en-US" smtClean="0"/>
-              <a:t>10/28/2025</a:t>
+              <a:t>10/29/2025</a:t>
             </a:fld>
             <a:endParaRPr lang="en-US"/>
           </a:p>
@@ -1085,7 +1084,7 @@
           <a:p>
             <a:fld id="{5BCAD085-E8A6-8845-BD4E-CB4CCA059FC4}" type="datetimeFigureOut">
               <a:rPr lang="en-US" smtClean="0"/>
-              <a:t>10/28/2025</a:t>
+              <a:t>10/29/2025</a:t>
             </a:fld>
             <a:endParaRPr lang="en-US"/>
           </a:p>
@@ -1373,7 +1372,7 @@
           <a:p>
             <a:fld id="{5BCAD085-E8A6-8845-BD4E-CB4CCA059FC4}" type="datetimeFigureOut">
               <a:rPr lang="en-US" smtClean="0"/>
-              <a:t>10/28/2025</a:t>
+              <a:t>10/29/2025</a:t>
             </a:fld>
             <a:endParaRPr lang="en-US"/>
           </a:p>
@@ -1795,7 +1794,7 @@
           <a:p>
             <a:fld id="{5BCAD085-E8A6-8845-BD4E-CB4CCA059FC4}" type="datetimeFigureOut">
               <a:rPr lang="en-US" smtClean="0"/>
-              <a:t>10/28/2025</a:t>
+              <a:t>10/29/2025</a:t>
             </a:fld>
             <a:endParaRPr lang="en-US"/>
           </a:p>
@@ -1913,7 +1912,7 @@
           <a:p>
             <a:fld id="{5BCAD085-E8A6-8845-BD4E-CB4CCA059FC4}" type="datetimeFigureOut">
               <a:rPr lang="en-US" smtClean="0"/>
-              <a:t>10/28/2025</a:t>
+              <a:t>10/29/2025</a:t>
             </a:fld>
             <a:endParaRPr lang="en-US"/>
           </a:p>
@@ -2008,7 +2007,7 @@
           <a:p>
             <a:fld id="{5BCAD085-E8A6-8845-BD4E-CB4CCA059FC4}" type="datetimeFigureOut">
               <a:rPr lang="en-US" smtClean="0"/>
-              <a:t>10/28/2025</a:t>
+              <a:t>10/29/2025</a:t>
             </a:fld>
             <a:endParaRPr lang="en-US"/>
           </a:p>
@@ -2285,7 +2284,7 @@
           <a:p>
             <a:fld id="{5BCAD085-E8A6-8845-BD4E-CB4CCA059FC4}" type="datetimeFigureOut">
               <a:rPr lang="en-US" smtClean="0"/>
-              <a:t>10/28/2025</a:t>
+              <a:t>10/29/2025</a:t>
             </a:fld>
             <a:endParaRPr lang="en-US"/>
           </a:p>
@@ -2538,7 +2537,7 @@
           <a:p>
             <a:fld id="{5BCAD085-E8A6-8845-BD4E-CB4CCA059FC4}" type="datetimeFigureOut">
               <a:rPr lang="en-US" smtClean="0"/>
-              <a:t>10/28/2025</a:t>
+              <a:t>10/29/2025</a:t>
             </a:fld>
             <a:endParaRPr lang="en-US"/>
           </a:p>
@@ -2751,7 +2750,7 @@
           <a:p>
             <a:fld id="{5BCAD085-E8A6-8845-BD4E-CB4CCA059FC4}" type="datetimeFigureOut">
               <a:rPr lang="en-US" smtClean="0"/>
-              <a:t>10/28/2025</a:t>
+              <a:t>10/29/2025</a:t>
             </a:fld>
             <a:endParaRPr lang="en-US"/>
           </a:p>
@@ -3470,6 +3469,3788 @@
                 <a:latin typeface="Times New Roman" panose="02020603050405020304" pitchFamily="18" charset="0"/>
                 <a:cs typeface="Times New Roman" panose="02020603050405020304" pitchFamily="18" charset="0"/>
               </a:rPr>
+              <a:t>Testing Results</a:t>
+            </a:r>
+            <a:endParaRPr lang="en-US" b="1" dirty="0">
+              <a:solidFill>
+                <a:srgbClr val="FF0000"/>
+              </a:solidFill>
+              <a:latin typeface="Times New Roman" panose="02020603050405020304" pitchFamily="18" charset="0"/>
+              <a:cs typeface="Times New Roman" panose="02020603050405020304" pitchFamily="18" charset="0"/>
+            </a:endParaRPr>
+          </a:p>
+        </p:txBody>
+      </p:sp>
+      <p:graphicFrame>
+        <p:nvGraphicFramePr>
+          <p:cNvPr id="5" name="Table 4"/>
+          <p:cNvGraphicFramePr>
+            <a:graphicFrameLocks noGrp="1"/>
+          </p:cNvGraphicFramePr>
+          <p:nvPr>
+            <p:extLst>
+              <p:ext uri="{D42A27DB-BD31-4B8C-83A1-F6EECF244321}">
+                <p14:modId xmlns:p14="http://schemas.microsoft.com/office/powerpoint/2010/main" val="32372696"/>
+              </p:ext>
+            </p:extLst>
+          </p:nvPr>
+        </p:nvGraphicFramePr>
+        <p:xfrm>
+          <a:off x="1524000" y="1397000"/>
+          <a:ext cx="6096000" cy="1854200"/>
+        </p:xfrm>
+        <a:graphic>
+          <a:graphicData uri="http://schemas.openxmlformats.org/drawingml/2006/table">
+            <a:tbl>
+              <a:tblPr firstRow="1" bandRow="1">
+                <a:tableStyleId>{5C22544A-7EE6-4342-B048-85BDC9FD1C3A}</a:tableStyleId>
+              </a:tblPr>
+              <a:tblGrid>
+                <a:gridCol w="3048000">
+                  <a:extLst>
+                    <a:ext uri="{9D8B030D-6E8A-4147-A177-3AD203B41FA5}">
+                      <a16:colId xmlns:a16="http://schemas.microsoft.com/office/drawing/2014/main" val="1436581588"/>
+                    </a:ext>
+                  </a:extLst>
+                </a:gridCol>
+                <a:gridCol w="3048000">
+                  <a:extLst>
+                    <a:ext uri="{9D8B030D-6E8A-4147-A177-3AD203B41FA5}">
+                      <a16:colId xmlns:a16="http://schemas.microsoft.com/office/drawing/2014/main" val="2492399913"/>
+                    </a:ext>
+                  </a:extLst>
+                </a:gridCol>
+              </a:tblGrid>
+              <a:tr h="370840">
+                <a:tc>
+                  <a:txBody>
+                    <a:bodyPr/>
+                    <a:lstStyle/>
+                    <a:p>
+                      <a:pPr algn="l"/>
+                      <a:r>
+                        <a:rPr lang="en-US"/>
+                        <a:t>Metric</a:t>
+                      </a:r>
+                    </a:p>
+                  </a:txBody>
+                  <a:tcPr anchor="ctr"/>
+                </a:tc>
+                <a:tc>
+                  <a:txBody>
+                    <a:bodyPr/>
+                    <a:lstStyle/>
+                    <a:p>
+                      <a:pPr algn="ctr"/>
+                      <a:r>
+                        <a:rPr lang="en-US"/>
+                        <a:t>Value</a:t>
+                      </a:r>
+                    </a:p>
+                  </a:txBody>
+                  <a:tcPr anchor="ctr"/>
+                </a:tc>
+                <a:extLst>
+                  <a:ext uri="{0D108BD9-81ED-4DB2-BD59-A6C34878D82A}">
+                    <a16:rowId xmlns:a16="http://schemas.microsoft.com/office/drawing/2014/main" val="2630440480"/>
+                  </a:ext>
+                </a:extLst>
+              </a:tr>
+              <a:tr h="370840">
+                <a:tc>
+                  <a:txBody>
+                    <a:bodyPr/>
+                    <a:lstStyle/>
+                    <a:p>
+                      <a:pPr algn="l"/>
+                      <a:r>
+                        <a:rPr lang="en-US"/>
+                        <a:t>Accuracy</a:t>
+                      </a:r>
+                    </a:p>
+                  </a:txBody>
+                  <a:tcPr anchor="ctr"/>
+                </a:tc>
+                <a:tc>
+                  <a:txBody>
+                    <a:bodyPr/>
+                    <a:lstStyle/>
+                    <a:p>
+                      <a:pPr algn="ctr"/>
+                      <a:r>
+                        <a:rPr lang="en-US"/>
+                        <a:t>100%</a:t>
+                      </a:r>
+                    </a:p>
+                  </a:txBody>
+                  <a:tcPr anchor="ctr"/>
+                </a:tc>
+                <a:extLst>
+                  <a:ext uri="{0D108BD9-81ED-4DB2-BD59-A6C34878D82A}">
+                    <a16:rowId xmlns:a16="http://schemas.microsoft.com/office/drawing/2014/main" val="4031935675"/>
+                  </a:ext>
+                </a:extLst>
+              </a:tr>
+              <a:tr h="370840">
+                <a:tc>
+                  <a:txBody>
+                    <a:bodyPr/>
+                    <a:lstStyle/>
+                    <a:p>
+                      <a:pPr algn="l"/>
+                      <a:r>
+                        <a:rPr lang="en-US"/>
+                        <a:t>Avg. Start Error</a:t>
+                      </a:r>
+                    </a:p>
+                  </a:txBody>
+                  <a:tcPr anchor="ctr"/>
+                </a:tc>
+                <a:tc>
+                  <a:txBody>
+                    <a:bodyPr/>
+                    <a:lstStyle/>
+                    <a:p>
+                      <a:pPr algn="ctr"/>
+                      <a:r>
+                        <a:rPr lang="en-US" baseline="0" dirty="0" smtClean="0"/>
+                        <a:t>800.37 </a:t>
+                      </a:r>
+                      <a:r>
+                        <a:rPr lang="en-US" dirty="0" smtClean="0"/>
+                        <a:t>seconds</a:t>
+                      </a:r>
+                      <a:endParaRPr lang="en-US" dirty="0"/>
+                    </a:p>
+                  </a:txBody>
+                  <a:tcPr anchor="ctr"/>
+                </a:tc>
+                <a:extLst>
+                  <a:ext uri="{0D108BD9-81ED-4DB2-BD59-A6C34878D82A}">
+                    <a16:rowId xmlns:a16="http://schemas.microsoft.com/office/drawing/2014/main" val="917544979"/>
+                  </a:ext>
+                </a:extLst>
+              </a:tr>
+              <a:tr h="370840">
+                <a:tc>
+                  <a:txBody>
+                    <a:bodyPr/>
+                    <a:lstStyle/>
+                    <a:p>
+                      <a:pPr algn="l"/>
+                      <a:r>
+                        <a:rPr lang="en-US"/>
+                        <a:t>Avg. End Error</a:t>
+                      </a:r>
+                    </a:p>
+                  </a:txBody>
+                  <a:tcPr anchor="ctr"/>
+                </a:tc>
+                <a:tc>
+                  <a:txBody>
+                    <a:bodyPr/>
+                    <a:lstStyle/>
+                    <a:p>
+                      <a:pPr algn="ctr"/>
+                      <a:r>
+                        <a:rPr lang="en-US" dirty="0" smtClean="0"/>
+                        <a:t>798.4 seconds</a:t>
+                      </a:r>
+                      <a:endParaRPr lang="en-US" dirty="0"/>
+                    </a:p>
+                  </a:txBody>
+                  <a:tcPr anchor="ctr"/>
+                </a:tc>
+                <a:extLst>
+                  <a:ext uri="{0D108BD9-81ED-4DB2-BD59-A6C34878D82A}">
+                    <a16:rowId xmlns:a16="http://schemas.microsoft.com/office/drawing/2014/main" val="3270341027"/>
+                  </a:ext>
+                </a:extLst>
+              </a:tr>
+              <a:tr h="370840">
+                <a:tc>
+                  <a:txBody>
+                    <a:bodyPr/>
+                    <a:lstStyle/>
+                    <a:p>
+                      <a:pPr algn="l"/>
+                      <a:r>
+                        <a:rPr lang="en-US"/>
+                        <a:t>Max Deviation</a:t>
+                      </a:r>
+                    </a:p>
+                  </a:txBody>
+                  <a:tcPr anchor="ctr"/>
+                </a:tc>
+                <a:tc>
+                  <a:txBody>
+                    <a:bodyPr/>
+                    <a:lstStyle/>
+                    <a:p>
+                      <a:pPr algn="ctr"/>
+                      <a:r>
+                        <a:rPr lang="en-US" dirty="0" smtClean="0"/>
+                        <a:t>1335.2 seconds</a:t>
+                      </a:r>
+                      <a:endParaRPr lang="en-US" dirty="0"/>
+                    </a:p>
+                  </a:txBody>
+                  <a:tcPr anchor="ctr"/>
+                </a:tc>
+                <a:extLst>
+                  <a:ext uri="{0D108BD9-81ED-4DB2-BD59-A6C34878D82A}">
+                    <a16:rowId xmlns:a16="http://schemas.microsoft.com/office/drawing/2014/main" val="3980561765"/>
+                  </a:ext>
+                </a:extLst>
+              </a:tr>
+            </a:tbl>
+          </a:graphicData>
+        </a:graphic>
+      </p:graphicFrame>
+      <p:sp>
+        <p:nvSpPr>
+          <p:cNvPr id="8" name="Rectangle 7"/>
+          <p:cNvSpPr/>
+          <p:nvPr/>
+        </p:nvSpPr>
+        <p:spPr>
+          <a:xfrm>
+            <a:off x="1339850" y="6015997"/>
+            <a:ext cx="6464300" cy="369332"/>
+          </a:xfrm>
+          <a:prstGeom prst="rect">
+            <a:avLst/>
+          </a:prstGeom>
+        </p:spPr>
+        <p:txBody>
+          <a:bodyPr wrap="square">
+            <a:spAutoFit/>
+          </a:bodyPr>
+          <a:lstStyle/>
+          <a:p>
+            <a:r>
+              <a:rPr lang="en-US" dirty="0"/>
+              <a:t>Graphs showing seizure detection </a:t>
+            </a:r>
+            <a:r>
+              <a:rPr lang="en-US" dirty="0" smtClean="0"/>
+              <a:t>visualization for Testing data</a:t>
+            </a:r>
+            <a:endParaRPr lang="en-US" dirty="0"/>
+          </a:p>
+        </p:txBody>
+      </p:sp>
+      <p:pic>
+        <p:nvPicPr>
+          <p:cNvPr id="3" name="Picture 2"/>
+          <p:cNvPicPr>
+            <a:picLocks noChangeAspect="1"/>
+          </p:cNvPicPr>
+          <p:nvPr/>
+        </p:nvPicPr>
+        <p:blipFill>
+          <a:blip r:embed="rId2"/>
+          <a:stretch>
+            <a:fillRect/>
+          </a:stretch>
+        </p:blipFill>
+        <p:spPr>
+          <a:xfrm>
+            <a:off x="457200" y="3806030"/>
+            <a:ext cx="4036185" cy="1870869"/>
+          </a:xfrm>
+          <a:prstGeom prst="rect">
+            <a:avLst/>
+          </a:prstGeom>
+        </p:spPr>
+      </p:pic>
+      <p:pic>
+        <p:nvPicPr>
+          <p:cNvPr id="4" name="Picture 3"/>
+          <p:cNvPicPr>
+            <a:picLocks noChangeAspect="1"/>
+          </p:cNvPicPr>
+          <p:nvPr/>
+        </p:nvPicPr>
+        <p:blipFill>
+          <a:blip r:embed="rId3"/>
+          <a:stretch>
+            <a:fillRect/>
+          </a:stretch>
+        </p:blipFill>
+        <p:spPr>
+          <a:xfrm>
+            <a:off x="4572000" y="3806030"/>
+            <a:ext cx="4152900" cy="1882586"/>
+          </a:xfrm>
+          <a:prstGeom prst="rect">
+            <a:avLst/>
+          </a:prstGeom>
+        </p:spPr>
+      </p:pic>
+    </p:spTree>
+    <p:extLst>
+      <p:ext uri="{BB962C8B-B14F-4D97-AF65-F5344CB8AC3E}">
+        <p14:creationId xmlns:p14="http://schemas.microsoft.com/office/powerpoint/2010/main" val="281504067"/>
+      </p:ext>
+    </p:extLst>
+  </p:cSld>
+  <p:clrMapOvr>
+    <a:masterClrMapping/>
+  </p:clrMapOvr>
+</p:sld>
+</file>
+
+<file path=ppt/slides/slide11.xml><?xml version="1.0" encoding="utf-8"?>
+<p:sld xmlns:a="http://schemas.openxmlformats.org/drawingml/2006/main" xmlns:r="http://schemas.openxmlformats.org/officeDocument/2006/relationships" xmlns:p="http://schemas.openxmlformats.org/presentationml/2006/main">
+  <p:cSld>
+    <p:spTree>
+      <p:nvGrpSpPr>
+        <p:cNvPr id="1" name=""/>
+        <p:cNvGrpSpPr/>
+        <p:nvPr/>
+      </p:nvGrpSpPr>
+      <p:grpSpPr>
+        <a:xfrm>
+          <a:off x="0" y="0"/>
+          <a:ext cx="0" cy="0"/>
+          <a:chOff x="0" y="0"/>
+          <a:chExt cx="0" cy="0"/>
+        </a:xfrm>
+      </p:grpSpPr>
+      <p:sp>
+        <p:nvSpPr>
+          <p:cNvPr id="2" name="Title 1"/>
+          <p:cNvSpPr>
+            <a:spLocks noGrp="1"/>
+          </p:cNvSpPr>
+          <p:nvPr>
+            <p:ph type="title"/>
+          </p:nvPr>
+        </p:nvSpPr>
+        <p:spPr/>
+        <p:txBody>
+          <a:bodyPr>
+            <a:noAutofit/>
+          </a:bodyPr>
+          <a:lstStyle/>
+          <a:p>
+            <a:r>
+              <a:rPr lang="en-US" b="1" dirty="0">
+                <a:solidFill>
+                  <a:srgbClr val="FF0000"/>
+                </a:solidFill>
+                <a:latin typeface="Times New Roman" panose="02020603050405020304" pitchFamily="18" charset="0"/>
+                <a:cs typeface="Times New Roman" panose="02020603050405020304" pitchFamily="18" charset="0"/>
+              </a:rPr>
+              <a:t>User Input Data and Seizure Labeling Process</a:t>
+            </a:r>
+          </a:p>
+        </p:txBody>
+      </p:sp>
+      <p:sp>
+        <p:nvSpPr>
+          <p:cNvPr id="3" name="Rectangle 2"/>
+          <p:cNvSpPr/>
+          <p:nvPr/>
+        </p:nvSpPr>
+        <p:spPr>
+          <a:xfrm>
+            <a:off x="457200" y="1577539"/>
+            <a:ext cx="8229600" cy="2246769"/>
+          </a:xfrm>
+          <a:prstGeom prst="rect">
+            <a:avLst/>
+          </a:prstGeom>
+        </p:spPr>
+        <p:txBody>
+          <a:bodyPr wrap="square">
+            <a:spAutoFit/>
+          </a:bodyPr>
+          <a:lstStyle/>
+          <a:p>
+            <a:pPr marL="342900" indent="-342900" algn="just">
+              <a:buFont typeface="Arial" panose="020B0604020202020204" pitchFamily="34" charset="0"/>
+              <a:buChar char="•"/>
+            </a:pPr>
+            <a:r>
+              <a:rPr lang="en-US" sz="2000" dirty="0">
+                <a:latin typeface="Times New Roman" panose="02020603050405020304" pitchFamily="18" charset="0"/>
+                <a:cs typeface="Times New Roman" panose="02020603050405020304" pitchFamily="18" charset="0"/>
+              </a:rPr>
+              <a:t>A custom user-input module was developed to analyze new EEG files</a:t>
+            </a:r>
+            <a:r>
+              <a:rPr lang="en-US" sz="2000" dirty="0" smtClean="0">
+                <a:latin typeface="Times New Roman" panose="02020603050405020304" pitchFamily="18" charset="0"/>
+                <a:cs typeface="Times New Roman" panose="02020603050405020304" pitchFamily="18" charset="0"/>
+              </a:rPr>
+              <a:t>.</a:t>
+            </a:r>
+          </a:p>
+          <a:p>
+            <a:pPr marL="342900" indent="-342900" algn="just">
+              <a:buFont typeface="Arial" panose="020B0604020202020204" pitchFamily="34" charset="0"/>
+              <a:buChar char="•"/>
+            </a:pPr>
+            <a:r>
+              <a:rPr lang="en-US" sz="2000" dirty="0" smtClean="0">
+                <a:latin typeface="Times New Roman" panose="02020603050405020304" pitchFamily="18" charset="0"/>
+                <a:cs typeface="Times New Roman" panose="02020603050405020304" pitchFamily="18" charset="0"/>
+              </a:rPr>
+              <a:t>The </a:t>
+            </a:r>
+            <a:r>
+              <a:rPr lang="en-US" sz="2000" dirty="0">
+                <a:latin typeface="Times New Roman" panose="02020603050405020304" pitchFamily="18" charset="0"/>
+                <a:cs typeface="Times New Roman" panose="02020603050405020304" pitchFamily="18" charset="0"/>
+              </a:rPr>
+              <a:t>system checks if the file contains seizure events using a dictionary-based labeling method</a:t>
+            </a:r>
+            <a:r>
+              <a:rPr lang="en-US" sz="2000" dirty="0" smtClean="0">
+                <a:latin typeface="Times New Roman" panose="02020603050405020304" pitchFamily="18" charset="0"/>
+                <a:cs typeface="Times New Roman" panose="02020603050405020304" pitchFamily="18" charset="0"/>
+              </a:rPr>
+              <a:t>.</a:t>
+            </a:r>
+          </a:p>
+          <a:p>
+            <a:pPr marL="342900" indent="-342900" algn="just">
+              <a:buFont typeface="Arial" panose="020B0604020202020204" pitchFamily="34" charset="0"/>
+              <a:buChar char="•"/>
+            </a:pPr>
+            <a:r>
+              <a:rPr lang="en-US" sz="2000" dirty="0" smtClean="0">
+                <a:latin typeface="Times New Roman" panose="02020603050405020304" pitchFamily="18" charset="0"/>
+                <a:cs typeface="Times New Roman" panose="02020603050405020304" pitchFamily="18" charset="0"/>
+              </a:rPr>
+              <a:t>For </a:t>
+            </a:r>
+            <a:r>
+              <a:rPr lang="en-US" sz="2000" dirty="0">
+                <a:latin typeface="Times New Roman" panose="02020603050405020304" pitchFamily="18" charset="0"/>
+                <a:cs typeface="Times New Roman" panose="02020603050405020304" pitchFamily="18" charset="0"/>
+              </a:rPr>
+              <a:t>seizure-positive files, seizure start and end times are extracted</a:t>
+            </a:r>
+            <a:r>
+              <a:rPr lang="en-US" sz="2000" dirty="0" smtClean="0">
+                <a:latin typeface="Times New Roman" panose="02020603050405020304" pitchFamily="18" charset="0"/>
+                <a:cs typeface="Times New Roman" panose="02020603050405020304" pitchFamily="18" charset="0"/>
+              </a:rPr>
+              <a:t>.</a:t>
+            </a:r>
+          </a:p>
+          <a:p>
+            <a:pPr marL="342900" indent="-342900" algn="just">
+              <a:buFont typeface="Arial" panose="020B0604020202020204" pitchFamily="34" charset="0"/>
+              <a:buChar char="•"/>
+            </a:pPr>
+            <a:r>
+              <a:rPr lang="en-US" sz="2000" dirty="0" smtClean="0">
+                <a:latin typeface="Times New Roman" panose="02020603050405020304" pitchFamily="18" charset="0"/>
+                <a:cs typeface="Times New Roman" panose="02020603050405020304" pitchFamily="18" charset="0"/>
+              </a:rPr>
+              <a:t>Non-seizure </a:t>
+            </a:r>
+            <a:r>
+              <a:rPr lang="en-US" sz="2000" dirty="0">
+                <a:latin typeface="Times New Roman" panose="02020603050405020304" pitchFamily="18" charset="0"/>
+                <a:cs typeface="Times New Roman" panose="02020603050405020304" pitchFamily="18" charset="0"/>
+              </a:rPr>
+              <a:t>files are automatically labeled as “0” (no seizure</a:t>
+            </a:r>
+            <a:r>
+              <a:rPr lang="en-US" sz="2000" dirty="0" smtClean="0">
+                <a:latin typeface="Times New Roman" panose="02020603050405020304" pitchFamily="18" charset="0"/>
+                <a:cs typeface="Times New Roman" panose="02020603050405020304" pitchFamily="18" charset="0"/>
+              </a:rPr>
+              <a:t>).</a:t>
+            </a:r>
+          </a:p>
+          <a:p>
+            <a:pPr marL="342900" indent="-342900" algn="just">
+              <a:buFont typeface="Arial" panose="020B0604020202020204" pitchFamily="34" charset="0"/>
+              <a:buChar char="•"/>
+            </a:pPr>
+            <a:r>
+              <a:rPr lang="en-US" sz="2000" dirty="0" smtClean="0">
+                <a:latin typeface="Times New Roman" panose="02020603050405020304" pitchFamily="18" charset="0"/>
+                <a:cs typeface="Times New Roman" panose="02020603050405020304" pitchFamily="18" charset="0"/>
+              </a:rPr>
+              <a:t>Output </a:t>
+            </a:r>
+            <a:r>
+              <a:rPr lang="en-US" sz="2000" dirty="0">
+                <a:latin typeface="Times New Roman" panose="02020603050405020304" pitchFamily="18" charset="0"/>
+                <a:cs typeface="Times New Roman" panose="02020603050405020304" pitchFamily="18" charset="0"/>
+              </a:rPr>
+              <a:t>data is then passed to the Random Forest Classifier and </a:t>
+            </a:r>
+            <a:r>
+              <a:rPr lang="en-US" sz="2000" dirty="0" err="1">
+                <a:latin typeface="Times New Roman" panose="02020603050405020304" pitchFamily="18" charset="0"/>
+                <a:cs typeface="Times New Roman" panose="02020603050405020304" pitchFamily="18" charset="0"/>
+              </a:rPr>
+              <a:t>Regressor</a:t>
+            </a:r>
+            <a:r>
+              <a:rPr lang="en-US" sz="2000" dirty="0">
+                <a:latin typeface="Times New Roman" panose="02020603050405020304" pitchFamily="18" charset="0"/>
+                <a:cs typeface="Times New Roman" panose="02020603050405020304" pitchFamily="18" charset="0"/>
+              </a:rPr>
+              <a:t> for detection and timing prediction.</a:t>
+            </a:r>
+          </a:p>
+        </p:txBody>
+      </p:sp>
+      <p:pic>
+        <p:nvPicPr>
+          <p:cNvPr id="4" name="Picture 3"/>
+          <p:cNvPicPr>
+            <a:picLocks noChangeAspect="1"/>
+          </p:cNvPicPr>
+          <p:nvPr/>
+        </p:nvPicPr>
+        <p:blipFill>
+          <a:blip r:embed="rId2"/>
+          <a:stretch>
+            <a:fillRect/>
+          </a:stretch>
+        </p:blipFill>
+        <p:spPr>
+          <a:xfrm>
+            <a:off x="457200" y="3984209"/>
+            <a:ext cx="4219769" cy="1601348"/>
+          </a:xfrm>
+          <a:prstGeom prst="rect">
+            <a:avLst/>
+          </a:prstGeom>
+        </p:spPr>
+      </p:pic>
+      <p:sp>
+        <p:nvSpPr>
+          <p:cNvPr id="5" name="Rectangle 4"/>
+          <p:cNvSpPr/>
+          <p:nvPr/>
+        </p:nvSpPr>
+        <p:spPr>
+          <a:xfrm>
+            <a:off x="636684" y="5608514"/>
+            <a:ext cx="3860800" cy="430887"/>
+          </a:xfrm>
+          <a:prstGeom prst="rect">
+            <a:avLst/>
+          </a:prstGeom>
+        </p:spPr>
+        <p:txBody>
+          <a:bodyPr wrap="square">
+            <a:spAutoFit/>
+          </a:bodyPr>
+          <a:lstStyle/>
+          <a:p>
+            <a:r>
+              <a:rPr lang="en-US" sz="1100" dirty="0">
+                <a:latin typeface="Times New Roman" panose="02020603050405020304" pitchFamily="18" charset="0"/>
+                <a:cs typeface="Times New Roman" panose="02020603050405020304" pitchFamily="18" charset="0"/>
+              </a:rPr>
+              <a:t>Testing signal plots showing actual seizure durations of a user input file</a:t>
+            </a:r>
+          </a:p>
+        </p:txBody>
+      </p:sp>
+      <p:pic>
+        <p:nvPicPr>
+          <p:cNvPr id="6" name="Picture 5"/>
+          <p:cNvPicPr>
+            <a:picLocks noChangeAspect="1"/>
+          </p:cNvPicPr>
+          <p:nvPr/>
+        </p:nvPicPr>
+        <p:blipFill>
+          <a:blip r:embed="rId3"/>
+          <a:stretch>
+            <a:fillRect/>
+          </a:stretch>
+        </p:blipFill>
+        <p:spPr>
+          <a:xfrm>
+            <a:off x="5080000" y="3824307"/>
+            <a:ext cx="3606800" cy="1697971"/>
+          </a:xfrm>
+          <a:prstGeom prst="rect">
+            <a:avLst/>
+          </a:prstGeom>
+        </p:spPr>
+      </p:pic>
+      <p:sp>
+        <p:nvSpPr>
+          <p:cNvPr id="7" name="Rectangle 6"/>
+          <p:cNvSpPr/>
+          <p:nvPr/>
+        </p:nvSpPr>
+        <p:spPr>
+          <a:xfrm>
+            <a:off x="4597400" y="5585557"/>
+            <a:ext cx="4089400" cy="430887"/>
+          </a:xfrm>
+          <a:prstGeom prst="rect">
+            <a:avLst/>
+          </a:prstGeom>
+        </p:spPr>
+        <p:txBody>
+          <a:bodyPr wrap="square">
+            <a:spAutoFit/>
+          </a:bodyPr>
+          <a:lstStyle/>
+          <a:p>
+            <a:r>
+              <a:rPr lang="en-US" sz="1100" dirty="0">
+                <a:latin typeface="Times New Roman" panose="02020603050405020304" pitchFamily="18" charset="0"/>
+                <a:cs typeface="Times New Roman" panose="02020603050405020304" pitchFamily="18" charset="0"/>
+              </a:rPr>
+              <a:t>Testing signal plots showing predicted seizure durations of a user input file</a:t>
+            </a:r>
+          </a:p>
+        </p:txBody>
+      </p:sp>
+    </p:spTree>
+    <p:extLst>
+      <p:ext uri="{BB962C8B-B14F-4D97-AF65-F5344CB8AC3E}">
+        <p14:creationId xmlns:p14="http://schemas.microsoft.com/office/powerpoint/2010/main" val="3424054015"/>
+      </p:ext>
+    </p:extLst>
+  </p:cSld>
+  <p:clrMapOvr>
+    <a:masterClrMapping/>
+  </p:clrMapOvr>
+</p:sld>
+</file>
+
+<file path=ppt/slides/slide12.xml><?xml version="1.0" encoding="utf-8"?>
+<p:sld xmlns:a="http://schemas.openxmlformats.org/drawingml/2006/main" xmlns:r="http://schemas.openxmlformats.org/officeDocument/2006/relationships" xmlns:p="http://schemas.openxmlformats.org/presentationml/2006/main">
+  <p:cSld>
+    <p:spTree>
+      <p:nvGrpSpPr>
+        <p:cNvPr id="1" name=""/>
+        <p:cNvGrpSpPr/>
+        <p:nvPr/>
+      </p:nvGrpSpPr>
+      <p:grpSpPr>
+        <a:xfrm>
+          <a:off x="0" y="0"/>
+          <a:ext cx="0" cy="0"/>
+          <a:chOff x="0" y="0"/>
+          <a:chExt cx="0" cy="0"/>
+        </a:xfrm>
+      </p:grpSpPr>
+      <p:sp>
+        <p:nvSpPr>
+          <p:cNvPr id="2" name="Title 1"/>
+          <p:cNvSpPr>
+            <a:spLocks noGrp="1"/>
+          </p:cNvSpPr>
+          <p:nvPr>
+            <p:ph type="title"/>
+          </p:nvPr>
+        </p:nvSpPr>
+        <p:spPr/>
+        <p:txBody>
+          <a:bodyPr/>
+          <a:lstStyle/>
+          <a:p>
+            <a:r>
+              <a:rPr lang="en-US" b="1" dirty="0">
+                <a:solidFill>
+                  <a:srgbClr val="FF0000"/>
+                </a:solidFill>
+                <a:latin typeface="Times New Roman" panose="02020603050405020304" pitchFamily="18" charset="0"/>
+                <a:cs typeface="Times New Roman" panose="02020603050405020304" pitchFamily="18" charset="0"/>
+              </a:rPr>
+              <a:t>Limitations and Future Work</a:t>
+            </a:r>
+          </a:p>
+        </p:txBody>
+      </p:sp>
+      <p:sp>
+        <p:nvSpPr>
+          <p:cNvPr id="3" name="Rectangle 2"/>
+          <p:cNvSpPr/>
+          <p:nvPr/>
+        </p:nvSpPr>
+        <p:spPr>
+          <a:xfrm>
+            <a:off x="914400" y="1574800"/>
+            <a:ext cx="3848100" cy="2554545"/>
+          </a:xfrm>
+          <a:prstGeom prst="rect">
+            <a:avLst/>
+          </a:prstGeom>
+        </p:spPr>
+        <p:txBody>
+          <a:bodyPr wrap="square">
+            <a:spAutoFit/>
+          </a:bodyPr>
+          <a:lstStyle/>
+          <a:p>
+            <a:pPr>
+              <a:lnSpc>
+                <a:spcPct val="200000"/>
+              </a:lnSpc>
+            </a:pPr>
+            <a:r>
+              <a:rPr lang="en-US" sz="2000" b="1" dirty="0">
+                <a:latin typeface="Times New Roman" panose="02020603050405020304" pitchFamily="18" charset="0"/>
+                <a:cs typeface="Times New Roman" panose="02020603050405020304" pitchFamily="18" charset="0"/>
+              </a:rPr>
+              <a:t>Limitations</a:t>
+            </a:r>
+            <a:r>
+              <a:rPr lang="en-US" sz="2000" dirty="0" smtClean="0">
+                <a:latin typeface="Times New Roman" panose="02020603050405020304" pitchFamily="18" charset="0"/>
+                <a:cs typeface="Times New Roman" panose="02020603050405020304" pitchFamily="18" charset="0"/>
+              </a:rPr>
+              <a:t>:</a:t>
+            </a:r>
+          </a:p>
+          <a:p>
+            <a:pPr marL="285750" indent="-285750">
+              <a:lnSpc>
+                <a:spcPct val="200000"/>
+              </a:lnSpc>
+              <a:buFont typeface="Arial" panose="020B0604020202020204" pitchFamily="34" charset="0"/>
+              <a:buChar char="•"/>
+            </a:pPr>
+            <a:r>
+              <a:rPr lang="en-US" sz="2000" dirty="0" smtClean="0">
+                <a:latin typeface="Times New Roman" panose="02020603050405020304" pitchFamily="18" charset="0"/>
+                <a:cs typeface="Times New Roman" panose="02020603050405020304" pitchFamily="18" charset="0"/>
+              </a:rPr>
+              <a:t>Small </a:t>
+            </a:r>
+            <a:r>
+              <a:rPr lang="en-US" sz="2000" dirty="0">
+                <a:latin typeface="Times New Roman" panose="02020603050405020304" pitchFamily="18" charset="0"/>
+                <a:cs typeface="Times New Roman" panose="02020603050405020304" pitchFamily="18" charset="0"/>
+              </a:rPr>
+              <a:t>dataset (3 patients only</a:t>
+            </a:r>
+            <a:r>
+              <a:rPr lang="en-US" sz="2000" dirty="0" smtClean="0">
+                <a:latin typeface="Times New Roman" panose="02020603050405020304" pitchFamily="18" charset="0"/>
+                <a:cs typeface="Times New Roman" panose="02020603050405020304" pitchFamily="18" charset="0"/>
+              </a:rPr>
+              <a:t>)</a:t>
+            </a:r>
+          </a:p>
+          <a:p>
+            <a:pPr marL="285750" indent="-285750">
+              <a:lnSpc>
+                <a:spcPct val="200000"/>
+              </a:lnSpc>
+              <a:buFont typeface="Arial" panose="020B0604020202020204" pitchFamily="34" charset="0"/>
+              <a:buChar char="•"/>
+            </a:pPr>
+            <a:r>
+              <a:rPr lang="en-US" sz="2000" dirty="0" smtClean="0">
+                <a:latin typeface="Times New Roman" panose="02020603050405020304" pitchFamily="18" charset="0"/>
+                <a:cs typeface="Times New Roman" panose="02020603050405020304" pitchFamily="18" charset="0"/>
+              </a:rPr>
+              <a:t>Timing </a:t>
+            </a:r>
+            <a:r>
+              <a:rPr lang="en-US" sz="2000" dirty="0">
+                <a:latin typeface="Times New Roman" panose="02020603050405020304" pitchFamily="18" charset="0"/>
+                <a:cs typeface="Times New Roman" panose="02020603050405020304" pitchFamily="18" charset="0"/>
+              </a:rPr>
+              <a:t>offsets of 5–10 </a:t>
+            </a:r>
+            <a:r>
+              <a:rPr lang="en-US" sz="2000" dirty="0" smtClean="0">
+                <a:latin typeface="Times New Roman" panose="02020603050405020304" pitchFamily="18" charset="0"/>
+                <a:cs typeface="Times New Roman" panose="02020603050405020304" pitchFamily="18" charset="0"/>
+              </a:rPr>
+              <a:t>min</a:t>
+            </a:r>
+          </a:p>
+          <a:p>
+            <a:pPr marL="285750" indent="-285750">
+              <a:lnSpc>
+                <a:spcPct val="200000"/>
+              </a:lnSpc>
+              <a:buFont typeface="Arial" panose="020B0604020202020204" pitchFamily="34" charset="0"/>
+              <a:buChar char="•"/>
+            </a:pPr>
+            <a:r>
+              <a:rPr lang="en-US" sz="2000" dirty="0" smtClean="0">
+                <a:latin typeface="Times New Roman" panose="02020603050405020304" pitchFamily="18" charset="0"/>
+                <a:cs typeface="Times New Roman" panose="02020603050405020304" pitchFamily="18" charset="0"/>
+              </a:rPr>
+              <a:t>Detects </a:t>
+            </a:r>
+            <a:r>
+              <a:rPr lang="en-US" sz="2000" dirty="0">
+                <a:latin typeface="Times New Roman" panose="02020603050405020304" pitchFamily="18" charset="0"/>
+                <a:cs typeface="Times New Roman" panose="02020603050405020304" pitchFamily="18" charset="0"/>
+              </a:rPr>
+              <a:t>only one seizure per file</a:t>
+            </a:r>
+          </a:p>
+        </p:txBody>
+      </p:sp>
+      <p:sp>
+        <p:nvSpPr>
+          <p:cNvPr id="5" name="Rectangle 4"/>
+          <p:cNvSpPr/>
+          <p:nvPr/>
+        </p:nvSpPr>
+        <p:spPr>
+          <a:xfrm>
+            <a:off x="4762500" y="1574800"/>
+            <a:ext cx="4572000" cy="3170099"/>
+          </a:xfrm>
+          <a:prstGeom prst="rect">
+            <a:avLst/>
+          </a:prstGeom>
+        </p:spPr>
+        <p:txBody>
+          <a:bodyPr>
+            <a:spAutoFit/>
+          </a:bodyPr>
+          <a:lstStyle/>
+          <a:p>
+            <a:pPr>
+              <a:lnSpc>
+                <a:spcPct val="200000"/>
+              </a:lnSpc>
+            </a:pPr>
+            <a:r>
+              <a:rPr lang="en-US" sz="2000" b="1" dirty="0">
+                <a:latin typeface="Times New Roman" panose="02020603050405020304" pitchFamily="18" charset="0"/>
+                <a:cs typeface="Times New Roman" panose="02020603050405020304" pitchFamily="18" charset="0"/>
+              </a:rPr>
+              <a:t>Future Work</a:t>
+            </a:r>
+            <a:r>
+              <a:rPr lang="en-US" sz="2000" b="1" dirty="0" smtClean="0">
+                <a:latin typeface="Times New Roman" panose="02020603050405020304" pitchFamily="18" charset="0"/>
+                <a:cs typeface="Times New Roman" panose="02020603050405020304" pitchFamily="18" charset="0"/>
+              </a:rPr>
+              <a:t>:</a:t>
+            </a:r>
+          </a:p>
+          <a:p>
+            <a:pPr marL="342900" indent="-342900">
+              <a:lnSpc>
+                <a:spcPct val="200000"/>
+              </a:lnSpc>
+              <a:buFont typeface="Arial" panose="020B0604020202020204" pitchFamily="34" charset="0"/>
+              <a:buChar char="•"/>
+            </a:pPr>
+            <a:r>
+              <a:rPr lang="en-US" sz="2000" dirty="0" smtClean="0">
+                <a:latin typeface="Times New Roman" panose="02020603050405020304" pitchFamily="18" charset="0"/>
+                <a:cs typeface="Times New Roman" panose="02020603050405020304" pitchFamily="18" charset="0"/>
+              </a:rPr>
+              <a:t>Include 5 files from all 24 patients</a:t>
+            </a:r>
+            <a:endParaRPr lang="en-US" sz="2000" dirty="0">
+              <a:latin typeface="Times New Roman" panose="02020603050405020304" pitchFamily="18" charset="0"/>
+              <a:cs typeface="Times New Roman" panose="02020603050405020304" pitchFamily="18" charset="0"/>
+            </a:endParaRPr>
+          </a:p>
+          <a:p>
+            <a:pPr marL="342900" indent="-342900">
+              <a:lnSpc>
+                <a:spcPct val="200000"/>
+              </a:lnSpc>
+              <a:buFont typeface="Arial" panose="020B0604020202020204" pitchFamily="34" charset="0"/>
+              <a:buChar char="•"/>
+            </a:pPr>
+            <a:r>
+              <a:rPr lang="en-US" sz="2000" dirty="0" smtClean="0">
+                <a:latin typeface="Times New Roman" panose="02020603050405020304" pitchFamily="18" charset="0"/>
+                <a:cs typeface="Times New Roman" panose="02020603050405020304" pitchFamily="18" charset="0"/>
+              </a:rPr>
+              <a:t>Use </a:t>
+            </a:r>
+            <a:r>
+              <a:rPr lang="en-US" sz="2000" dirty="0">
+                <a:latin typeface="Times New Roman" panose="02020603050405020304" pitchFamily="18" charset="0"/>
+                <a:cs typeface="Times New Roman" panose="02020603050405020304" pitchFamily="18" charset="0"/>
+              </a:rPr>
+              <a:t>5–10 sec </a:t>
+            </a:r>
+            <a:r>
+              <a:rPr lang="en-US" sz="2000" dirty="0" smtClean="0">
+                <a:latin typeface="Times New Roman" panose="02020603050405020304" pitchFamily="18" charset="0"/>
+                <a:cs typeface="Times New Roman" panose="02020603050405020304" pitchFamily="18" charset="0"/>
+              </a:rPr>
+              <a:t>epochs</a:t>
+            </a:r>
+          </a:p>
+          <a:p>
+            <a:pPr marL="342900" indent="-342900">
+              <a:lnSpc>
+                <a:spcPct val="200000"/>
+              </a:lnSpc>
+              <a:buFont typeface="Arial" panose="020B0604020202020204" pitchFamily="34" charset="0"/>
+              <a:buChar char="•"/>
+            </a:pPr>
+            <a:r>
+              <a:rPr lang="en-US" sz="2000" dirty="0" smtClean="0">
+                <a:latin typeface="Times New Roman" panose="02020603050405020304" pitchFamily="18" charset="0"/>
+                <a:cs typeface="Times New Roman" panose="02020603050405020304" pitchFamily="18" charset="0"/>
+              </a:rPr>
+              <a:t>Detect </a:t>
+            </a:r>
+            <a:r>
+              <a:rPr lang="en-US" sz="2000" dirty="0">
+                <a:latin typeface="Times New Roman" panose="02020603050405020304" pitchFamily="18" charset="0"/>
+                <a:cs typeface="Times New Roman" panose="02020603050405020304" pitchFamily="18" charset="0"/>
+              </a:rPr>
+              <a:t>multiple </a:t>
+            </a:r>
+            <a:r>
+              <a:rPr lang="en-US" sz="2000" dirty="0" smtClean="0">
+                <a:latin typeface="Times New Roman" panose="02020603050405020304" pitchFamily="18" charset="0"/>
+                <a:cs typeface="Times New Roman" panose="02020603050405020304" pitchFamily="18" charset="0"/>
+              </a:rPr>
+              <a:t>seizures</a:t>
+            </a:r>
+          </a:p>
+          <a:p>
+            <a:pPr marL="342900" indent="-342900">
+              <a:lnSpc>
+                <a:spcPct val="200000"/>
+              </a:lnSpc>
+              <a:buFont typeface="Arial" panose="020B0604020202020204" pitchFamily="34" charset="0"/>
+              <a:buChar char="•"/>
+            </a:pPr>
+            <a:r>
+              <a:rPr lang="en-US" sz="2000" dirty="0" smtClean="0">
+                <a:latin typeface="Times New Roman" panose="02020603050405020304" pitchFamily="18" charset="0"/>
+                <a:cs typeface="Times New Roman" panose="02020603050405020304" pitchFamily="18" charset="0"/>
+              </a:rPr>
+              <a:t>Optimize </a:t>
+            </a:r>
+            <a:r>
+              <a:rPr lang="en-US" sz="2000" dirty="0">
+                <a:latin typeface="Times New Roman" panose="02020603050405020304" pitchFamily="18" charset="0"/>
+                <a:cs typeface="Times New Roman" panose="02020603050405020304" pitchFamily="18" charset="0"/>
+              </a:rPr>
+              <a:t>parameters</a:t>
+            </a:r>
+          </a:p>
+        </p:txBody>
+      </p:sp>
+    </p:spTree>
+    <p:extLst>
+      <p:ext uri="{BB962C8B-B14F-4D97-AF65-F5344CB8AC3E}">
+        <p14:creationId xmlns:p14="http://schemas.microsoft.com/office/powerpoint/2010/main" val="2639595755"/>
+      </p:ext>
+    </p:extLst>
+  </p:cSld>
+  <p:clrMapOvr>
+    <a:masterClrMapping/>
+  </p:clrMapOvr>
+</p:sld>
+</file>
+
+<file path=ppt/slides/slide13.xml><?xml version="1.0" encoding="utf-8"?>
+<p:sld xmlns:a="http://schemas.openxmlformats.org/drawingml/2006/main" xmlns:r="http://schemas.openxmlformats.org/officeDocument/2006/relationships" xmlns:p="http://schemas.openxmlformats.org/presentationml/2006/main">
+  <p:cSld>
+    <p:spTree>
+      <p:nvGrpSpPr>
+        <p:cNvPr id="1" name=""/>
+        <p:cNvGrpSpPr/>
+        <p:nvPr/>
+      </p:nvGrpSpPr>
+      <p:grpSpPr>
+        <a:xfrm>
+          <a:off x="0" y="0"/>
+          <a:ext cx="0" cy="0"/>
+          <a:chOff x="0" y="0"/>
+          <a:chExt cx="0" cy="0"/>
+        </a:xfrm>
+      </p:grpSpPr>
+      <p:sp>
+        <p:nvSpPr>
+          <p:cNvPr id="2" name="Title 1"/>
+          <p:cNvSpPr>
+            <a:spLocks noGrp="1"/>
+          </p:cNvSpPr>
+          <p:nvPr>
+            <p:ph type="title"/>
+          </p:nvPr>
+        </p:nvSpPr>
+        <p:spPr/>
+        <p:txBody>
+          <a:bodyPr/>
+          <a:lstStyle/>
+          <a:p>
+            <a:r>
+              <a:rPr lang="en-US" b="1" dirty="0">
+                <a:solidFill>
+                  <a:srgbClr val="FF0000"/>
+                </a:solidFill>
+                <a:latin typeface="Times New Roman" panose="02020603050405020304" pitchFamily="18" charset="0"/>
+                <a:cs typeface="Times New Roman" panose="02020603050405020304" pitchFamily="18" charset="0"/>
+              </a:rPr>
+              <a:t>Research Plan &amp; Timeline</a:t>
+            </a:r>
+            <a:endParaRPr b="1" dirty="0">
+              <a:solidFill>
+                <a:srgbClr val="FF0000"/>
+              </a:solidFill>
+              <a:latin typeface="Times New Roman" panose="02020603050405020304" pitchFamily="18" charset="0"/>
+              <a:cs typeface="Times New Roman" panose="02020603050405020304" pitchFamily="18" charset="0"/>
+            </a:endParaRPr>
+          </a:p>
+        </p:txBody>
+      </p:sp>
+      <p:pic>
+        <p:nvPicPr>
+          <p:cNvPr id="12" name="Picture 11"/>
+          <p:cNvPicPr>
+            <a:picLocks noChangeAspect="1"/>
+          </p:cNvPicPr>
+          <p:nvPr/>
+        </p:nvPicPr>
+        <p:blipFill>
+          <a:blip r:embed="rId2"/>
+          <a:stretch>
+            <a:fillRect/>
+          </a:stretch>
+        </p:blipFill>
+        <p:spPr>
+          <a:xfrm>
+            <a:off x="1269742" y="1984123"/>
+            <a:ext cx="5944115" cy="1305178"/>
+          </a:xfrm>
+          <a:prstGeom prst="rect">
+            <a:avLst/>
+          </a:prstGeom>
+        </p:spPr>
+      </p:pic>
+      <p:pic>
+        <p:nvPicPr>
+          <p:cNvPr id="13" name="Picture 12"/>
+          <p:cNvPicPr>
+            <a:picLocks noChangeAspect="1"/>
+          </p:cNvPicPr>
+          <p:nvPr/>
+        </p:nvPicPr>
+        <p:blipFill>
+          <a:blip r:embed="rId3"/>
+          <a:stretch>
+            <a:fillRect/>
+          </a:stretch>
+        </p:blipFill>
+        <p:spPr>
+          <a:xfrm>
+            <a:off x="1269741" y="4174139"/>
+            <a:ext cx="5944115" cy="1959961"/>
+          </a:xfrm>
+          <a:prstGeom prst="rect">
+            <a:avLst/>
+          </a:prstGeom>
+        </p:spPr>
+      </p:pic>
+      <p:sp>
+        <p:nvSpPr>
+          <p:cNvPr id="14" name="Rectangle 13"/>
+          <p:cNvSpPr/>
+          <p:nvPr/>
+        </p:nvSpPr>
+        <p:spPr>
+          <a:xfrm>
+            <a:off x="1269742" y="1207430"/>
+            <a:ext cx="7594858" cy="707886"/>
+          </a:xfrm>
+          <a:prstGeom prst="rect">
+            <a:avLst/>
+          </a:prstGeom>
+        </p:spPr>
+        <p:txBody>
+          <a:bodyPr wrap="square">
+            <a:spAutoFit/>
+          </a:bodyPr>
+          <a:lstStyle/>
+          <a:p>
+            <a:r>
+              <a:rPr lang="en-US" sz="2000" b="1" dirty="0">
+                <a:latin typeface="Times New Roman" panose="02020603050405020304" pitchFamily="18" charset="0"/>
+                <a:cs typeface="Times New Roman" panose="02020603050405020304" pitchFamily="18" charset="0"/>
+              </a:rPr>
+              <a:t>Project 1: </a:t>
+            </a:r>
+            <a:endParaRPr lang="en-US" sz="2000" b="1" dirty="0" smtClean="0">
+              <a:latin typeface="Times New Roman" panose="02020603050405020304" pitchFamily="18" charset="0"/>
+              <a:cs typeface="Times New Roman" panose="02020603050405020304" pitchFamily="18" charset="0"/>
+            </a:endParaRPr>
+          </a:p>
+          <a:p>
+            <a:r>
+              <a:rPr lang="en-US" sz="2000" dirty="0" smtClean="0">
+                <a:latin typeface="Times New Roman" panose="02020603050405020304" pitchFamily="18" charset="0"/>
+                <a:cs typeface="Times New Roman" panose="02020603050405020304" pitchFamily="18" charset="0"/>
+              </a:rPr>
+              <a:t>(Completed) </a:t>
+            </a:r>
+            <a:r>
+              <a:rPr lang="en-US" sz="2000" dirty="0">
+                <a:latin typeface="Times New Roman" panose="02020603050405020304" pitchFamily="18" charset="0"/>
+                <a:cs typeface="Times New Roman" panose="02020603050405020304" pitchFamily="18" charset="0"/>
+              </a:rPr>
+              <a:t>model development and preliminary testing</a:t>
+            </a:r>
+          </a:p>
+        </p:txBody>
+      </p:sp>
+      <p:sp>
+        <p:nvSpPr>
+          <p:cNvPr id="15" name="Rectangle 14"/>
+          <p:cNvSpPr/>
+          <p:nvPr/>
+        </p:nvSpPr>
+        <p:spPr>
+          <a:xfrm>
+            <a:off x="1269741" y="3418816"/>
+            <a:ext cx="7556500" cy="707886"/>
+          </a:xfrm>
+          <a:prstGeom prst="rect">
+            <a:avLst/>
+          </a:prstGeom>
+        </p:spPr>
+        <p:txBody>
+          <a:bodyPr wrap="square">
+            <a:spAutoFit/>
+          </a:bodyPr>
+          <a:lstStyle/>
+          <a:p>
+            <a:r>
+              <a:rPr lang="en-US" sz="2000" b="1" dirty="0">
+                <a:latin typeface="Times New Roman" panose="02020603050405020304" pitchFamily="18" charset="0"/>
+                <a:cs typeface="Times New Roman" panose="02020603050405020304" pitchFamily="18" charset="0"/>
+              </a:rPr>
+              <a:t>Project 2:</a:t>
+            </a:r>
+            <a:r>
+              <a:rPr lang="en-US" sz="2000" dirty="0">
+                <a:latin typeface="Times New Roman" panose="02020603050405020304" pitchFamily="18" charset="0"/>
+                <a:cs typeface="Times New Roman" panose="02020603050405020304" pitchFamily="18" charset="0"/>
+              </a:rPr>
+              <a:t> </a:t>
+            </a:r>
+            <a:endParaRPr lang="en-US" sz="2000" dirty="0" smtClean="0">
+              <a:latin typeface="Times New Roman" panose="02020603050405020304" pitchFamily="18" charset="0"/>
+              <a:cs typeface="Times New Roman" panose="02020603050405020304" pitchFamily="18" charset="0"/>
+            </a:endParaRPr>
+          </a:p>
+          <a:p>
+            <a:r>
+              <a:rPr lang="en-US" sz="2000" dirty="0" smtClean="0">
+                <a:latin typeface="Times New Roman" panose="02020603050405020304" pitchFamily="18" charset="0"/>
+                <a:cs typeface="Times New Roman" panose="02020603050405020304" pitchFamily="18" charset="0"/>
+              </a:rPr>
+              <a:t>(Planned) </a:t>
+            </a:r>
+            <a:r>
+              <a:rPr lang="en-US" sz="2000" dirty="0">
+                <a:latin typeface="Times New Roman" panose="02020603050405020304" pitchFamily="18" charset="0"/>
+                <a:cs typeface="Times New Roman" panose="02020603050405020304" pitchFamily="18" charset="0"/>
+              </a:rPr>
+              <a:t>dataset expansion, epoch segmentation, optimization</a:t>
+            </a:r>
+          </a:p>
+        </p:txBody>
+      </p:sp>
+    </p:spTree>
+  </p:cSld>
+  <p:clrMapOvr>
+    <a:masterClrMapping/>
+  </p:clrMapOvr>
+</p:sld>
+</file>
+
+<file path=ppt/slides/slide14.xml><?xml version="1.0" encoding="utf-8"?>
+<p:sld xmlns:a="http://schemas.openxmlformats.org/drawingml/2006/main" xmlns:r="http://schemas.openxmlformats.org/officeDocument/2006/relationships" xmlns:p="http://schemas.openxmlformats.org/presentationml/2006/main">
+  <p:cSld>
+    <p:spTree>
+      <p:nvGrpSpPr>
+        <p:cNvPr id="1" name=""/>
+        <p:cNvGrpSpPr/>
+        <p:nvPr/>
+      </p:nvGrpSpPr>
+      <p:grpSpPr>
+        <a:xfrm>
+          <a:off x="0" y="0"/>
+          <a:ext cx="0" cy="0"/>
+          <a:chOff x="0" y="0"/>
+          <a:chExt cx="0" cy="0"/>
+        </a:xfrm>
+      </p:grpSpPr>
+      <p:sp>
+        <p:nvSpPr>
+          <p:cNvPr id="2" name="Title 1"/>
+          <p:cNvSpPr>
+            <a:spLocks noGrp="1"/>
+          </p:cNvSpPr>
+          <p:nvPr>
+            <p:ph type="title"/>
+          </p:nvPr>
+        </p:nvSpPr>
+        <p:spPr/>
+        <p:txBody>
+          <a:bodyPr/>
+          <a:lstStyle/>
+          <a:p>
+            <a:r>
+              <a:rPr b="1" dirty="0">
+                <a:solidFill>
+                  <a:srgbClr val="FF0000"/>
+                </a:solidFill>
+                <a:latin typeface="Times New Roman" panose="02020603050405020304" pitchFamily="18" charset="0"/>
+                <a:cs typeface="Times New Roman" panose="02020603050405020304" pitchFamily="18" charset="0"/>
+              </a:rPr>
+              <a:t>Conclusion</a:t>
+            </a:r>
+          </a:p>
+        </p:txBody>
+      </p:sp>
+      <p:sp>
+        <p:nvSpPr>
+          <p:cNvPr id="4" name="Rectangle 3"/>
+          <p:cNvSpPr/>
+          <p:nvPr/>
+        </p:nvSpPr>
+        <p:spPr>
+          <a:xfrm>
+            <a:off x="939800" y="1417638"/>
+            <a:ext cx="7023100" cy="3323987"/>
+          </a:xfrm>
+          <a:prstGeom prst="rect">
+            <a:avLst/>
+          </a:prstGeom>
+        </p:spPr>
+        <p:txBody>
+          <a:bodyPr wrap="square">
+            <a:spAutoFit/>
+          </a:bodyPr>
+          <a:lstStyle/>
+          <a:p>
+            <a:pPr marL="285750" indent="-285750" algn="just">
+              <a:lnSpc>
+                <a:spcPct val="150000"/>
+              </a:lnSpc>
+              <a:buFont typeface="Arial" panose="020B0604020202020204" pitchFamily="34" charset="0"/>
+              <a:buChar char="•"/>
+            </a:pPr>
+            <a:r>
+              <a:rPr lang="en-US" sz="2000" dirty="0">
+                <a:latin typeface="Times New Roman" panose="02020603050405020304" pitchFamily="18" charset="0"/>
+                <a:cs typeface="Times New Roman" panose="02020603050405020304" pitchFamily="18" charset="0"/>
+              </a:rPr>
+              <a:t>Random Forest model achieved 100% classification accuracy</a:t>
+            </a:r>
+            <a:r>
+              <a:rPr lang="en-US" sz="2000" dirty="0" smtClean="0">
+                <a:latin typeface="Times New Roman" panose="02020603050405020304" pitchFamily="18" charset="0"/>
+                <a:cs typeface="Times New Roman" panose="02020603050405020304" pitchFamily="18" charset="0"/>
+              </a:rPr>
+              <a:t>.</a:t>
+            </a:r>
+          </a:p>
+          <a:p>
+            <a:pPr marL="285750" indent="-285750" algn="just">
+              <a:lnSpc>
+                <a:spcPct val="150000"/>
+              </a:lnSpc>
+              <a:buFont typeface="Arial" panose="020B0604020202020204" pitchFamily="34" charset="0"/>
+              <a:buChar char="•"/>
+            </a:pPr>
+            <a:r>
+              <a:rPr lang="en-US" sz="2000" dirty="0" smtClean="0">
+                <a:latin typeface="Times New Roman" panose="02020603050405020304" pitchFamily="18" charset="0"/>
+                <a:cs typeface="Times New Roman" panose="02020603050405020304" pitchFamily="18" charset="0"/>
+              </a:rPr>
+              <a:t>Regression </a:t>
+            </a:r>
+            <a:r>
+              <a:rPr lang="en-US" sz="2000" dirty="0">
+                <a:latin typeface="Times New Roman" panose="02020603050405020304" pitchFamily="18" charset="0"/>
+                <a:cs typeface="Times New Roman" panose="02020603050405020304" pitchFamily="18" charset="0"/>
+              </a:rPr>
+              <a:t>results show good timing prediction with room for improvement</a:t>
+            </a:r>
+            <a:r>
+              <a:rPr lang="en-US" sz="2000" dirty="0" smtClean="0">
+                <a:latin typeface="Times New Roman" panose="02020603050405020304" pitchFamily="18" charset="0"/>
+                <a:cs typeface="Times New Roman" panose="02020603050405020304" pitchFamily="18" charset="0"/>
+              </a:rPr>
+              <a:t>.</a:t>
+            </a:r>
+          </a:p>
+          <a:p>
+            <a:pPr marL="285750" indent="-285750" algn="just">
+              <a:lnSpc>
+                <a:spcPct val="150000"/>
+              </a:lnSpc>
+              <a:buFont typeface="Arial" panose="020B0604020202020204" pitchFamily="34" charset="0"/>
+              <a:buChar char="•"/>
+            </a:pPr>
+            <a:r>
+              <a:rPr lang="en-US" sz="2000" dirty="0" smtClean="0">
+                <a:latin typeface="Times New Roman" panose="02020603050405020304" pitchFamily="18" charset="0"/>
+                <a:cs typeface="Times New Roman" panose="02020603050405020304" pitchFamily="18" charset="0"/>
+              </a:rPr>
+              <a:t>The </a:t>
+            </a:r>
+            <a:r>
+              <a:rPr lang="en-US" sz="2000" dirty="0">
+                <a:latin typeface="Times New Roman" panose="02020603050405020304" pitchFamily="18" charset="0"/>
+                <a:cs typeface="Times New Roman" panose="02020603050405020304" pitchFamily="18" charset="0"/>
+              </a:rPr>
+              <a:t>system demonstrates the potential of traditional ML for EEG-based seizure prediction</a:t>
+            </a:r>
+            <a:r>
+              <a:rPr lang="en-US" sz="2000" dirty="0" smtClean="0">
+                <a:latin typeface="Times New Roman" panose="02020603050405020304" pitchFamily="18" charset="0"/>
+                <a:cs typeface="Times New Roman" panose="02020603050405020304" pitchFamily="18" charset="0"/>
+              </a:rPr>
+              <a:t>.</a:t>
+            </a:r>
+          </a:p>
+          <a:p>
+            <a:pPr marL="285750" indent="-285750" algn="just">
+              <a:lnSpc>
+                <a:spcPct val="150000"/>
+              </a:lnSpc>
+              <a:buFont typeface="Arial" panose="020B0604020202020204" pitchFamily="34" charset="0"/>
+              <a:buChar char="•"/>
+            </a:pPr>
+            <a:r>
+              <a:rPr lang="en-US" sz="2000" dirty="0" smtClean="0">
+                <a:latin typeface="Times New Roman" panose="02020603050405020304" pitchFamily="18" charset="0"/>
+                <a:cs typeface="Times New Roman" panose="02020603050405020304" pitchFamily="18" charset="0"/>
+              </a:rPr>
+              <a:t>Future </a:t>
+            </a:r>
+            <a:r>
+              <a:rPr lang="en-US" sz="2000" dirty="0">
+                <a:latin typeface="Times New Roman" panose="02020603050405020304" pitchFamily="18" charset="0"/>
+                <a:cs typeface="Times New Roman" panose="02020603050405020304" pitchFamily="18" charset="0"/>
+              </a:rPr>
+              <a:t>work aims to enhance accuracy and apply to larger datasets.</a:t>
+            </a:r>
+          </a:p>
+        </p:txBody>
+      </p:sp>
+    </p:spTree>
+  </p:cSld>
+  <p:clrMapOvr>
+    <a:masterClrMapping/>
+  </p:clrMapOvr>
+</p:sld>
+</file>
+
+<file path=ppt/slides/slide15.xml><?xml version="1.0" encoding="utf-8"?>
+<p:sld xmlns:a="http://schemas.openxmlformats.org/drawingml/2006/main" xmlns:r="http://schemas.openxmlformats.org/officeDocument/2006/relationships" xmlns:p="http://schemas.openxmlformats.org/presentationml/2006/main">
+  <p:cSld>
+    <p:spTree>
+      <p:nvGrpSpPr>
+        <p:cNvPr id="1" name=""/>
+        <p:cNvGrpSpPr/>
+        <p:nvPr/>
+      </p:nvGrpSpPr>
+      <p:grpSpPr>
+        <a:xfrm>
+          <a:off x="0" y="0"/>
+          <a:ext cx="0" cy="0"/>
+          <a:chOff x="0" y="0"/>
+          <a:chExt cx="0" cy="0"/>
+        </a:xfrm>
+      </p:grpSpPr>
+      <p:sp>
+        <p:nvSpPr>
+          <p:cNvPr id="2" name="Title 1"/>
+          <p:cNvSpPr>
+            <a:spLocks noGrp="1"/>
+          </p:cNvSpPr>
+          <p:nvPr>
+            <p:ph type="title"/>
+          </p:nvPr>
+        </p:nvSpPr>
+        <p:spPr>
+          <a:xfrm>
+            <a:off x="457200" y="-47555"/>
+            <a:ext cx="8229600" cy="1143000"/>
+          </a:xfrm>
+        </p:spPr>
+        <p:txBody>
+          <a:bodyPr/>
+          <a:lstStyle/>
+          <a:p>
+            <a:r>
+              <a:rPr lang="en-US" b="1" dirty="0" smtClean="0">
+                <a:solidFill>
+                  <a:srgbClr val="FF0000"/>
+                </a:solidFill>
+                <a:latin typeface="Times New Roman" panose="02020603050405020304" pitchFamily="18" charset="0"/>
+                <a:cs typeface="Times New Roman" panose="02020603050405020304" pitchFamily="18" charset="0"/>
+              </a:rPr>
+              <a:t>References</a:t>
+            </a:r>
+            <a:endParaRPr b="1" dirty="0">
+              <a:solidFill>
+                <a:srgbClr val="FF0000"/>
+              </a:solidFill>
+              <a:latin typeface="Times New Roman" panose="02020603050405020304" pitchFamily="18" charset="0"/>
+              <a:cs typeface="Times New Roman" panose="02020603050405020304" pitchFamily="18" charset="0"/>
+            </a:endParaRPr>
+          </a:p>
+        </p:txBody>
+      </p:sp>
+      <p:sp>
+        <p:nvSpPr>
+          <p:cNvPr id="3" name="Rectangle 2"/>
+          <p:cNvSpPr/>
+          <p:nvPr/>
+        </p:nvSpPr>
+        <p:spPr>
+          <a:xfrm>
+            <a:off x="927100" y="1095445"/>
+            <a:ext cx="7289800" cy="4898329"/>
+          </a:xfrm>
+          <a:prstGeom prst="rect">
+            <a:avLst/>
+          </a:prstGeom>
+        </p:spPr>
+        <p:txBody>
+          <a:bodyPr wrap="square">
+            <a:spAutoFit/>
+          </a:bodyPr>
+          <a:lstStyle/>
+          <a:p>
+            <a:pPr marL="342900" indent="-342900">
+              <a:lnSpc>
+                <a:spcPct val="150000"/>
+              </a:lnSpc>
+              <a:buFont typeface="+mj-lt"/>
+              <a:buAutoNum type="arabicPeriod"/>
+            </a:pPr>
+            <a:r>
+              <a:rPr lang="en-US" sz="1500" dirty="0" err="1">
+                <a:latin typeface="Times New Roman" panose="02020603050405020304" pitchFamily="18" charset="0"/>
+                <a:cs typeface="Times New Roman" panose="02020603050405020304" pitchFamily="18" charset="0"/>
+              </a:rPr>
+              <a:t>Shoeb</a:t>
+            </a:r>
+            <a:r>
+              <a:rPr lang="en-US" sz="1500" dirty="0">
+                <a:latin typeface="Times New Roman" panose="02020603050405020304" pitchFamily="18" charset="0"/>
+                <a:cs typeface="Times New Roman" panose="02020603050405020304" pitchFamily="18" charset="0"/>
+              </a:rPr>
+              <a:t>, A.H. &amp; </a:t>
+            </a:r>
+            <a:r>
+              <a:rPr lang="en-US" sz="1500" dirty="0" err="1">
+                <a:latin typeface="Times New Roman" panose="02020603050405020304" pitchFamily="18" charset="0"/>
+                <a:cs typeface="Times New Roman" panose="02020603050405020304" pitchFamily="18" charset="0"/>
+              </a:rPr>
+              <a:t>Guttag</a:t>
+            </a:r>
+            <a:r>
+              <a:rPr lang="en-US" sz="1500" dirty="0">
+                <a:latin typeface="Times New Roman" panose="02020603050405020304" pitchFamily="18" charset="0"/>
+                <a:cs typeface="Times New Roman" panose="02020603050405020304" pitchFamily="18" charset="0"/>
+              </a:rPr>
+              <a:t>, J. (2010). Application of machine learning to epileptic seizure detection. MIT</a:t>
+            </a:r>
+            <a:r>
+              <a:rPr lang="en-US" sz="1500" dirty="0" smtClean="0">
+                <a:latin typeface="Times New Roman" panose="02020603050405020304" pitchFamily="18" charset="0"/>
+                <a:cs typeface="Times New Roman" panose="02020603050405020304" pitchFamily="18" charset="0"/>
+              </a:rPr>
+              <a:t>.</a:t>
+            </a:r>
+          </a:p>
+          <a:p>
+            <a:pPr marL="342900" indent="-342900">
+              <a:lnSpc>
+                <a:spcPct val="150000"/>
+              </a:lnSpc>
+              <a:buFont typeface="+mj-lt"/>
+              <a:buAutoNum type="arabicPeriod"/>
+            </a:pPr>
+            <a:r>
+              <a:rPr lang="en-US" sz="1500" dirty="0" smtClean="0">
+                <a:latin typeface="Times New Roman" panose="02020603050405020304" pitchFamily="18" charset="0"/>
+                <a:cs typeface="Times New Roman" panose="02020603050405020304" pitchFamily="18" charset="0"/>
+              </a:rPr>
+              <a:t>Ahmed</a:t>
+            </a:r>
+            <a:r>
+              <a:rPr lang="en-US" sz="1500" dirty="0">
+                <a:latin typeface="Times New Roman" panose="02020603050405020304" pitchFamily="18" charset="0"/>
+                <a:cs typeface="Times New Roman" panose="02020603050405020304" pitchFamily="18" charset="0"/>
+              </a:rPr>
+              <a:t>, M., Zhang, Y. &amp; Jiang, J. (2020). Machine learning for EEG-based seizure detection. IEEE Access, 8, 47435–47445</a:t>
+            </a:r>
+            <a:r>
+              <a:rPr lang="en-US" sz="1500" dirty="0" smtClean="0">
+                <a:latin typeface="Times New Roman" panose="02020603050405020304" pitchFamily="18" charset="0"/>
+                <a:cs typeface="Times New Roman" panose="02020603050405020304" pitchFamily="18" charset="0"/>
+              </a:rPr>
+              <a:t>.</a:t>
+            </a:r>
+          </a:p>
+          <a:p>
+            <a:pPr marL="342900" indent="-342900">
+              <a:lnSpc>
+                <a:spcPct val="150000"/>
+              </a:lnSpc>
+              <a:buFont typeface="+mj-lt"/>
+              <a:buAutoNum type="arabicPeriod"/>
+            </a:pPr>
+            <a:r>
+              <a:rPr lang="en-US" sz="1500" dirty="0" err="1" smtClean="0">
+                <a:latin typeface="Times New Roman" panose="02020603050405020304" pitchFamily="18" charset="0"/>
+                <a:cs typeface="Times New Roman" panose="02020603050405020304" pitchFamily="18" charset="0"/>
+              </a:rPr>
+              <a:t>Chandel</a:t>
+            </a:r>
+            <a:r>
+              <a:rPr lang="en-US" sz="1500" dirty="0">
+                <a:latin typeface="Times New Roman" panose="02020603050405020304" pitchFamily="18" charset="0"/>
+                <a:cs typeface="Times New Roman" panose="02020603050405020304" pitchFamily="18" charset="0"/>
+              </a:rPr>
+              <a:t>, G., Kumar, R. &amp; Nigam, A. (2022). Analysis of EEG signals using Random Forest models for epilepsy detection. IEEE Transactions on Neural Systems and Rehabilitation Engineering</a:t>
+            </a:r>
+            <a:r>
+              <a:rPr lang="en-US" sz="1500" dirty="0" smtClean="0">
+                <a:latin typeface="Times New Roman" panose="02020603050405020304" pitchFamily="18" charset="0"/>
+                <a:cs typeface="Times New Roman" panose="02020603050405020304" pitchFamily="18" charset="0"/>
+              </a:rPr>
+              <a:t>.</a:t>
+            </a:r>
+          </a:p>
+          <a:p>
+            <a:pPr marL="342900" indent="-342900">
+              <a:lnSpc>
+                <a:spcPct val="150000"/>
+              </a:lnSpc>
+              <a:buFont typeface="+mj-lt"/>
+              <a:buAutoNum type="arabicPeriod"/>
+            </a:pPr>
+            <a:r>
+              <a:rPr lang="en-US" sz="1500" dirty="0" err="1" smtClean="0">
+                <a:latin typeface="Times New Roman" panose="02020603050405020304" pitchFamily="18" charset="0"/>
+                <a:cs typeface="Times New Roman" panose="02020603050405020304" pitchFamily="18" charset="0"/>
+              </a:rPr>
+              <a:t>Mourad</a:t>
+            </a:r>
+            <a:r>
+              <a:rPr lang="en-US" sz="1500" dirty="0">
+                <a:latin typeface="Times New Roman" panose="02020603050405020304" pitchFamily="18" charset="0"/>
+                <a:cs typeface="Times New Roman" panose="02020603050405020304" pitchFamily="18" charset="0"/>
+              </a:rPr>
+              <a:t>, R., </a:t>
+            </a:r>
+            <a:r>
+              <a:rPr lang="en-US" sz="1500" dirty="0" err="1">
+                <a:latin typeface="Times New Roman" panose="02020603050405020304" pitchFamily="18" charset="0"/>
+                <a:cs typeface="Times New Roman" panose="02020603050405020304" pitchFamily="18" charset="0"/>
+              </a:rPr>
+              <a:t>Soltani</a:t>
+            </a:r>
+            <a:r>
+              <a:rPr lang="en-US" sz="1500" dirty="0">
+                <a:latin typeface="Times New Roman" panose="02020603050405020304" pitchFamily="18" charset="0"/>
+                <a:cs typeface="Times New Roman" panose="02020603050405020304" pitchFamily="18" charset="0"/>
+              </a:rPr>
+              <a:t>, M. &amp; El-Hajj, A. (2025). Machine and deep learning methods for seizure recognition. Brain Research</a:t>
+            </a:r>
+            <a:r>
+              <a:rPr lang="en-US" sz="1500" dirty="0" smtClean="0">
+                <a:latin typeface="Times New Roman" panose="02020603050405020304" pitchFamily="18" charset="0"/>
+                <a:cs typeface="Times New Roman" panose="02020603050405020304" pitchFamily="18" charset="0"/>
+              </a:rPr>
+              <a:t>.</a:t>
+            </a:r>
+          </a:p>
+          <a:p>
+            <a:pPr marL="342900" indent="-342900">
+              <a:lnSpc>
+                <a:spcPct val="150000"/>
+              </a:lnSpc>
+              <a:buFont typeface="+mj-lt"/>
+              <a:buAutoNum type="arabicPeriod"/>
+            </a:pPr>
+            <a:r>
+              <a:rPr lang="en-US" sz="1500" dirty="0" err="1" smtClean="0">
+                <a:latin typeface="Times New Roman" panose="02020603050405020304" pitchFamily="18" charset="0"/>
+                <a:cs typeface="Times New Roman" panose="02020603050405020304" pitchFamily="18" charset="0"/>
+              </a:rPr>
+              <a:t>Tzallas</a:t>
+            </a:r>
+            <a:r>
+              <a:rPr lang="en-US" sz="1500" dirty="0">
+                <a:latin typeface="Times New Roman" panose="02020603050405020304" pitchFamily="18" charset="0"/>
+                <a:cs typeface="Times New Roman" panose="02020603050405020304" pitchFamily="18" charset="0"/>
+              </a:rPr>
+              <a:t>, A.T., </a:t>
+            </a:r>
+            <a:r>
+              <a:rPr lang="en-US" sz="1500" dirty="0" err="1">
+                <a:latin typeface="Times New Roman" panose="02020603050405020304" pitchFamily="18" charset="0"/>
+                <a:cs typeface="Times New Roman" panose="02020603050405020304" pitchFamily="18" charset="0"/>
+              </a:rPr>
+              <a:t>Tsipouras</a:t>
+            </a:r>
+            <a:r>
+              <a:rPr lang="en-US" sz="1500" dirty="0">
+                <a:latin typeface="Times New Roman" panose="02020603050405020304" pitchFamily="18" charset="0"/>
+                <a:cs typeface="Times New Roman" panose="02020603050405020304" pitchFamily="18" charset="0"/>
+              </a:rPr>
+              <a:t>, M.G. &amp; Fotiadis, D.I. (2009). Epileptic seizure detection in EEGs using time–frequency analysis. IEEE Transactions on Information Technology in Biomedicine, 13(5), 703–710</a:t>
+            </a:r>
+            <a:r>
+              <a:rPr lang="en-US" sz="1500" dirty="0" smtClean="0">
+                <a:latin typeface="Times New Roman" panose="02020603050405020304" pitchFamily="18" charset="0"/>
+                <a:cs typeface="Times New Roman" panose="02020603050405020304" pitchFamily="18" charset="0"/>
+              </a:rPr>
+              <a:t>.</a:t>
+            </a:r>
+          </a:p>
+          <a:p>
+            <a:pPr marL="342900" indent="-342900">
+              <a:lnSpc>
+                <a:spcPct val="150000"/>
+              </a:lnSpc>
+              <a:buFont typeface="+mj-lt"/>
+              <a:buAutoNum type="arabicPeriod"/>
+            </a:pPr>
+            <a:r>
+              <a:rPr lang="en-US" sz="1500" dirty="0" err="1" smtClean="0">
+                <a:latin typeface="Times New Roman" panose="02020603050405020304" pitchFamily="18" charset="0"/>
+                <a:cs typeface="Times New Roman" panose="02020603050405020304" pitchFamily="18" charset="0"/>
+              </a:rPr>
+              <a:t>Subasi</a:t>
+            </a:r>
+            <a:r>
+              <a:rPr lang="en-US" sz="1500" dirty="0">
+                <a:latin typeface="Times New Roman" panose="02020603050405020304" pitchFamily="18" charset="0"/>
+                <a:cs typeface="Times New Roman" panose="02020603050405020304" pitchFamily="18" charset="0"/>
+              </a:rPr>
+              <a:t>, A. (2007). EEG signal classification using wavelet feature extraction and Random Forests. Expert Systems with Applications, 37(2), 233–238.</a:t>
+            </a:r>
+          </a:p>
+        </p:txBody>
+      </p:sp>
+    </p:spTree>
+  </p:cSld>
+  <p:clrMapOvr>
+    <a:masterClrMapping/>
+  </p:clrMapOvr>
+</p:sld>
+</file>
+
+<file path=ppt/slides/slide2.xml><?xml version="1.0" encoding="utf-8"?>
+<p:sld xmlns:a="http://schemas.openxmlformats.org/drawingml/2006/main" xmlns:r="http://schemas.openxmlformats.org/officeDocument/2006/relationships" xmlns:p="http://schemas.openxmlformats.org/presentationml/2006/main">
+  <p:cSld>
+    <p:spTree>
+      <p:nvGrpSpPr>
+        <p:cNvPr id="1" name=""/>
+        <p:cNvGrpSpPr/>
+        <p:nvPr/>
+      </p:nvGrpSpPr>
+      <p:grpSpPr>
+        <a:xfrm>
+          <a:off x="0" y="0"/>
+          <a:ext cx="0" cy="0"/>
+          <a:chOff x="0" y="0"/>
+          <a:chExt cx="0" cy="0"/>
+        </a:xfrm>
+      </p:grpSpPr>
+      <p:sp>
+        <p:nvSpPr>
+          <p:cNvPr id="2" name="Title 1"/>
+          <p:cNvSpPr>
+            <a:spLocks noGrp="1"/>
+          </p:cNvSpPr>
+          <p:nvPr>
+            <p:ph type="title"/>
+          </p:nvPr>
+        </p:nvSpPr>
+        <p:spPr/>
+        <p:txBody>
+          <a:bodyPr/>
+          <a:lstStyle/>
+          <a:p>
+            <a:r>
+              <a:rPr b="1" dirty="0">
+                <a:solidFill>
+                  <a:srgbClr val="FF0000"/>
+                </a:solidFill>
+                <a:latin typeface="Times New Roman" panose="02020603050405020304" pitchFamily="18" charset="0"/>
+                <a:cs typeface="Times New Roman" panose="02020603050405020304" pitchFamily="18" charset="0"/>
+              </a:rPr>
+              <a:t>Introduction</a:t>
+            </a:r>
+          </a:p>
+        </p:txBody>
+      </p:sp>
+      <p:sp>
+        <p:nvSpPr>
+          <p:cNvPr id="7" name="Rectangle 6"/>
+          <p:cNvSpPr/>
+          <p:nvPr/>
+        </p:nvSpPr>
+        <p:spPr>
+          <a:xfrm>
+            <a:off x="720436" y="1620983"/>
+            <a:ext cx="8686799" cy="2400657"/>
+          </a:xfrm>
+          <a:prstGeom prst="rect">
+            <a:avLst/>
+          </a:prstGeom>
+        </p:spPr>
+        <p:txBody>
+          <a:bodyPr wrap="square">
+            <a:spAutoFit/>
+          </a:bodyPr>
+          <a:lstStyle/>
+          <a:p>
+            <a:pPr marL="285750" indent="-285750">
+              <a:lnSpc>
+                <a:spcPct val="150000"/>
+              </a:lnSpc>
+              <a:buFont typeface="Arial" panose="020B0604020202020204" pitchFamily="34" charset="0"/>
+              <a:buChar char="•"/>
+            </a:pPr>
+            <a:r>
+              <a:rPr lang="en-US" sz="2000" dirty="0">
+                <a:latin typeface="Times New Roman" panose="02020603050405020304" pitchFamily="18" charset="0"/>
+                <a:cs typeface="Times New Roman" panose="02020603050405020304" pitchFamily="18" charset="0"/>
+              </a:rPr>
+              <a:t>Epilepsy affects 50M+ people globally</a:t>
+            </a:r>
+            <a:r>
+              <a:rPr lang="en-US" sz="2000" dirty="0" smtClean="0">
+                <a:latin typeface="Times New Roman" panose="02020603050405020304" pitchFamily="18" charset="0"/>
+                <a:cs typeface="Times New Roman" panose="02020603050405020304" pitchFamily="18" charset="0"/>
+              </a:rPr>
+              <a:t>.</a:t>
+            </a:r>
+          </a:p>
+          <a:p>
+            <a:pPr marL="285750" indent="-285750">
+              <a:lnSpc>
+                <a:spcPct val="150000"/>
+              </a:lnSpc>
+              <a:buFont typeface="Arial" panose="020B0604020202020204" pitchFamily="34" charset="0"/>
+              <a:buChar char="•"/>
+            </a:pPr>
+            <a:r>
+              <a:rPr lang="en-US" sz="2000" dirty="0" smtClean="0">
+                <a:latin typeface="Times New Roman" panose="02020603050405020304" pitchFamily="18" charset="0"/>
+                <a:cs typeface="Times New Roman" panose="02020603050405020304" pitchFamily="18" charset="0"/>
+              </a:rPr>
+              <a:t>Seizures </a:t>
+            </a:r>
+            <a:r>
+              <a:rPr lang="en-US" sz="2000" dirty="0">
+                <a:latin typeface="Times New Roman" panose="02020603050405020304" pitchFamily="18" charset="0"/>
+                <a:cs typeface="Times New Roman" panose="02020603050405020304" pitchFamily="18" charset="0"/>
+              </a:rPr>
+              <a:t>are unpredictable and life-threatening</a:t>
+            </a:r>
+            <a:r>
+              <a:rPr lang="en-US" sz="2000" dirty="0" smtClean="0">
+                <a:latin typeface="Times New Roman" panose="02020603050405020304" pitchFamily="18" charset="0"/>
+                <a:cs typeface="Times New Roman" panose="02020603050405020304" pitchFamily="18" charset="0"/>
+              </a:rPr>
+              <a:t>.</a:t>
+            </a:r>
+          </a:p>
+          <a:p>
+            <a:pPr marL="285750" indent="-285750">
+              <a:lnSpc>
+                <a:spcPct val="150000"/>
+              </a:lnSpc>
+              <a:buFont typeface="Arial" panose="020B0604020202020204" pitchFamily="34" charset="0"/>
+              <a:buChar char="•"/>
+            </a:pPr>
+            <a:r>
+              <a:rPr lang="en-US" sz="2000" dirty="0" smtClean="0">
+                <a:latin typeface="Times New Roman" panose="02020603050405020304" pitchFamily="18" charset="0"/>
+                <a:cs typeface="Times New Roman" panose="02020603050405020304" pitchFamily="18" charset="0"/>
+              </a:rPr>
+              <a:t>Manual </a:t>
+            </a:r>
+            <a:r>
+              <a:rPr lang="en-US" sz="2000" dirty="0">
+                <a:latin typeface="Times New Roman" panose="02020603050405020304" pitchFamily="18" charset="0"/>
+                <a:cs typeface="Times New Roman" panose="02020603050405020304" pitchFamily="18" charset="0"/>
+              </a:rPr>
+              <a:t>EEG interpretation is slow and impractical for real-time prediction</a:t>
+            </a:r>
+            <a:r>
+              <a:rPr lang="en-US" sz="2000" dirty="0" smtClean="0">
+                <a:latin typeface="Times New Roman" panose="02020603050405020304" pitchFamily="18" charset="0"/>
+                <a:cs typeface="Times New Roman" panose="02020603050405020304" pitchFamily="18" charset="0"/>
+              </a:rPr>
+              <a:t>.</a:t>
+            </a:r>
+          </a:p>
+          <a:p>
+            <a:pPr marL="285750" indent="-285750">
+              <a:lnSpc>
+                <a:spcPct val="150000"/>
+              </a:lnSpc>
+              <a:buFont typeface="Arial" panose="020B0604020202020204" pitchFamily="34" charset="0"/>
+              <a:buChar char="•"/>
+            </a:pPr>
+            <a:r>
+              <a:rPr lang="en-US" sz="2000" dirty="0" smtClean="0">
+                <a:latin typeface="Times New Roman" panose="02020603050405020304" pitchFamily="18" charset="0"/>
+                <a:cs typeface="Times New Roman" panose="02020603050405020304" pitchFamily="18" charset="0"/>
+              </a:rPr>
+              <a:t>Machine </a:t>
+            </a:r>
+            <a:r>
+              <a:rPr lang="en-US" sz="2000" dirty="0">
+                <a:latin typeface="Times New Roman" panose="02020603050405020304" pitchFamily="18" charset="0"/>
+                <a:cs typeface="Times New Roman" panose="02020603050405020304" pitchFamily="18" charset="0"/>
+              </a:rPr>
+              <a:t>learning helps </a:t>
+            </a:r>
+            <a:r>
+              <a:rPr lang="en-US" sz="2000" dirty="0" smtClean="0">
+                <a:latin typeface="Times New Roman" panose="02020603050405020304" pitchFamily="18" charset="0"/>
+                <a:cs typeface="Times New Roman" panose="02020603050405020304" pitchFamily="18" charset="0"/>
+              </a:rPr>
+              <a:t>au mate </a:t>
+            </a:r>
+            <a:r>
+              <a:rPr lang="en-US" sz="2000" dirty="0">
+                <a:latin typeface="Times New Roman" panose="02020603050405020304" pitchFamily="18" charset="0"/>
+                <a:cs typeface="Times New Roman" panose="02020603050405020304" pitchFamily="18" charset="0"/>
+              </a:rPr>
+              <a:t>seizure detection</a:t>
+            </a:r>
+            <a:r>
+              <a:rPr lang="en-US" sz="2000" dirty="0" smtClean="0">
+                <a:latin typeface="Times New Roman" panose="02020603050405020304" pitchFamily="18" charset="0"/>
+                <a:cs typeface="Times New Roman" panose="02020603050405020304" pitchFamily="18" charset="0"/>
+              </a:rPr>
+              <a:t>.</a:t>
+            </a:r>
+          </a:p>
+          <a:p>
+            <a:pPr marL="285750" indent="-285750">
+              <a:lnSpc>
+                <a:spcPct val="150000"/>
+              </a:lnSpc>
+              <a:buFont typeface="Arial" panose="020B0604020202020204" pitchFamily="34" charset="0"/>
+              <a:buChar char="•"/>
+            </a:pPr>
+            <a:r>
+              <a:rPr lang="en-US" sz="2000" dirty="0" smtClean="0">
+                <a:latin typeface="Times New Roman" panose="02020603050405020304" pitchFamily="18" charset="0"/>
+                <a:cs typeface="Times New Roman" panose="02020603050405020304" pitchFamily="18" charset="0"/>
+              </a:rPr>
+              <a:t>Previous </a:t>
+            </a:r>
+            <a:r>
+              <a:rPr lang="en-US" sz="2000" dirty="0">
+                <a:latin typeface="Times New Roman" panose="02020603050405020304" pitchFamily="18" charset="0"/>
+                <a:cs typeface="Times New Roman" panose="02020603050405020304" pitchFamily="18" charset="0"/>
+              </a:rPr>
+              <a:t>research achieved high accuracy but poor generalization.</a:t>
+            </a:r>
+          </a:p>
+        </p:txBody>
+      </p:sp>
+      <p:pic>
+        <p:nvPicPr>
+          <p:cNvPr id="8" name="Picture 7"/>
+          <p:cNvPicPr/>
+          <p:nvPr/>
+        </p:nvPicPr>
+        <p:blipFill>
+          <a:blip r:embed="rId2"/>
+          <a:stretch>
+            <a:fillRect/>
+          </a:stretch>
+        </p:blipFill>
+        <p:spPr>
+          <a:xfrm>
+            <a:off x="1239982" y="4169650"/>
+            <a:ext cx="5943600" cy="2289175"/>
+          </a:xfrm>
+          <a:prstGeom prst="rect">
+            <a:avLst/>
+          </a:prstGeom>
+        </p:spPr>
+      </p:pic>
+      <p:sp>
+        <p:nvSpPr>
+          <p:cNvPr id="9" name="Rectangle 8"/>
+          <p:cNvSpPr/>
+          <p:nvPr/>
+        </p:nvSpPr>
+        <p:spPr>
+          <a:xfrm>
+            <a:off x="1009650" y="6004195"/>
+            <a:ext cx="7124700" cy="369332"/>
+          </a:xfrm>
+          <a:prstGeom prst="rect">
+            <a:avLst/>
+          </a:prstGeom>
+        </p:spPr>
+        <p:txBody>
+          <a:bodyPr wrap="square">
+            <a:spAutoFit/>
+          </a:bodyPr>
+          <a:lstStyle/>
+          <a:p>
+            <a:r>
+              <a:rPr lang="en-US" dirty="0"/>
+              <a:t>Basic process of EEG acquisition from scalp electrodes for seizure analysis </a:t>
+            </a:r>
+          </a:p>
+        </p:txBody>
+      </p:sp>
+    </p:spTree>
+  </p:cSld>
+  <p:clrMapOvr>
+    <a:masterClrMapping/>
+  </p:clrMapOvr>
+</p:sld>
+</file>
+
+<file path=ppt/slides/slide3.xml><?xml version="1.0" encoding="utf-8"?>
+<p:sld xmlns:a="http://schemas.openxmlformats.org/drawingml/2006/main" xmlns:r="http://schemas.openxmlformats.org/officeDocument/2006/relationships" xmlns:p="http://schemas.openxmlformats.org/presentationml/2006/main">
+  <p:cSld>
+    <p:spTree>
+      <p:nvGrpSpPr>
+        <p:cNvPr id="1" name=""/>
+        <p:cNvGrpSpPr/>
+        <p:nvPr/>
+      </p:nvGrpSpPr>
+      <p:grpSpPr>
+        <a:xfrm>
+          <a:off x="0" y="0"/>
+          <a:ext cx="0" cy="0"/>
+          <a:chOff x="0" y="0"/>
+          <a:chExt cx="0" cy="0"/>
+        </a:xfrm>
+      </p:grpSpPr>
+      <p:sp>
+        <p:nvSpPr>
+          <p:cNvPr id="2" name="Title 1"/>
+          <p:cNvSpPr>
+            <a:spLocks noGrp="1"/>
+          </p:cNvSpPr>
+          <p:nvPr>
+            <p:ph type="title"/>
+          </p:nvPr>
+        </p:nvSpPr>
+        <p:spPr/>
+        <p:txBody>
+          <a:bodyPr>
+            <a:normAutofit/>
+          </a:bodyPr>
+          <a:lstStyle/>
+          <a:p>
+            <a:r>
+              <a:rPr lang="en-US" b="1" dirty="0">
+                <a:solidFill>
+                  <a:srgbClr val="FF0000"/>
+                </a:solidFill>
+                <a:latin typeface="Times New Roman" panose="02020603050405020304" pitchFamily="18" charset="0"/>
+                <a:cs typeface="Times New Roman" panose="02020603050405020304" pitchFamily="18" charset="0"/>
+              </a:rPr>
+              <a:t>Aim and Objectives</a:t>
+            </a:r>
+            <a:endParaRPr b="1" dirty="0">
+              <a:solidFill>
+                <a:srgbClr val="FF0000"/>
+              </a:solidFill>
+              <a:latin typeface="Times New Roman" panose="02020603050405020304" pitchFamily="18" charset="0"/>
+              <a:cs typeface="Times New Roman" panose="02020603050405020304" pitchFamily="18" charset="0"/>
+            </a:endParaRPr>
+          </a:p>
+        </p:txBody>
+      </p:sp>
+      <p:sp>
+        <p:nvSpPr>
+          <p:cNvPr id="5" name="Rectangle 4"/>
+          <p:cNvSpPr/>
+          <p:nvPr/>
+        </p:nvSpPr>
+        <p:spPr>
+          <a:xfrm>
+            <a:off x="900545" y="1461940"/>
+            <a:ext cx="7523019" cy="3477875"/>
+          </a:xfrm>
+          <a:prstGeom prst="rect">
+            <a:avLst/>
+          </a:prstGeom>
+        </p:spPr>
+        <p:txBody>
+          <a:bodyPr wrap="square">
+            <a:spAutoFit/>
+          </a:bodyPr>
+          <a:lstStyle/>
+          <a:p>
+            <a:pPr algn="just"/>
+            <a:r>
+              <a:rPr lang="en-US" sz="2000" b="1" dirty="0">
+                <a:latin typeface="Times New Roman" panose="02020603050405020304" pitchFamily="18" charset="0"/>
+                <a:cs typeface="Times New Roman" panose="02020603050405020304" pitchFamily="18" charset="0"/>
+              </a:rPr>
+              <a:t>Aim</a:t>
+            </a:r>
+            <a:r>
+              <a:rPr lang="en-US" sz="2000" b="1" dirty="0" smtClean="0">
+                <a:latin typeface="Times New Roman" panose="02020603050405020304" pitchFamily="18" charset="0"/>
+                <a:cs typeface="Times New Roman" panose="02020603050405020304" pitchFamily="18" charset="0"/>
+              </a:rPr>
+              <a:t>:</a:t>
+            </a:r>
+          </a:p>
+          <a:p>
+            <a:pPr algn="just"/>
+            <a:r>
+              <a:rPr lang="en-US" sz="2000" dirty="0">
+                <a:latin typeface="Times New Roman" panose="02020603050405020304" pitchFamily="18" charset="0"/>
+                <a:cs typeface="Times New Roman" panose="02020603050405020304" pitchFamily="18" charset="0"/>
+              </a:rPr>
+              <a:t>The aim of this project is to build a machine learning model in Python using the Random Forest Classifier and Random Forest </a:t>
+            </a:r>
+            <a:r>
+              <a:rPr lang="en-US" sz="2000" dirty="0" err="1">
+                <a:latin typeface="Times New Roman" panose="02020603050405020304" pitchFamily="18" charset="0"/>
+                <a:cs typeface="Times New Roman" panose="02020603050405020304" pitchFamily="18" charset="0"/>
+              </a:rPr>
+              <a:t>Regressor</a:t>
+            </a:r>
+            <a:r>
+              <a:rPr lang="en-US" sz="2000" dirty="0">
+                <a:latin typeface="Times New Roman" panose="02020603050405020304" pitchFamily="18" charset="0"/>
+                <a:cs typeface="Times New Roman" panose="02020603050405020304" pitchFamily="18" charset="0"/>
+              </a:rPr>
+              <a:t>. </a:t>
+            </a:r>
+            <a:endParaRPr lang="en-US" sz="2000" dirty="0" smtClean="0">
+              <a:latin typeface="Times New Roman" panose="02020603050405020304" pitchFamily="18" charset="0"/>
+              <a:cs typeface="Times New Roman" panose="02020603050405020304" pitchFamily="18" charset="0"/>
+            </a:endParaRPr>
+          </a:p>
+          <a:p>
+            <a:pPr algn="just"/>
+            <a:endParaRPr lang="en-US" sz="2000" dirty="0" smtClean="0">
+              <a:latin typeface="Times New Roman" panose="02020603050405020304" pitchFamily="18" charset="0"/>
+              <a:cs typeface="Times New Roman" panose="02020603050405020304" pitchFamily="18" charset="0"/>
+            </a:endParaRPr>
+          </a:p>
+          <a:p>
+            <a:pPr algn="just"/>
+            <a:r>
+              <a:rPr lang="en-US" sz="2000" b="1" dirty="0" smtClean="0">
+                <a:latin typeface="Times New Roman" panose="02020603050405020304" pitchFamily="18" charset="0"/>
+                <a:cs typeface="Times New Roman" panose="02020603050405020304" pitchFamily="18" charset="0"/>
+              </a:rPr>
+              <a:t>Objective:</a:t>
+            </a:r>
+          </a:p>
+          <a:p>
+            <a:pPr marL="342900" indent="-342900" algn="just">
+              <a:buFont typeface="Arial" panose="020B0604020202020204" pitchFamily="34" charset="0"/>
+              <a:buChar char="•"/>
+            </a:pPr>
+            <a:r>
+              <a:rPr lang="en-US" sz="2000" dirty="0">
+                <a:latin typeface="Times New Roman" panose="02020603050405020304" pitchFamily="18" charset="0"/>
+                <a:cs typeface="Times New Roman" panose="02020603050405020304" pitchFamily="18" charset="0"/>
+              </a:rPr>
+              <a:t>Use CHB–MIT EEG </a:t>
+            </a:r>
+            <a:r>
+              <a:rPr lang="en-US" sz="2000" dirty="0" smtClean="0">
+                <a:latin typeface="Times New Roman" panose="02020603050405020304" pitchFamily="18" charset="0"/>
+                <a:cs typeface="Times New Roman" panose="02020603050405020304" pitchFamily="18" charset="0"/>
+              </a:rPr>
+              <a:t>data.</a:t>
+            </a:r>
+          </a:p>
+          <a:p>
+            <a:pPr marL="342900" indent="-342900" algn="just">
+              <a:buFont typeface="Arial" panose="020B0604020202020204" pitchFamily="34" charset="0"/>
+              <a:buChar char="•"/>
+            </a:pPr>
+            <a:r>
+              <a:rPr lang="en-US" sz="2000" dirty="0" smtClean="0">
+                <a:latin typeface="Times New Roman" panose="02020603050405020304" pitchFamily="18" charset="0"/>
+                <a:cs typeface="Times New Roman" panose="02020603050405020304" pitchFamily="18" charset="0"/>
+              </a:rPr>
+              <a:t>Detect </a:t>
+            </a:r>
+            <a:r>
+              <a:rPr lang="en-US" sz="2000" dirty="0">
+                <a:latin typeface="Times New Roman" panose="02020603050405020304" pitchFamily="18" charset="0"/>
+                <a:cs typeface="Times New Roman" panose="02020603050405020304" pitchFamily="18" charset="0"/>
+              </a:rPr>
+              <a:t>seizure and non-seizure segments</a:t>
+            </a:r>
+            <a:r>
+              <a:rPr lang="en-US" sz="2000" dirty="0" smtClean="0">
+                <a:latin typeface="Times New Roman" panose="02020603050405020304" pitchFamily="18" charset="0"/>
+                <a:cs typeface="Times New Roman" panose="02020603050405020304" pitchFamily="18" charset="0"/>
+              </a:rPr>
+              <a:t>.</a:t>
+            </a:r>
+          </a:p>
+          <a:p>
+            <a:pPr marL="342900" indent="-342900" algn="just">
+              <a:buFont typeface="Arial" panose="020B0604020202020204" pitchFamily="34" charset="0"/>
+              <a:buChar char="•"/>
+            </a:pPr>
+            <a:r>
+              <a:rPr lang="en-US" sz="2000" dirty="0" smtClean="0">
+                <a:latin typeface="Times New Roman" panose="02020603050405020304" pitchFamily="18" charset="0"/>
+                <a:cs typeface="Times New Roman" panose="02020603050405020304" pitchFamily="18" charset="0"/>
+              </a:rPr>
+              <a:t>Predict </a:t>
+            </a:r>
+            <a:r>
+              <a:rPr lang="en-US" sz="2000" dirty="0">
+                <a:latin typeface="Times New Roman" panose="02020603050405020304" pitchFamily="18" charset="0"/>
+                <a:cs typeface="Times New Roman" panose="02020603050405020304" pitchFamily="18" charset="0"/>
+              </a:rPr>
+              <a:t>seizure start and end times</a:t>
+            </a:r>
+            <a:r>
+              <a:rPr lang="en-US" sz="2000" dirty="0" smtClean="0">
+                <a:latin typeface="Times New Roman" panose="02020603050405020304" pitchFamily="18" charset="0"/>
+                <a:cs typeface="Times New Roman" panose="02020603050405020304" pitchFamily="18" charset="0"/>
+              </a:rPr>
+              <a:t>.</a:t>
+            </a:r>
+          </a:p>
+          <a:p>
+            <a:pPr marL="342900" indent="-342900" algn="just">
+              <a:buFont typeface="Arial" panose="020B0604020202020204" pitchFamily="34" charset="0"/>
+              <a:buChar char="•"/>
+            </a:pPr>
+            <a:r>
+              <a:rPr lang="en-US" sz="2000" dirty="0" smtClean="0">
+                <a:latin typeface="Times New Roman" panose="02020603050405020304" pitchFamily="18" charset="0"/>
+                <a:cs typeface="Times New Roman" panose="02020603050405020304" pitchFamily="18" charset="0"/>
+              </a:rPr>
+              <a:t>Extract </a:t>
+            </a:r>
+            <a:r>
+              <a:rPr lang="en-US" sz="2000" dirty="0">
+                <a:latin typeface="Times New Roman" panose="02020603050405020304" pitchFamily="18" charset="0"/>
+                <a:cs typeface="Times New Roman" panose="02020603050405020304" pitchFamily="18" charset="0"/>
+              </a:rPr>
+              <a:t>and analyze EEG features</a:t>
+            </a:r>
+            <a:r>
+              <a:rPr lang="en-US" sz="2000" dirty="0" smtClean="0">
+                <a:latin typeface="Times New Roman" panose="02020603050405020304" pitchFamily="18" charset="0"/>
+                <a:cs typeface="Times New Roman" panose="02020603050405020304" pitchFamily="18" charset="0"/>
+              </a:rPr>
+              <a:t>.</a:t>
+            </a:r>
+          </a:p>
+          <a:p>
+            <a:pPr marL="342900" indent="-342900" algn="just">
+              <a:buFont typeface="Arial" panose="020B0604020202020204" pitchFamily="34" charset="0"/>
+              <a:buChar char="•"/>
+            </a:pPr>
+            <a:r>
+              <a:rPr lang="en-US" sz="2000" dirty="0" smtClean="0">
+                <a:latin typeface="Times New Roman" panose="02020603050405020304" pitchFamily="18" charset="0"/>
+                <a:cs typeface="Times New Roman" panose="02020603050405020304" pitchFamily="18" charset="0"/>
+              </a:rPr>
+              <a:t>Visualize </a:t>
+            </a:r>
+            <a:r>
+              <a:rPr lang="en-US" sz="2000" dirty="0">
+                <a:latin typeface="Times New Roman" panose="02020603050405020304" pitchFamily="18" charset="0"/>
+                <a:cs typeface="Times New Roman" panose="02020603050405020304" pitchFamily="18" charset="0"/>
+              </a:rPr>
+              <a:t>and evaluate model performance</a:t>
+            </a:r>
+            <a:r>
+              <a:rPr lang="en-US" sz="2000" dirty="0" smtClean="0">
+                <a:latin typeface="Times New Roman" panose="02020603050405020304" pitchFamily="18" charset="0"/>
+                <a:cs typeface="Times New Roman" panose="02020603050405020304" pitchFamily="18" charset="0"/>
+              </a:rPr>
+              <a:t>.</a:t>
+            </a:r>
+          </a:p>
+          <a:p>
+            <a:pPr marL="342900" indent="-342900" algn="just">
+              <a:buFont typeface="Arial" panose="020B0604020202020204" pitchFamily="34" charset="0"/>
+              <a:buChar char="•"/>
+            </a:pPr>
+            <a:r>
+              <a:rPr lang="en-US" sz="2000" dirty="0" smtClean="0">
+                <a:latin typeface="Times New Roman" panose="02020603050405020304" pitchFamily="18" charset="0"/>
+                <a:cs typeface="Times New Roman" panose="02020603050405020304" pitchFamily="18" charset="0"/>
+              </a:rPr>
+              <a:t>Identify </a:t>
+            </a:r>
+            <a:r>
+              <a:rPr lang="en-US" sz="2000" dirty="0">
+                <a:latin typeface="Times New Roman" panose="02020603050405020304" pitchFamily="18" charset="0"/>
+                <a:cs typeface="Times New Roman" panose="02020603050405020304" pitchFamily="18" charset="0"/>
+              </a:rPr>
+              <a:t>limitations and future improvements.</a:t>
+            </a:r>
+            <a:endParaRPr lang="en-US" sz="2000" dirty="0" smtClean="0">
+              <a:latin typeface="Times New Roman" panose="02020603050405020304" pitchFamily="18" charset="0"/>
+              <a:cs typeface="Times New Roman" panose="02020603050405020304" pitchFamily="18" charset="0"/>
+            </a:endParaRPr>
+          </a:p>
+        </p:txBody>
+      </p:sp>
+    </p:spTree>
+  </p:cSld>
+  <p:clrMapOvr>
+    <a:masterClrMapping/>
+  </p:clrMapOvr>
+</p:sld>
+</file>
+
+<file path=ppt/slides/slide4.xml><?xml version="1.0" encoding="utf-8"?>
+<p:sld xmlns:a="http://schemas.openxmlformats.org/drawingml/2006/main" xmlns:r="http://schemas.openxmlformats.org/officeDocument/2006/relationships" xmlns:p="http://schemas.openxmlformats.org/presentationml/2006/main">
+  <p:cSld>
+    <p:spTree>
+      <p:nvGrpSpPr>
+        <p:cNvPr id="1" name=""/>
+        <p:cNvGrpSpPr/>
+        <p:nvPr/>
+      </p:nvGrpSpPr>
+      <p:grpSpPr>
+        <a:xfrm>
+          <a:off x="0" y="0"/>
+          <a:ext cx="0" cy="0"/>
+          <a:chOff x="0" y="0"/>
+          <a:chExt cx="0" cy="0"/>
+        </a:xfrm>
+      </p:grpSpPr>
+      <p:sp>
+        <p:nvSpPr>
+          <p:cNvPr id="2" name="Title 1"/>
+          <p:cNvSpPr>
+            <a:spLocks noGrp="1"/>
+          </p:cNvSpPr>
+          <p:nvPr>
+            <p:ph type="title"/>
+          </p:nvPr>
+        </p:nvSpPr>
+        <p:spPr>
+          <a:xfrm>
+            <a:off x="457200" y="-2453"/>
+            <a:ext cx="8229600" cy="1242826"/>
+          </a:xfrm>
+        </p:spPr>
+        <p:txBody>
+          <a:bodyPr>
+            <a:noAutofit/>
+          </a:bodyPr>
+          <a:lstStyle/>
+          <a:p>
+            <a:r>
+              <a:rPr lang="en-US" b="1" dirty="0" smtClean="0">
+                <a:solidFill>
+                  <a:srgbClr val="FF0000"/>
+                </a:solidFill>
+                <a:latin typeface="Times New Roman" panose="02020603050405020304" pitchFamily="18" charset="0"/>
+                <a:cs typeface="Times New Roman" panose="02020603050405020304" pitchFamily="18" charset="0"/>
+              </a:rPr>
+              <a:t>Literature Review: Research Gaps and Panning</a:t>
+            </a:r>
+            <a:endParaRPr lang="en-US" b="1" dirty="0">
+              <a:solidFill>
+                <a:srgbClr val="FF0000"/>
+              </a:solidFill>
+              <a:latin typeface="Times New Roman" panose="02020603050405020304" pitchFamily="18" charset="0"/>
+              <a:cs typeface="Times New Roman" panose="02020603050405020304" pitchFamily="18" charset="0"/>
+            </a:endParaRPr>
+          </a:p>
+        </p:txBody>
+      </p:sp>
+      <p:graphicFrame>
+        <p:nvGraphicFramePr>
+          <p:cNvPr id="3" name="Table 2"/>
+          <p:cNvGraphicFramePr>
+            <a:graphicFrameLocks noGrp="1"/>
+          </p:cNvGraphicFramePr>
+          <p:nvPr>
+            <p:extLst>
+              <p:ext uri="{D42A27DB-BD31-4B8C-83A1-F6EECF244321}">
+                <p14:modId xmlns:p14="http://schemas.microsoft.com/office/powerpoint/2010/main" val="1148269639"/>
+              </p:ext>
+            </p:extLst>
+          </p:nvPr>
+        </p:nvGraphicFramePr>
+        <p:xfrm>
+          <a:off x="533400" y="1240373"/>
+          <a:ext cx="8077200" cy="5382099"/>
+        </p:xfrm>
+        <a:graphic>
+          <a:graphicData uri="http://schemas.openxmlformats.org/drawingml/2006/table">
+            <a:tbl>
+              <a:tblPr firstRow="1" bandRow="1">
+                <a:tableStyleId>{5C22544A-7EE6-4342-B048-85BDC9FD1C3A}</a:tableStyleId>
+              </a:tblPr>
+              <a:tblGrid>
+                <a:gridCol w="2692400">
+                  <a:extLst>
+                    <a:ext uri="{9D8B030D-6E8A-4147-A177-3AD203B41FA5}">
+                      <a16:colId xmlns:a16="http://schemas.microsoft.com/office/drawing/2014/main" val="1317800674"/>
+                    </a:ext>
+                  </a:extLst>
+                </a:gridCol>
+                <a:gridCol w="2692400">
+                  <a:extLst>
+                    <a:ext uri="{9D8B030D-6E8A-4147-A177-3AD203B41FA5}">
+                      <a16:colId xmlns:a16="http://schemas.microsoft.com/office/drawing/2014/main" val="3696738737"/>
+                    </a:ext>
+                  </a:extLst>
+                </a:gridCol>
+                <a:gridCol w="2692400">
+                  <a:extLst>
+                    <a:ext uri="{9D8B030D-6E8A-4147-A177-3AD203B41FA5}">
+                      <a16:colId xmlns:a16="http://schemas.microsoft.com/office/drawing/2014/main" val="3470605330"/>
+                    </a:ext>
+                  </a:extLst>
+                </a:gridCol>
+              </a:tblGrid>
+              <a:tr h="486227">
+                <a:tc>
+                  <a:txBody>
+                    <a:bodyPr/>
+                    <a:lstStyle/>
+                    <a:p>
+                      <a:r>
+                        <a:rPr lang="en-US" sz="1400" b="0">
+                          <a:latin typeface="Times New Roman" panose="02020603050405020304" pitchFamily="18" charset="0"/>
+                          <a:cs typeface="Times New Roman" panose="02020603050405020304" pitchFamily="18" charset="0"/>
+                        </a:rPr>
+                        <a:t>Research Study</a:t>
+                      </a:r>
+                    </a:p>
+                  </a:txBody>
+                  <a:tcPr anchor="ctr"/>
+                </a:tc>
+                <a:tc>
+                  <a:txBody>
+                    <a:bodyPr/>
+                    <a:lstStyle/>
+                    <a:p>
+                      <a:r>
+                        <a:rPr lang="en-US" sz="1400" b="0" dirty="0">
+                          <a:latin typeface="Times New Roman" panose="02020603050405020304" pitchFamily="18" charset="0"/>
+                          <a:cs typeface="Times New Roman" panose="02020603050405020304" pitchFamily="18" charset="0"/>
+                        </a:rPr>
+                        <a:t>Main Research Gap / Limitation</a:t>
+                      </a:r>
+                    </a:p>
+                  </a:txBody>
+                  <a:tcPr anchor="ctr"/>
+                </a:tc>
+                <a:tc>
+                  <a:txBody>
+                    <a:bodyPr/>
+                    <a:lstStyle/>
+                    <a:p>
+                      <a:r>
+                        <a:rPr lang="en-US" sz="1400" b="0">
+                          <a:latin typeface="Times New Roman" panose="02020603050405020304" pitchFamily="18" charset="0"/>
+                          <a:cs typeface="Times New Roman" panose="02020603050405020304" pitchFamily="18" charset="0"/>
+                        </a:rPr>
+                        <a:t>How I Plan to Solve It</a:t>
+                      </a:r>
+                    </a:p>
+                  </a:txBody>
+                  <a:tcPr anchor="ctr"/>
+                </a:tc>
+                <a:extLst>
+                  <a:ext uri="{0D108BD9-81ED-4DB2-BD59-A6C34878D82A}">
+                    <a16:rowId xmlns:a16="http://schemas.microsoft.com/office/drawing/2014/main" val="3953614883"/>
+                  </a:ext>
+                </a:extLst>
+              </a:tr>
+              <a:tr h="902992">
+                <a:tc>
+                  <a:txBody>
+                    <a:bodyPr/>
+                    <a:lstStyle/>
+                    <a:p>
+                      <a:r>
+                        <a:rPr lang="en-US" sz="1400" b="0">
+                          <a:latin typeface="Times New Roman" panose="02020603050405020304" pitchFamily="18" charset="0"/>
+                          <a:cs typeface="Times New Roman" panose="02020603050405020304" pitchFamily="18" charset="0"/>
+                        </a:rPr>
+                        <a:t>Shoeb &amp; Guttag (2010)</a:t>
+                      </a:r>
+                    </a:p>
+                  </a:txBody>
+                  <a:tcPr anchor="ctr"/>
+                </a:tc>
+                <a:tc>
+                  <a:txBody>
+                    <a:bodyPr/>
+                    <a:lstStyle/>
+                    <a:p>
+                      <a:r>
+                        <a:rPr lang="en-US" sz="1400" b="0" dirty="0">
+                          <a:latin typeface="Times New Roman" panose="02020603050405020304" pitchFamily="18" charset="0"/>
+                          <a:cs typeface="Times New Roman" panose="02020603050405020304" pitchFamily="18" charset="0"/>
+                        </a:rPr>
+                        <a:t>Model worked only for one patient — lacked generalization across people.</a:t>
+                      </a:r>
+                    </a:p>
+                  </a:txBody>
+                  <a:tcPr anchor="ctr"/>
+                </a:tc>
+                <a:tc>
+                  <a:txBody>
+                    <a:bodyPr/>
+                    <a:lstStyle/>
+                    <a:p>
+                      <a:r>
+                        <a:rPr lang="en-US" sz="1400" b="0" dirty="0">
+                          <a:latin typeface="Times New Roman" panose="02020603050405020304" pitchFamily="18" charset="0"/>
+                          <a:cs typeface="Times New Roman" panose="02020603050405020304" pitchFamily="18" charset="0"/>
+                        </a:rPr>
+                        <a:t>Expand dataset to include all 24 patients and apply epoch-based segmentation for better cross-patient training.</a:t>
+                      </a:r>
+                    </a:p>
+                  </a:txBody>
+                  <a:tcPr anchor="ctr"/>
+                </a:tc>
+                <a:extLst>
+                  <a:ext uri="{0D108BD9-81ED-4DB2-BD59-A6C34878D82A}">
+                    <a16:rowId xmlns:a16="http://schemas.microsoft.com/office/drawing/2014/main" val="3432091610"/>
+                  </a:ext>
+                </a:extLst>
+              </a:tr>
+              <a:tr h="1222513">
+                <a:tc>
+                  <a:txBody>
+                    <a:bodyPr/>
+                    <a:lstStyle/>
+                    <a:p>
+                      <a:r>
+                        <a:rPr lang="en-US" sz="1400" b="0" dirty="0">
+                          <a:latin typeface="Times New Roman" panose="02020603050405020304" pitchFamily="18" charset="0"/>
+                          <a:cs typeface="Times New Roman" panose="02020603050405020304" pitchFamily="18" charset="0"/>
+                        </a:rPr>
+                        <a:t>Ahmed et al. (2020)</a:t>
+                      </a:r>
+                    </a:p>
+                  </a:txBody>
+                  <a:tcPr anchor="ctr"/>
+                </a:tc>
+                <a:tc>
+                  <a:txBody>
+                    <a:bodyPr/>
+                    <a:lstStyle/>
+                    <a:p>
+                      <a:r>
+                        <a:rPr lang="en-US" sz="1400" b="0" dirty="0">
+                          <a:latin typeface="Times New Roman" panose="02020603050405020304" pitchFamily="18" charset="0"/>
+                          <a:cs typeface="Times New Roman" panose="02020603050405020304" pitchFamily="18" charset="0"/>
+                        </a:rPr>
+                        <a:t>Used manual feature extraction and assumed signals were constant over time.</a:t>
+                      </a:r>
+                    </a:p>
+                  </a:txBody>
+                  <a:tcPr anchor="ctr"/>
+                </a:tc>
+                <a:tc>
+                  <a:txBody>
+                    <a:bodyPr/>
+                    <a:lstStyle/>
+                    <a:p>
+                      <a:r>
+                        <a:rPr lang="en-US" sz="1400" b="0" dirty="0" smtClean="0">
+                          <a:latin typeface="Times New Roman" panose="02020603050405020304" pitchFamily="18" charset="0"/>
+                          <a:cs typeface="Times New Roman" panose="02020603050405020304" pitchFamily="18" charset="0"/>
+                        </a:rPr>
+                        <a:t>model uses basic automatic feature extraction (mean, RMS, etc.). In the next stage, I plan to include preprocessing and epoch-based segmentation to handle changing EEG signals.</a:t>
+                      </a:r>
+                      <a:endParaRPr lang="en-US" sz="1400" b="0" dirty="0">
+                        <a:latin typeface="Times New Roman" panose="02020603050405020304" pitchFamily="18" charset="0"/>
+                        <a:cs typeface="Times New Roman" panose="02020603050405020304" pitchFamily="18" charset="0"/>
+                      </a:endParaRPr>
+                    </a:p>
+                  </a:txBody>
+                  <a:tcPr anchor="ctr"/>
+                </a:tc>
+                <a:extLst>
+                  <a:ext uri="{0D108BD9-81ED-4DB2-BD59-A6C34878D82A}">
+                    <a16:rowId xmlns:a16="http://schemas.microsoft.com/office/drawing/2014/main" val="642960531"/>
+                  </a:ext>
+                </a:extLst>
+              </a:tr>
+              <a:tr h="694610">
+                <a:tc>
+                  <a:txBody>
+                    <a:bodyPr/>
+                    <a:lstStyle/>
+                    <a:p>
+                      <a:r>
+                        <a:rPr lang="en-US" sz="1400" b="0">
+                          <a:latin typeface="Times New Roman" panose="02020603050405020304" pitchFamily="18" charset="0"/>
+                          <a:cs typeface="Times New Roman" panose="02020603050405020304" pitchFamily="18" charset="0"/>
+                        </a:rPr>
+                        <a:t>Chandel et al. (2022)</a:t>
+                      </a:r>
+                    </a:p>
+                  </a:txBody>
+                  <a:tcPr anchor="ctr"/>
+                </a:tc>
+                <a:tc>
+                  <a:txBody>
+                    <a:bodyPr/>
+                    <a:lstStyle/>
+                    <a:p>
+                      <a:r>
+                        <a:rPr lang="en-US" sz="1400" b="0" dirty="0">
+                          <a:latin typeface="Times New Roman" panose="02020603050405020304" pitchFamily="18" charset="0"/>
+                          <a:cs typeface="Times New Roman" panose="02020603050405020304" pitchFamily="18" charset="0"/>
+                        </a:rPr>
+                        <a:t>Reported very high accuracy on small, clean data, not real clinical signals.</a:t>
+                      </a:r>
+                    </a:p>
+                  </a:txBody>
+                  <a:tcPr anchor="ctr"/>
+                </a:tc>
+                <a:tc>
+                  <a:txBody>
+                    <a:bodyPr/>
+                    <a:lstStyle/>
+                    <a:p>
+                      <a:r>
+                        <a:rPr lang="en-US" sz="1400" b="0" dirty="0">
+                          <a:latin typeface="Times New Roman" panose="02020603050405020304" pitchFamily="18" charset="0"/>
+                          <a:cs typeface="Times New Roman" panose="02020603050405020304" pitchFamily="18" charset="0"/>
+                        </a:rPr>
+                        <a:t>Use real EEG data with noise; increase sample size and include diverse patient data.</a:t>
+                      </a:r>
+                    </a:p>
+                  </a:txBody>
+                  <a:tcPr anchor="ctr"/>
+                </a:tc>
+                <a:extLst>
+                  <a:ext uri="{0D108BD9-81ED-4DB2-BD59-A6C34878D82A}">
+                    <a16:rowId xmlns:a16="http://schemas.microsoft.com/office/drawing/2014/main" val="2751117806"/>
+                  </a:ext>
+                </a:extLst>
+              </a:tr>
+              <a:tr h="902992">
+                <a:tc>
+                  <a:txBody>
+                    <a:bodyPr/>
+                    <a:lstStyle/>
+                    <a:p>
+                      <a:r>
+                        <a:rPr lang="en-US" sz="1400" b="0">
+                          <a:latin typeface="Times New Roman" panose="02020603050405020304" pitchFamily="18" charset="0"/>
+                          <a:cs typeface="Times New Roman" panose="02020603050405020304" pitchFamily="18" charset="0"/>
+                        </a:rPr>
+                        <a:t>Mourad et al. (2025)</a:t>
+                      </a:r>
+                    </a:p>
+                  </a:txBody>
+                  <a:tcPr anchor="ctr"/>
+                </a:tc>
+                <a:tc>
+                  <a:txBody>
+                    <a:bodyPr/>
+                    <a:lstStyle/>
+                    <a:p>
+                      <a:r>
+                        <a:rPr lang="en-US" sz="1400" b="0">
+                          <a:latin typeface="Times New Roman" panose="02020603050405020304" pitchFamily="18" charset="0"/>
+                          <a:cs typeface="Times New Roman" panose="02020603050405020304" pitchFamily="18" charset="0"/>
+                        </a:rPr>
+                        <a:t>Found no standard preprocessing or testing metrics across studies.</a:t>
+                      </a:r>
+                    </a:p>
+                  </a:txBody>
+                  <a:tcPr anchor="ctr"/>
+                </a:tc>
+                <a:tc>
+                  <a:txBody>
+                    <a:bodyPr/>
+                    <a:lstStyle/>
+                    <a:p>
+                      <a:r>
+                        <a:rPr lang="en-US" sz="1400" b="0">
+                          <a:latin typeface="Times New Roman" panose="02020603050405020304" pitchFamily="18" charset="0"/>
+                          <a:cs typeface="Times New Roman" panose="02020603050405020304" pitchFamily="18" charset="0"/>
+                        </a:rPr>
+                        <a:t>Apply standardized preprocessing, use consistent metrics (accuracy, MAE), and later add cross-validation.</a:t>
+                      </a:r>
+                    </a:p>
+                  </a:txBody>
+                  <a:tcPr anchor="ctr"/>
+                </a:tc>
+                <a:extLst>
+                  <a:ext uri="{0D108BD9-81ED-4DB2-BD59-A6C34878D82A}">
+                    <a16:rowId xmlns:a16="http://schemas.microsoft.com/office/drawing/2014/main" val="2542256738"/>
+                  </a:ext>
+                </a:extLst>
+              </a:tr>
+              <a:tr h="902992">
+                <a:tc>
+                  <a:txBody>
+                    <a:bodyPr/>
+                    <a:lstStyle/>
+                    <a:p>
+                      <a:r>
+                        <a:rPr lang="en-US" sz="1400" b="0">
+                          <a:latin typeface="Times New Roman" panose="02020603050405020304" pitchFamily="18" charset="0"/>
+                          <a:cs typeface="Times New Roman" panose="02020603050405020304" pitchFamily="18" charset="0"/>
+                        </a:rPr>
+                        <a:t>General Literature (2020–2025)</a:t>
+                      </a:r>
+                    </a:p>
+                  </a:txBody>
+                  <a:tcPr anchor="ctr"/>
+                </a:tc>
+                <a:tc>
+                  <a:txBody>
+                    <a:bodyPr/>
+                    <a:lstStyle/>
+                    <a:p>
+                      <a:r>
+                        <a:rPr lang="en-US" sz="1400" b="0">
+                          <a:latin typeface="Times New Roman" panose="02020603050405020304" pitchFamily="18" charset="0"/>
+                          <a:cs typeface="Times New Roman" panose="02020603050405020304" pitchFamily="18" charset="0"/>
+                        </a:rPr>
+                        <a:t>Many models are complex and hard to interpret; results not explainable for doctors.</a:t>
+                      </a:r>
+                    </a:p>
+                  </a:txBody>
+                  <a:tcPr anchor="ctr"/>
+                </a:tc>
+                <a:tc>
+                  <a:txBody>
+                    <a:bodyPr/>
+                    <a:lstStyle/>
+                    <a:p>
+                      <a:r>
+                        <a:rPr lang="en-US" sz="1400" b="0" dirty="0">
+                          <a:latin typeface="Times New Roman" panose="02020603050405020304" pitchFamily="18" charset="0"/>
+                          <a:cs typeface="Times New Roman" panose="02020603050405020304" pitchFamily="18" charset="0"/>
+                        </a:rPr>
+                        <a:t>Use simple Random Forest model and plan to add feature-importance (SHAP) analysis for transparency.</a:t>
+                      </a:r>
+                    </a:p>
+                  </a:txBody>
+                  <a:tcPr anchor="ctr"/>
+                </a:tc>
+                <a:extLst>
+                  <a:ext uri="{0D108BD9-81ED-4DB2-BD59-A6C34878D82A}">
+                    <a16:rowId xmlns:a16="http://schemas.microsoft.com/office/drawing/2014/main" val="1255407253"/>
+                  </a:ext>
+                </a:extLst>
+              </a:tr>
+            </a:tbl>
+          </a:graphicData>
+        </a:graphic>
+      </p:graphicFrame>
+    </p:spTree>
+    <p:extLst>
+      <p:ext uri="{BB962C8B-B14F-4D97-AF65-F5344CB8AC3E}">
+        <p14:creationId xmlns:p14="http://schemas.microsoft.com/office/powerpoint/2010/main" val="4012244318"/>
+      </p:ext>
+    </p:extLst>
+  </p:cSld>
+  <p:clrMapOvr>
+    <a:masterClrMapping/>
+  </p:clrMapOvr>
+</p:sld>
+</file>
+
+<file path=ppt/slides/slide5.xml><?xml version="1.0" encoding="utf-8"?>
+<p:sld xmlns:a="http://schemas.openxmlformats.org/drawingml/2006/main" xmlns:r="http://schemas.openxmlformats.org/officeDocument/2006/relationships" xmlns:p="http://schemas.openxmlformats.org/presentationml/2006/main">
+  <p:cSld>
+    <p:spTree>
+      <p:nvGrpSpPr>
+        <p:cNvPr id="1" name=""/>
+        <p:cNvGrpSpPr/>
+        <p:nvPr/>
+      </p:nvGrpSpPr>
+      <p:grpSpPr>
+        <a:xfrm>
+          <a:off x="0" y="0"/>
+          <a:ext cx="0" cy="0"/>
+          <a:chOff x="0" y="0"/>
+          <a:chExt cx="0" cy="0"/>
+        </a:xfrm>
+      </p:grpSpPr>
+      <p:sp>
+        <p:nvSpPr>
+          <p:cNvPr id="2" name="Title 1"/>
+          <p:cNvSpPr>
+            <a:spLocks noGrp="1"/>
+          </p:cNvSpPr>
+          <p:nvPr>
+            <p:ph type="title"/>
+          </p:nvPr>
+        </p:nvSpPr>
+        <p:spPr/>
+        <p:txBody>
+          <a:bodyPr>
+            <a:normAutofit/>
+          </a:bodyPr>
+          <a:lstStyle/>
+          <a:p>
+            <a:r>
+              <a:rPr lang="en-US" b="1" dirty="0">
+                <a:solidFill>
+                  <a:srgbClr val="FF0000"/>
+                </a:solidFill>
+                <a:latin typeface="Times New Roman" panose="02020603050405020304" pitchFamily="18" charset="0"/>
+                <a:cs typeface="Times New Roman" panose="02020603050405020304" pitchFamily="18" charset="0"/>
+              </a:rPr>
+              <a:t>Research Methodology</a:t>
+            </a:r>
+          </a:p>
+        </p:txBody>
+      </p:sp>
+      <p:sp>
+        <p:nvSpPr>
+          <p:cNvPr id="4" name="Rectangle 3"/>
+          <p:cNvSpPr/>
+          <p:nvPr/>
+        </p:nvSpPr>
+        <p:spPr>
+          <a:xfrm>
+            <a:off x="257594" y="1417638"/>
+            <a:ext cx="8628812" cy="3691844"/>
+          </a:xfrm>
+          <a:prstGeom prst="rect">
+            <a:avLst/>
+          </a:prstGeom>
+        </p:spPr>
+        <p:txBody>
+          <a:bodyPr wrap="square">
+            <a:spAutoFit/>
+          </a:bodyPr>
+          <a:lstStyle/>
+          <a:p>
+            <a:pPr marL="457200" indent="-457200">
+              <a:lnSpc>
+                <a:spcPct val="200000"/>
+              </a:lnSpc>
+              <a:buFont typeface="+mj-lt"/>
+              <a:buAutoNum type="arabicPeriod"/>
+            </a:pPr>
+            <a:r>
+              <a:rPr lang="en-US" sz="2000" dirty="0">
+                <a:latin typeface="Times New Roman" panose="02020603050405020304" pitchFamily="18" charset="0"/>
+                <a:cs typeface="Times New Roman" panose="02020603050405020304" pitchFamily="18" charset="0"/>
+              </a:rPr>
+              <a:t>Data </a:t>
+            </a:r>
+            <a:r>
+              <a:rPr lang="en-US" sz="2000" dirty="0" smtClean="0">
+                <a:latin typeface="Times New Roman" panose="02020603050405020304" pitchFamily="18" charset="0"/>
+                <a:cs typeface="Times New Roman" panose="02020603050405020304" pitchFamily="18" charset="0"/>
+              </a:rPr>
+              <a:t>collection </a:t>
+            </a:r>
+            <a:r>
+              <a:rPr lang="en-US" sz="2000" dirty="0">
+                <a:latin typeface="Times New Roman" panose="02020603050405020304" pitchFamily="18" charset="0"/>
+                <a:cs typeface="Times New Roman" panose="02020603050405020304" pitchFamily="18" charset="0"/>
+              </a:rPr>
+              <a:t>from CHB–MIT EEG </a:t>
+            </a:r>
+            <a:r>
+              <a:rPr lang="en-US" sz="2000" dirty="0" smtClean="0">
+                <a:latin typeface="Times New Roman" panose="02020603050405020304" pitchFamily="18" charset="0"/>
+                <a:cs typeface="Times New Roman" panose="02020603050405020304" pitchFamily="18" charset="0"/>
+              </a:rPr>
+              <a:t>database and importing in google </a:t>
+            </a:r>
+            <a:r>
+              <a:rPr lang="en-US" sz="2000" dirty="0" err="1" smtClean="0">
+                <a:latin typeface="Times New Roman" panose="02020603050405020304" pitchFamily="18" charset="0"/>
+                <a:cs typeface="Times New Roman" panose="02020603050405020304" pitchFamily="18" charset="0"/>
+              </a:rPr>
+              <a:t>colab</a:t>
+            </a:r>
+            <a:endParaRPr lang="en-US" sz="2000" dirty="0" smtClean="0">
+              <a:latin typeface="Times New Roman" panose="02020603050405020304" pitchFamily="18" charset="0"/>
+              <a:cs typeface="Times New Roman" panose="02020603050405020304" pitchFamily="18" charset="0"/>
+            </a:endParaRPr>
+          </a:p>
+          <a:p>
+            <a:pPr marL="457200" indent="-457200">
+              <a:lnSpc>
+                <a:spcPct val="200000"/>
+              </a:lnSpc>
+              <a:buFont typeface="+mj-lt"/>
+              <a:buAutoNum type="arabicPeriod"/>
+            </a:pPr>
+            <a:r>
+              <a:rPr lang="en-US" sz="2000" dirty="0" smtClean="0">
+                <a:latin typeface="Times New Roman" panose="02020603050405020304" pitchFamily="18" charset="0"/>
+                <a:cs typeface="Times New Roman" panose="02020603050405020304" pitchFamily="18" charset="0"/>
+              </a:rPr>
+              <a:t>Data Preprocessing, labeling and separating seizure files</a:t>
+            </a:r>
+          </a:p>
+          <a:p>
+            <a:pPr marL="457200" indent="-457200">
+              <a:lnSpc>
+                <a:spcPct val="200000"/>
+              </a:lnSpc>
+              <a:buFont typeface="+mj-lt"/>
+              <a:buAutoNum type="arabicPeriod"/>
+            </a:pPr>
+            <a:r>
+              <a:rPr lang="en-US" sz="2000" dirty="0" smtClean="0">
+                <a:latin typeface="Times New Roman" panose="02020603050405020304" pitchFamily="18" charset="0"/>
+                <a:cs typeface="Times New Roman" panose="02020603050405020304" pitchFamily="18" charset="0"/>
+              </a:rPr>
+              <a:t>Feature extraction</a:t>
+            </a:r>
+          </a:p>
+          <a:p>
+            <a:pPr marL="457200" indent="-457200">
+              <a:lnSpc>
+                <a:spcPct val="200000"/>
+              </a:lnSpc>
+              <a:buFont typeface="+mj-lt"/>
+              <a:buAutoNum type="arabicPeriod"/>
+            </a:pPr>
+            <a:r>
+              <a:rPr lang="en-US" sz="2000" dirty="0" smtClean="0">
+                <a:latin typeface="Times New Roman" panose="02020603050405020304" pitchFamily="18" charset="0"/>
+                <a:cs typeface="Times New Roman" panose="02020603050405020304" pitchFamily="18" charset="0"/>
+              </a:rPr>
+              <a:t>Splitting for training and testing</a:t>
+            </a:r>
+          </a:p>
+          <a:p>
+            <a:pPr marL="457200" indent="-457200">
+              <a:lnSpc>
+                <a:spcPct val="200000"/>
+              </a:lnSpc>
+              <a:buFont typeface="+mj-lt"/>
+              <a:buAutoNum type="arabicPeriod"/>
+            </a:pPr>
+            <a:r>
+              <a:rPr lang="en-US" sz="2000" dirty="0" smtClean="0">
+                <a:latin typeface="Times New Roman" panose="02020603050405020304" pitchFamily="18" charset="0"/>
+                <a:cs typeface="Times New Roman" panose="02020603050405020304" pitchFamily="18" charset="0"/>
+              </a:rPr>
+              <a:t>Model training, predicting and testing</a:t>
+            </a:r>
+          </a:p>
+          <a:p>
+            <a:pPr marL="457200" indent="-457200">
+              <a:lnSpc>
+                <a:spcPct val="200000"/>
+              </a:lnSpc>
+              <a:buFont typeface="+mj-lt"/>
+              <a:buAutoNum type="arabicPeriod"/>
+            </a:pPr>
+            <a:r>
+              <a:rPr lang="en-US" sz="2000" dirty="0" smtClean="0">
+                <a:latin typeface="Times New Roman" panose="02020603050405020304" pitchFamily="18" charset="0"/>
+                <a:cs typeface="Times New Roman" panose="02020603050405020304" pitchFamily="18" charset="0"/>
+              </a:rPr>
+              <a:t>Visualization and comparing actual and predicted result</a:t>
+            </a:r>
+            <a:endParaRPr lang="en-US" sz="2000" dirty="0">
+              <a:latin typeface="Times New Roman" panose="02020603050405020304" pitchFamily="18" charset="0"/>
+              <a:cs typeface="Times New Roman" panose="02020603050405020304" pitchFamily="18" charset="0"/>
+            </a:endParaRPr>
+          </a:p>
+        </p:txBody>
+      </p:sp>
+    </p:spTree>
+  </p:cSld>
+  <p:clrMapOvr>
+    <a:masterClrMapping/>
+  </p:clrMapOvr>
+</p:sld>
+</file>
+
+<file path=ppt/slides/slide6.xml><?xml version="1.0" encoding="utf-8"?>
+<p:sld xmlns:a="http://schemas.openxmlformats.org/drawingml/2006/main" xmlns:r="http://schemas.openxmlformats.org/officeDocument/2006/relationships" xmlns:p="http://schemas.openxmlformats.org/presentationml/2006/main">
+  <p:cSld>
+    <p:spTree>
+      <p:nvGrpSpPr>
+        <p:cNvPr id="1" name=""/>
+        <p:cNvGrpSpPr/>
+        <p:nvPr/>
+      </p:nvGrpSpPr>
+      <p:grpSpPr>
+        <a:xfrm>
+          <a:off x="0" y="0"/>
+          <a:ext cx="0" cy="0"/>
+          <a:chOff x="0" y="0"/>
+          <a:chExt cx="0" cy="0"/>
+        </a:xfrm>
+      </p:grpSpPr>
+      <p:pic>
+        <p:nvPicPr>
+          <p:cNvPr id="3" name="Picture 2"/>
+          <p:cNvPicPr>
+            <a:picLocks noChangeAspect="1"/>
+          </p:cNvPicPr>
+          <p:nvPr/>
+        </p:nvPicPr>
+        <p:blipFill>
+          <a:blip r:embed="rId2"/>
+          <a:stretch>
+            <a:fillRect/>
+          </a:stretch>
+        </p:blipFill>
+        <p:spPr>
+          <a:xfrm>
+            <a:off x="0" y="1847599"/>
+            <a:ext cx="9144000" cy="4849091"/>
+          </a:xfrm>
+          <a:prstGeom prst="rect">
+            <a:avLst/>
+          </a:prstGeom>
+        </p:spPr>
+      </p:pic>
+      <p:sp>
+        <p:nvSpPr>
+          <p:cNvPr id="5" name="Rectangle 4"/>
+          <p:cNvSpPr/>
+          <p:nvPr/>
+        </p:nvSpPr>
+        <p:spPr>
+          <a:xfrm>
+            <a:off x="0" y="68540"/>
+            <a:ext cx="9144000" cy="1446550"/>
+          </a:xfrm>
+          <a:prstGeom prst="rect">
+            <a:avLst/>
+          </a:prstGeom>
+        </p:spPr>
+        <p:txBody>
+          <a:bodyPr wrap="square">
+            <a:spAutoFit/>
+          </a:bodyPr>
+          <a:lstStyle/>
+          <a:p>
+            <a:pPr algn="ctr"/>
+            <a:r>
+              <a:rPr lang="en-US" sz="4400" b="1" dirty="0">
+                <a:solidFill>
+                  <a:srgbClr val="FF0000"/>
+                </a:solidFill>
+                <a:latin typeface="Times New Roman" panose="02020603050405020304" pitchFamily="18" charset="0"/>
+                <a:cs typeface="Times New Roman" panose="02020603050405020304" pitchFamily="18" charset="0"/>
+              </a:rPr>
+              <a:t>Workflow of the proposed machine learning </a:t>
+            </a:r>
+            <a:r>
+              <a:rPr lang="en-US" sz="4400" b="1" dirty="0" smtClean="0">
+                <a:solidFill>
+                  <a:srgbClr val="FF0000"/>
+                </a:solidFill>
+                <a:latin typeface="Times New Roman" panose="02020603050405020304" pitchFamily="18" charset="0"/>
+                <a:cs typeface="Times New Roman" panose="02020603050405020304" pitchFamily="18" charset="0"/>
+              </a:rPr>
+              <a:t>model</a:t>
+            </a:r>
+            <a:endParaRPr lang="en-US" sz="4400" b="1" dirty="0">
+              <a:solidFill>
+                <a:srgbClr val="FF0000"/>
+              </a:solidFill>
+              <a:latin typeface="Times New Roman" panose="02020603050405020304" pitchFamily="18" charset="0"/>
+              <a:cs typeface="Times New Roman" panose="02020603050405020304" pitchFamily="18" charset="0"/>
+            </a:endParaRPr>
+          </a:p>
+        </p:txBody>
+      </p:sp>
+    </p:spTree>
+    <p:extLst>
+      <p:ext uri="{BB962C8B-B14F-4D97-AF65-F5344CB8AC3E}">
+        <p14:creationId xmlns:p14="http://schemas.microsoft.com/office/powerpoint/2010/main" val="1697488586"/>
+      </p:ext>
+    </p:extLst>
+  </p:cSld>
+  <p:clrMapOvr>
+    <a:masterClrMapping/>
+  </p:clrMapOvr>
+</p:sld>
+</file>
+
+<file path=ppt/slides/slide7.xml><?xml version="1.0" encoding="utf-8"?>
+<p:sld xmlns:a="http://schemas.openxmlformats.org/drawingml/2006/main" xmlns:r="http://schemas.openxmlformats.org/officeDocument/2006/relationships" xmlns:p="http://schemas.openxmlformats.org/presentationml/2006/main">
+  <p:cSld>
+    <p:spTree>
+      <p:nvGrpSpPr>
+        <p:cNvPr id="1" name=""/>
+        <p:cNvGrpSpPr/>
+        <p:nvPr/>
+      </p:nvGrpSpPr>
+      <p:grpSpPr>
+        <a:xfrm>
+          <a:off x="0" y="0"/>
+          <a:ext cx="0" cy="0"/>
+          <a:chOff x="0" y="0"/>
+          <a:chExt cx="0" cy="0"/>
+        </a:xfrm>
+      </p:grpSpPr>
+      <p:sp>
+        <p:nvSpPr>
+          <p:cNvPr id="2" name="Title 1"/>
+          <p:cNvSpPr>
+            <a:spLocks noGrp="1"/>
+          </p:cNvSpPr>
+          <p:nvPr>
+            <p:ph type="title"/>
+          </p:nvPr>
+        </p:nvSpPr>
+        <p:spPr/>
+        <p:txBody>
+          <a:bodyPr>
+            <a:normAutofit fontScale="90000"/>
+          </a:bodyPr>
+          <a:lstStyle/>
+          <a:p>
+            <a:r>
+              <a:rPr lang="en-US" b="1" dirty="0" smtClean="0">
+                <a:solidFill>
+                  <a:srgbClr val="FF0000"/>
+                </a:solidFill>
+                <a:latin typeface="Times New Roman" panose="02020603050405020304" pitchFamily="18" charset="0"/>
+                <a:cs typeface="Times New Roman" panose="02020603050405020304" pitchFamily="18" charset="0"/>
+              </a:rPr>
+              <a:t>Data </a:t>
+            </a:r>
+            <a:r>
+              <a:rPr lang="en-US" b="1" dirty="0">
+                <a:solidFill>
+                  <a:srgbClr val="FF0000"/>
+                </a:solidFill>
+                <a:latin typeface="Times New Roman" panose="02020603050405020304" pitchFamily="18" charset="0"/>
+                <a:cs typeface="Times New Roman" panose="02020603050405020304" pitchFamily="18" charset="0"/>
+              </a:rPr>
+              <a:t>Preparation and Feature Extraction</a:t>
+            </a:r>
+            <a:endParaRPr b="1" dirty="0">
+              <a:solidFill>
+                <a:srgbClr val="FF0000"/>
+              </a:solidFill>
+              <a:latin typeface="Times New Roman" panose="02020603050405020304" pitchFamily="18" charset="0"/>
+              <a:cs typeface="Times New Roman" panose="02020603050405020304" pitchFamily="18" charset="0"/>
+            </a:endParaRPr>
+          </a:p>
+        </p:txBody>
+      </p:sp>
+      <p:sp>
+        <p:nvSpPr>
+          <p:cNvPr id="4" name="Rectangle 3"/>
+          <p:cNvSpPr/>
+          <p:nvPr/>
+        </p:nvSpPr>
+        <p:spPr>
+          <a:xfrm>
+            <a:off x="908050" y="1954937"/>
+            <a:ext cx="7327900" cy="2806987"/>
+          </a:xfrm>
+          <a:prstGeom prst="rect">
+            <a:avLst/>
+          </a:prstGeom>
+        </p:spPr>
+        <p:txBody>
+          <a:bodyPr wrap="square">
+            <a:spAutoFit/>
+          </a:bodyPr>
+          <a:lstStyle/>
+          <a:p>
+            <a:pPr marL="285750" indent="-285750" algn="just">
+              <a:lnSpc>
+                <a:spcPct val="150000"/>
+              </a:lnSpc>
+              <a:buFont typeface="Arial" panose="020B0604020202020204" pitchFamily="34" charset="0"/>
+              <a:buChar char="•"/>
+            </a:pPr>
+            <a:r>
+              <a:rPr lang="en-US" sz="2000" dirty="0">
+                <a:latin typeface="Times New Roman" panose="02020603050405020304" pitchFamily="18" charset="0"/>
+                <a:cs typeface="Times New Roman" panose="02020603050405020304" pitchFamily="18" charset="0"/>
+              </a:rPr>
+              <a:t>EEG </a:t>
+            </a:r>
+            <a:r>
+              <a:rPr lang="en-US" sz="2000" dirty="0" smtClean="0">
+                <a:latin typeface="Times New Roman" panose="02020603050405020304" pitchFamily="18" charset="0"/>
+                <a:cs typeface="Times New Roman" panose="02020603050405020304" pitchFamily="18" charset="0"/>
+              </a:rPr>
+              <a:t>recordings: 115 .</a:t>
+            </a:r>
+            <a:r>
+              <a:rPr lang="en-US" sz="2000" dirty="0" err="1" smtClean="0">
+                <a:latin typeface="Times New Roman" panose="02020603050405020304" pitchFamily="18" charset="0"/>
+                <a:cs typeface="Times New Roman" panose="02020603050405020304" pitchFamily="18" charset="0"/>
+              </a:rPr>
+              <a:t>edf</a:t>
+            </a:r>
+            <a:r>
+              <a:rPr lang="en-US" sz="2000" dirty="0" smtClean="0">
+                <a:latin typeface="Times New Roman" panose="02020603050405020304" pitchFamily="18" charset="0"/>
+                <a:cs typeface="Times New Roman" panose="02020603050405020304" pitchFamily="18" charset="0"/>
+              </a:rPr>
+              <a:t> files of 3 patients with </a:t>
+            </a:r>
+            <a:r>
+              <a:rPr lang="en-US" sz="2000" dirty="0">
+                <a:latin typeface="Times New Roman" panose="02020603050405020304" pitchFamily="18" charset="0"/>
+                <a:cs typeface="Times New Roman" panose="02020603050405020304" pitchFamily="18" charset="0"/>
+              </a:rPr>
+              <a:t>23 channels </a:t>
+            </a:r>
+            <a:r>
+              <a:rPr lang="en-US" sz="2000" dirty="0" smtClean="0">
+                <a:latin typeface="Times New Roman" panose="02020603050405020304" pitchFamily="18" charset="0"/>
+                <a:cs typeface="Times New Roman" panose="02020603050405020304" pitchFamily="18" charset="0"/>
+              </a:rPr>
+              <a:t>each</a:t>
+            </a:r>
+          </a:p>
+          <a:p>
+            <a:pPr marL="285750" indent="-285750" algn="just">
+              <a:lnSpc>
+                <a:spcPct val="150000"/>
+              </a:lnSpc>
+              <a:buFont typeface="Arial" panose="020B0604020202020204" pitchFamily="34" charset="0"/>
+              <a:buChar char="•"/>
+            </a:pPr>
+            <a:r>
+              <a:rPr lang="en-US" sz="2000" dirty="0" smtClean="0">
+                <a:latin typeface="Times New Roman" panose="02020603050405020304" pitchFamily="18" charset="0"/>
+                <a:cs typeface="Times New Roman" panose="02020603050405020304" pitchFamily="18" charset="0"/>
+              </a:rPr>
+              <a:t>Tools used: </a:t>
+            </a:r>
+            <a:r>
+              <a:rPr lang="en-US" sz="2000" dirty="0">
+                <a:latin typeface="Times New Roman" panose="02020603050405020304" pitchFamily="18" charset="0"/>
+                <a:cs typeface="Times New Roman" panose="02020603050405020304" pitchFamily="18" charset="0"/>
+              </a:rPr>
+              <a:t>Google </a:t>
+            </a:r>
+            <a:r>
+              <a:rPr lang="en-US" sz="2000" dirty="0" err="1">
+                <a:latin typeface="Times New Roman" panose="02020603050405020304" pitchFamily="18" charset="0"/>
+                <a:cs typeface="Times New Roman" panose="02020603050405020304" pitchFamily="18" charset="0"/>
+              </a:rPr>
+              <a:t>Colab</a:t>
+            </a:r>
+            <a:r>
+              <a:rPr lang="en-US" sz="2000" dirty="0">
+                <a:latin typeface="Times New Roman" panose="02020603050405020304" pitchFamily="18" charset="0"/>
+                <a:cs typeface="Times New Roman" panose="02020603050405020304" pitchFamily="18" charset="0"/>
+              </a:rPr>
+              <a:t>, MNE, </a:t>
+            </a:r>
+            <a:r>
+              <a:rPr lang="en-US" sz="2000" dirty="0" err="1">
+                <a:latin typeface="Times New Roman" panose="02020603050405020304" pitchFamily="18" charset="0"/>
+                <a:cs typeface="Times New Roman" panose="02020603050405020304" pitchFamily="18" charset="0"/>
+              </a:rPr>
+              <a:t>NumPy</a:t>
+            </a:r>
+            <a:r>
+              <a:rPr lang="en-US" sz="2000" dirty="0">
+                <a:latin typeface="Times New Roman" panose="02020603050405020304" pitchFamily="18" charset="0"/>
+                <a:cs typeface="Times New Roman" panose="02020603050405020304" pitchFamily="18" charset="0"/>
+              </a:rPr>
+              <a:t>, </a:t>
+            </a:r>
+            <a:r>
+              <a:rPr lang="en-US" sz="2000" dirty="0" smtClean="0">
+                <a:latin typeface="Times New Roman" panose="02020603050405020304" pitchFamily="18" charset="0"/>
+                <a:cs typeface="Times New Roman" panose="02020603050405020304" pitchFamily="18" charset="0"/>
+              </a:rPr>
+              <a:t>Panda, Glob, </a:t>
+            </a:r>
+            <a:r>
+              <a:rPr lang="en-US" sz="2000" dirty="0" err="1" smtClean="0">
+                <a:latin typeface="Times New Roman" panose="02020603050405020304" pitchFamily="18" charset="0"/>
+                <a:cs typeface="Times New Roman" panose="02020603050405020304" pitchFamily="18" charset="0"/>
+              </a:rPr>
+              <a:t>SciPy</a:t>
+            </a:r>
+            <a:r>
+              <a:rPr lang="en-US" sz="2000" dirty="0" smtClean="0">
+                <a:latin typeface="Times New Roman" panose="02020603050405020304" pitchFamily="18" charset="0"/>
+                <a:cs typeface="Times New Roman" panose="02020603050405020304" pitchFamily="18" charset="0"/>
+              </a:rPr>
+              <a:t> </a:t>
+            </a:r>
+            <a:r>
+              <a:rPr lang="en-US" sz="2000" dirty="0" err="1" smtClean="0">
+                <a:latin typeface="Times New Roman" panose="02020603050405020304" pitchFamily="18" charset="0"/>
+                <a:cs typeface="Times New Roman" panose="02020603050405020304" pitchFamily="18" charset="0"/>
+              </a:rPr>
+              <a:t>etc</a:t>
+            </a:r>
+            <a:endParaRPr lang="en-US" sz="2000" dirty="0" smtClean="0">
+              <a:latin typeface="Times New Roman" panose="02020603050405020304" pitchFamily="18" charset="0"/>
+              <a:cs typeface="Times New Roman" panose="02020603050405020304" pitchFamily="18" charset="0"/>
+            </a:endParaRPr>
+          </a:p>
+          <a:p>
+            <a:pPr marL="285750" indent="-285750" algn="just">
+              <a:lnSpc>
+                <a:spcPct val="150000"/>
+              </a:lnSpc>
+              <a:buFont typeface="Arial" panose="020B0604020202020204" pitchFamily="34" charset="0"/>
+              <a:buChar char="•"/>
+            </a:pPr>
+            <a:r>
+              <a:rPr lang="en-US" sz="2000" dirty="0" smtClean="0">
+                <a:latin typeface="Times New Roman" panose="02020603050405020304" pitchFamily="18" charset="0"/>
+                <a:cs typeface="Times New Roman" panose="02020603050405020304" pitchFamily="18" charset="0"/>
+              </a:rPr>
+              <a:t>Steps</a:t>
+            </a:r>
+            <a:r>
+              <a:rPr lang="en-US" sz="2000" dirty="0">
+                <a:latin typeface="Times New Roman" panose="02020603050405020304" pitchFamily="18" charset="0"/>
+                <a:cs typeface="Times New Roman" panose="02020603050405020304" pitchFamily="18" charset="0"/>
+              </a:rPr>
+              <a:t>: </a:t>
+            </a:r>
+            <a:r>
+              <a:rPr lang="en-US" sz="2000" dirty="0" smtClean="0">
+                <a:latin typeface="Times New Roman" panose="02020603050405020304" pitchFamily="18" charset="0"/>
+                <a:cs typeface="Times New Roman" panose="02020603050405020304" pitchFamily="18" charset="0"/>
+              </a:rPr>
+              <a:t>Noise removal, filtering, </a:t>
+            </a:r>
+            <a:r>
+              <a:rPr lang="en-US" sz="2000" dirty="0">
+                <a:latin typeface="Times New Roman" panose="02020603050405020304" pitchFamily="18" charset="0"/>
+                <a:cs typeface="Times New Roman" panose="02020603050405020304" pitchFamily="18" charset="0"/>
+              </a:rPr>
+              <a:t>labeling, cropping seizure </a:t>
+            </a:r>
+            <a:r>
+              <a:rPr lang="en-US" sz="2000" dirty="0" smtClean="0">
+                <a:latin typeface="Times New Roman" panose="02020603050405020304" pitchFamily="18" charset="0"/>
+                <a:cs typeface="Times New Roman" panose="02020603050405020304" pitchFamily="18" charset="0"/>
+              </a:rPr>
+              <a:t>sections</a:t>
+            </a:r>
+          </a:p>
+          <a:p>
+            <a:pPr marL="285750" indent="-285750" algn="just">
+              <a:lnSpc>
+                <a:spcPct val="150000"/>
+              </a:lnSpc>
+              <a:buFont typeface="Arial" panose="020B0604020202020204" pitchFamily="34" charset="0"/>
+              <a:buChar char="•"/>
+            </a:pPr>
+            <a:r>
+              <a:rPr lang="en-US" sz="2000" dirty="0" smtClean="0">
+                <a:latin typeface="Times New Roman" panose="02020603050405020304" pitchFamily="18" charset="0"/>
+                <a:cs typeface="Times New Roman" panose="02020603050405020304" pitchFamily="18" charset="0"/>
+              </a:rPr>
+              <a:t>Extracted </a:t>
+            </a:r>
+            <a:r>
+              <a:rPr lang="en-US" sz="2000" dirty="0">
+                <a:latin typeface="Times New Roman" panose="02020603050405020304" pitchFamily="18" charset="0"/>
+                <a:cs typeface="Times New Roman" panose="02020603050405020304" pitchFamily="18" charset="0"/>
+              </a:rPr>
+              <a:t>features: Mean, Variance</a:t>
+            </a:r>
+            <a:r>
+              <a:rPr lang="en-US" sz="2000" dirty="0" smtClean="0">
+                <a:latin typeface="Times New Roman" panose="02020603050405020304" pitchFamily="18" charset="0"/>
+                <a:cs typeface="Times New Roman" panose="02020603050405020304" pitchFamily="18" charset="0"/>
+              </a:rPr>
+              <a:t>, SD, Peak to Peak, max, min, </a:t>
+            </a:r>
+            <a:r>
+              <a:rPr lang="en-US" sz="2000" dirty="0">
+                <a:latin typeface="Times New Roman" panose="02020603050405020304" pitchFamily="18" charset="0"/>
+                <a:cs typeface="Times New Roman" panose="02020603050405020304" pitchFamily="18" charset="0"/>
+              </a:rPr>
+              <a:t>RMS, Power, Skewness, </a:t>
+            </a:r>
+            <a:r>
+              <a:rPr lang="en-US" sz="2000" dirty="0" smtClean="0">
+                <a:latin typeface="Times New Roman" panose="02020603050405020304" pitchFamily="18" charset="0"/>
+                <a:cs typeface="Times New Roman" panose="02020603050405020304" pitchFamily="18" charset="0"/>
+              </a:rPr>
+              <a:t>Kurtosis, Absolute Differential Mean </a:t>
+            </a:r>
+            <a:r>
+              <a:rPr lang="en-US" sz="2000" dirty="0" err="1" smtClean="0">
+                <a:latin typeface="Times New Roman" panose="02020603050405020304" pitchFamily="18" charset="0"/>
+                <a:cs typeface="Times New Roman" panose="02020603050405020304" pitchFamily="18" charset="0"/>
+              </a:rPr>
+              <a:t>etc</a:t>
+            </a:r>
+            <a:endParaRPr lang="en-US" sz="2000" dirty="0" smtClean="0">
+              <a:latin typeface="Times New Roman" panose="02020603050405020304" pitchFamily="18" charset="0"/>
+              <a:cs typeface="Times New Roman" panose="02020603050405020304" pitchFamily="18" charset="0"/>
+            </a:endParaRPr>
+          </a:p>
+          <a:p>
+            <a:pPr marL="285750" indent="-285750" algn="just">
+              <a:lnSpc>
+                <a:spcPct val="150000"/>
+              </a:lnSpc>
+              <a:buFont typeface="Arial" panose="020B0604020202020204" pitchFamily="34" charset="0"/>
+              <a:buChar char="•"/>
+            </a:pPr>
+            <a:r>
+              <a:rPr lang="en-US" sz="2000" dirty="0" smtClean="0">
+                <a:latin typeface="Times New Roman" panose="02020603050405020304" pitchFamily="18" charset="0"/>
+                <a:cs typeface="Times New Roman" panose="02020603050405020304" pitchFamily="18" charset="0"/>
+              </a:rPr>
+              <a:t>Train Test Split</a:t>
+            </a:r>
+            <a:r>
+              <a:rPr lang="en-US" sz="2000" dirty="0">
+                <a:latin typeface="Times New Roman" panose="02020603050405020304" pitchFamily="18" charset="0"/>
+                <a:cs typeface="Times New Roman" panose="02020603050405020304" pitchFamily="18" charset="0"/>
+              </a:rPr>
+              <a:t>: 90% </a:t>
+            </a:r>
+            <a:r>
+              <a:rPr lang="en-US" sz="2000" dirty="0" smtClean="0">
+                <a:latin typeface="Times New Roman" panose="02020603050405020304" pitchFamily="18" charset="0"/>
+                <a:cs typeface="Times New Roman" panose="02020603050405020304" pitchFamily="18" charset="0"/>
+              </a:rPr>
+              <a:t>for training</a:t>
+            </a:r>
+            <a:r>
+              <a:rPr lang="en-US" sz="2000" dirty="0">
+                <a:latin typeface="Times New Roman" panose="02020603050405020304" pitchFamily="18" charset="0"/>
+                <a:cs typeface="Times New Roman" panose="02020603050405020304" pitchFamily="18" charset="0"/>
+              </a:rPr>
+              <a:t>, 10% </a:t>
+            </a:r>
+            <a:r>
+              <a:rPr lang="en-US" sz="2000" dirty="0" smtClean="0">
+                <a:latin typeface="Times New Roman" panose="02020603050405020304" pitchFamily="18" charset="0"/>
+                <a:cs typeface="Times New Roman" panose="02020603050405020304" pitchFamily="18" charset="0"/>
+              </a:rPr>
+              <a:t>for testing</a:t>
+            </a:r>
+            <a:endParaRPr lang="en-US" sz="2000" dirty="0">
+              <a:latin typeface="Times New Roman" panose="02020603050405020304" pitchFamily="18" charset="0"/>
+              <a:cs typeface="Times New Roman" panose="02020603050405020304" pitchFamily="18" charset="0"/>
+            </a:endParaRPr>
+          </a:p>
+        </p:txBody>
+      </p:sp>
+    </p:spTree>
+  </p:cSld>
+  <p:clrMapOvr>
+    <a:masterClrMapping/>
+  </p:clrMapOvr>
+</p:sld>
+</file>
+
+<file path=ppt/slides/slide8.xml><?xml version="1.0" encoding="utf-8"?>
+<p:sld xmlns:a="http://schemas.openxmlformats.org/drawingml/2006/main" xmlns:r="http://schemas.openxmlformats.org/officeDocument/2006/relationships" xmlns:p="http://schemas.openxmlformats.org/presentationml/2006/main">
+  <p:cSld>
+    <p:spTree>
+      <p:nvGrpSpPr>
+        <p:cNvPr id="1" name=""/>
+        <p:cNvGrpSpPr/>
+        <p:nvPr/>
+      </p:nvGrpSpPr>
+      <p:grpSpPr>
+        <a:xfrm>
+          <a:off x="0" y="0"/>
+          <a:ext cx="0" cy="0"/>
+          <a:chOff x="0" y="0"/>
+          <a:chExt cx="0" cy="0"/>
+        </a:xfrm>
+      </p:grpSpPr>
+      <p:sp>
+        <p:nvSpPr>
+          <p:cNvPr id="2" name="Title 1"/>
+          <p:cNvSpPr>
+            <a:spLocks noGrp="1"/>
+          </p:cNvSpPr>
+          <p:nvPr>
+            <p:ph type="title"/>
+          </p:nvPr>
+        </p:nvSpPr>
+        <p:spPr/>
+        <p:txBody>
+          <a:bodyPr/>
+          <a:lstStyle/>
+          <a:p>
+            <a:r>
+              <a:rPr b="1" dirty="0">
+                <a:solidFill>
+                  <a:srgbClr val="FF0000"/>
+                </a:solidFill>
+                <a:latin typeface="Times New Roman" panose="02020603050405020304" pitchFamily="18" charset="0"/>
+                <a:cs typeface="Times New Roman" panose="02020603050405020304" pitchFamily="18" charset="0"/>
+              </a:rPr>
+              <a:t>Research Methodology (Flow)</a:t>
+            </a:r>
+          </a:p>
+        </p:txBody>
+      </p:sp>
+      <p:sp>
+        <p:nvSpPr>
+          <p:cNvPr id="8" name="Rectangle 7"/>
+          <p:cNvSpPr/>
+          <p:nvPr/>
+        </p:nvSpPr>
+        <p:spPr>
+          <a:xfrm>
+            <a:off x="4737100" y="1633835"/>
+            <a:ext cx="3657600" cy="1015663"/>
+          </a:xfrm>
+          <a:prstGeom prst="rect">
+            <a:avLst/>
+          </a:prstGeom>
+        </p:spPr>
+        <p:txBody>
+          <a:bodyPr wrap="square">
+            <a:spAutoFit/>
+          </a:bodyPr>
+          <a:lstStyle/>
+          <a:p>
+            <a:r>
+              <a:rPr lang="en-US" sz="2000" b="1" dirty="0">
+                <a:latin typeface="Times New Roman" panose="02020603050405020304" pitchFamily="18" charset="0"/>
+                <a:cs typeface="Times New Roman" panose="02020603050405020304" pitchFamily="18" charset="0"/>
+              </a:rPr>
+              <a:t>Random </a:t>
+            </a:r>
+            <a:r>
+              <a:rPr lang="en-US" sz="2000" b="1" dirty="0" smtClean="0">
+                <a:latin typeface="Times New Roman" panose="02020603050405020304" pitchFamily="18" charset="0"/>
+                <a:cs typeface="Times New Roman" panose="02020603050405020304" pitchFamily="18" charset="0"/>
+              </a:rPr>
+              <a:t>Forest </a:t>
+            </a:r>
+            <a:r>
+              <a:rPr lang="en-US" sz="2000" b="1" dirty="0" err="1">
+                <a:latin typeface="Times New Roman" panose="02020603050405020304" pitchFamily="18" charset="0"/>
+                <a:cs typeface="Times New Roman" panose="02020603050405020304" pitchFamily="18" charset="0"/>
+              </a:rPr>
+              <a:t>Regressor</a:t>
+            </a:r>
+            <a:r>
+              <a:rPr lang="en-US" sz="2000" b="1" dirty="0" smtClean="0">
+                <a:latin typeface="Times New Roman" panose="02020603050405020304" pitchFamily="18" charset="0"/>
+                <a:cs typeface="Times New Roman" panose="02020603050405020304" pitchFamily="18" charset="0"/>
+              </a:rPr>
+              <a:t>:</a:t>
+            </a:r>
+          </a:p>
+          <a:p>
+            <a:r>
+              <a:rPr lang="en-US" sz="2000" dirty="0" smtClean="0">
+                <a:latin typeface="Times New Roman" panose="02020603050405020304" pitchFamily="18" charset="0"/>
+                <a:cs typeface="Times New Roman" panose="02020603050405020304" pitchFamily="18" charset="0"/>
+              </a:rPr>
+              <a:t>Predicts </a:t>
+            </a:r>
+            <a:r>
+              <a:rPr lang="en-US" sz="2000" dirty="0">
+                <a:latin typeface="Times New Roman" panose="02020603050405020304" pitchFamily="18" charset="0"/>
+                <a:cs typeface="Times New Roman" panose="02020603050405020304" pitchFamily="18" charset="0"/>
+              </a:rPr>
+              <a:t>seizure start and end </a:t>
+            </a:r>
+            <a:r>
+              <a:rPr lang="en-US" sz="2000" dirty="0" smtClean="0">
+                <a:latin typeface="Times New Roman" panose="02020603050405020304" pitchFamily="18" charset="0"/>
+                <a:cs typeface="Times New Roman" panose="02020603050405020304" pitchFamily="18" charset="0"/>
+              </a:rPr>
+              <a:t>times of a file containing seizure</a:t>
+            </a:r>
+            <a:endParaRPr lang="en-US" sz="2000" dirty="0">
+              <a:latin typeface="Times New Roman" panose="02020603050405020304" pitchFamily="18" charset="0"/>
+              <a:cs typeface="Times New Roman" panose="02020603050405020304" pitchFamily="18" charset="0"/>
+            </a:endParaRPr>
+          </a:p>
+        </p:txBody>
+      </p:sp>
+      <p:sp>
+        <p:nvSpPr>
+          <p:cNvPr id="9" name="Rectangle 8"/>
+          <p:cNvSpPr/>
+          <p:nvPr/>
+        </p:nvSpPr>
+        <p:spPr>
+          <a:xfrm>
+            <a:off x="596900" y="1645691"/>
+            <a:ext cx="3657600" cy="1323439"/>
+          </a:xfrm>
+          <a:prstGeom prst="rect">
+            <a:avLst/>
+          </a:prstGeom>
+        </p:spPr>
+        <p:txBody>
+          <a:bodyPr wrap="square">
+            <a:spAutoFit/>
+          </a:bodyPr>
+          <a:lstStyle/>
+          <a:p>
+            <a:r>
+              <a:rPr lang="en-US" sz="2000" b="1" dirty="0">
+                <a:latin typeface="Times New Roman" panose="02020603050405020304" pitchFamily="18" charset="0"/>
+                <a:cs typeface="Times New Roman" panose="02020603050405020304" pitchFamily="18" charset="0"/>
+              </a:rPr>
+              <a:t>Random Forest Classifier</a:t>
+            </a:r>
+            <a:r>
+              <a:rPr lang="en-US" sz="2000" b="1" dirty="0" smtClean="0">
+                <a:latin typeface="Times New Roman" panose="02020603050405020304" pitchFamily="18" charset="0"/>
+                <a:cs typeface="Times New Roman" panose="02020603050405020304" pitchFamily="18" charset="0"/>
+              </a:rPr>
+              <a:t>:</a:t>
+            </a:r>
+          </a:p>
+          <a:p>
+            <a:r>
+              <a:rPr lang="en-US" sz="2000" dirty="0" smtClean="0">
+                <a:latin typeface="Times New Roman" panose="02020603050405020304" pitchFamily="18" charset="0"/>
+                <a:cs typeface="Times New Roman" panose="02020603050405020304" pitchFamily="18" charset="0"/>
+              </a:rPr>
+              <a:t>Detects </a:t>
+            </a:r>
+            <a:r>
+              <a:rPr lang="en-US" sz="2000" dirty="0">
+                <a:latin typeface="Times New Roman" panose="02020603050405020304" pitchFamily="18" charset="0"/>
+                <a:cs typeface="Times New Roman" panose="02020603050405020304" pitchFamily="18" charset="0"/>
+              </a:rPr>
+              <a:t>seizure vs. non-seizure EEG </a:t>
+            </a:r>
+            <a:r>
+              <a:rPr lang="en-US" sz="2000" dirty="0" smtClean="0">
+                <a:latin typeface="Times New Roman" panose="02020603050405020304" pitchFamily="18" charset="0"/>
+                <a:cs typeface="Times New Roman" panose="02020603050405020304" pitchFamily="18" charset="0"/>
+              </a:rPr>
+              <a:t>segments</a:t>
+            </a:r>
+          </a:p>
+          <a:p>
+            <a:endParaRPr lang="en-US" sz="2000" dirty="0">
+              <a:latin typeface="Times New Roman" panose="02020603050405020304" pitchFamily="18" charset="0"/>
+              <a:cs typeface="Times New Roman" panose="02020603050405020304" pitchFamily="18" charset="0"/>
+            </a:endParaRPr>
+          </a:p>
+        </p:txBody>
+      </p:sp>
+      <p:pic>
+        <p:nvPicPr>
+          <p:cNvPr id="11" name="Picture 10" descr="Random Forest Regression: When Does It Fail and Why?"/>
+          <p:cNvPicPr/>
+          <p:nvPr/>
+        </p:nvPicPr>
+        <p:blipFill>
+          <a:blip r:embed="rId2">
+            <a:extLst>
+              <a:ext uri="{28A0092B-C50C-407E-A947-70E740481C1C}">
+                <a14:useLocalDpi xmlns:a14="http://schemas.microsoft.com/office/drawing/2010/main" val="0"/>
+              </a:ext>
+            </a:extLst>
+          </a:blip>
+          <a:srcRect/>
+          <a:stretch>
+            <a:fillRect/>
+          </a:stretch>
+        </p:blipFill>
+        <p:spPr bwMode="auto">
+          <a:xfrm>
+            <a:off x="5017690" y="3121530"/>
+            <a:ext cx="3096419" cy="1866900"/>
+          </a:xfrm>
+          <a:prstGeom prst="rect">
+            <a:avLst/>
+          </a:prstGeom>
+          <a:noFill/>
+          <a:ln>
+            <a:noFill/>
+          </a:ln>
+        </p:spPr>
+      </p:pic>
+      <p:pic>
+        <p:nvPicPr>
+          <p:cNvPr id="12" name="Picture 11"/>
+          <p:cNvPicPr/>
+          <p:nvPr/>
+        </p:nvPicPr>
+        <p:blipFill rotWithShape="1">
+          <a:blip r:embed="rId3"/>
+          <a:srcRect t="16000"/>
+          <a:stretch/>
+        </p:blipFill>
+        <p:spPr bwMode="auto">
+          <a:xfrm>
+            <a:off x="802480" y="3197183"/>
+            <a:ext cx="3071813" cy="2072957"/>
+          </a:xfrm>
+          <a:prstGeom prst="rect">
+            <a:avLst/>
+          </a:prstGeom>
+          <a:ln>
+            <a:noFill/>
+          </a:ln>
+          <a:extLst>
+            <a:ext uri="{53640926-AAD7-44D8-BBD7-CCE9431645EC}">
+              <a14:shadowObscured xmlns:a14="http://schemas.microsoft.com/office/drawing/2010/main"/>
+            </a:ext>
+          </a:extLst>
+        </p:spPr>
+      </p:pic>
+      <p:sp>
+        <p:nvSpPr>
+          <p:cNvPr id="13" name="Rectangle 12"/>
+          <p:cNvSpPr/>
+          <p:nvPr/>
+        </p:nvSpPr>
+        <p:spPr>
+          <a:xfrm>
+            <a:off x="802480" y="5175027"/>
+            <a:ext cx="2855120" cy="646331"/>
+          </a:xfrm>
+          <a:prstGeom prst="rect">
+            <a:avLst/>
+          </a:prstGeom>
+        </p:spPr>
+        <p:txBody>
+          <a:bodyPr wrap="square">
+            <a:spAutoFit/>
+          </a:bodyPr>
+          <a:lstStyle/>
+          <a:p>
+            <a:r>
+              <a:rPr lang="en-US" dirty="0" smtClean="0"/>
+              <a:t>Random </a:t>
+            </a:r>
+            <a:r>
+              <a:rPr lang="en-US" dirty="0"/>
+              <a:t>Forest Classifier (Source: freecodecamp.org)</a:t>
+            </a:r>
+          </a:p>
+        </p:txBody>
+      </p:sp>
+      <p:sp>
+        <p:nvSpPr>
+          <p:cNvPr id="14" name="Rectangle 13"/>
+          <p:cNvSpPr/>
+          <p:nvPr/>
+        </p:nvSpPr>
+        <p:spPr>
+          <a:xfrm>
+            <a:off x="5193109" y="5137296"/>
+            <a:ext cx="2921000" cy="646331"/>
+          </a:xfrm>
+          <a:prstGeom prst="rect">
+            <a:avLst/>
+          </a:prstGeom>
+        </p:spPr>
+        <p:txBody>
+          <a:bodyPr wrap="square">
+            <a:spAutoFit/>
+          </a:bodyPr>
+          <a:lstStyle/>
+          <a:p>
+            <a:r>
+              <a:rPr lang="en-US" dirty="0" smtClean="0"/>
+              <a:t>Random </a:t>
+            </a:r>
+            <a:r>
+              <a:rPr lang="en-US" dirty="0"/>
+              <a:t>Forest </a:t>
+            </a:r>
+            <a:r>
+              <a:rPr lang="en-US" dirty="0" err="1"/>
+              <a:t>Regressor</a:t>
+            </a:r>
+            <a:r>
+              <a:rPr lang="en-US" dirty="0"/>
+              <a:t> (Source: neptune.ai)</a:t>
+            </a:r>
+          </a:p>
+        </p:txBody>
+      </p:sp>
+    </p:spTree>
+  </p:cSld>
+  <p:clrMapOvr>
+    <a:masterClrMapping/>
+  </p:clrMapOvr>
+</p:sld>
+</file>
+
+<file path=ppt/slides/slide9.xml><?xml version="1.0" encoding="utf-8"?>
+<p:sld xmlns:a="http://schemas.openxmlformats.org/drawingml/2006/main" xmlns:r="http://schemas.openxmlformats.org/officeDocument/2006/relationships" xmlns:p="http://schemas.openxmlformats.org/presentationml/2006/main">
+  <p:cSld>
+    <p:spTree>
+      <p:nvGrpSpPr>
+        <p:cNvPr id="1" name=""/>
+        <p:cNvGrpSpPr/>
+        <p:nvPr/>
+      </p:nvGrpSpPr>
+      <p:grpSpPr>
+        <a:xfrm>
+          <a:off x="0" y="0"/>
+          <a:ext cx="0" cy="0"/>
+          <a:chOff x="0" y="0"/>
+          <a:chExt cx="0" cy="0"/>
+        </a:xfrm>
+      </p:grpSpPr>
+      <p:sp>
+        <p:nvSpPr>
+          <p:cNvPr id="2" name="Title 1"/>
+          <p:cNvSpPr>
+            <a:spLocks noGrp="1"/>
+          </p:cNvSpPr>
+          <p:nvPr>
+            <p:ph type="title"/>
+          </p:nvPr>
+        </p:nvSpPr>
+        <p:spPr/>
+        <p:txBody>
+          <a:bodyPr/>
+          <a:lstStyle/>
+          <a:p>
+            <a:r>
+              <a:rPr lang="en-US" b="1" dirty="0" smtClean="0">
+                <a:solidFill>
+                  <a:srgbClr val="FF0000"/>
+                </a:solidFill>
+                <a:latin typeface="Times New Roman" panose="02020603050405020304" pitchFamily="18" charset="0"/>
+                <a:cs typeface="Times New Roman" panose="02020603050405020304" pitchFamily="18" charset="0"/>
+              </a:rPr>
               <a:t>Training Results</a:t>
             </a:r>
             <a:endParaRPr lang="en-US" b="1" dirty="0">
@@ -3817,3411 +7598,6 @@
         <p14:creationId xmlns:p14="http://schemas.microsoft.com/office/powerpoint/2010/main" val="1213134584"/>
       </p:ext>
     </p:extLst>
-  </p:cSld>
-  <p:clrMapOvr>
-    <a:masterClrMapping/>
-  </p:clrMapOvr>
-</p:sld>
-</file>
-
-<file path=ppt/slides/slide11.xml><?xml version="1.0" encoding="utf-8"?>
-<p:sld xmlns:a="http://schemas.openxmlformats.org/drawingml/2006/main" xmlns:r="http://schemas.openxmlformats.org/officeDocument/2006/relationships" xmlns:p="http://schemas.openxmlformats.org/presentationml/2006/main">
-  <p:cSld>
-    <p:spTree>
-      <p:nvGrpSpPr>
-        <p:cNvPr id="1" name=""/>
-        <p:cNvGrpSpPr/>
-        <p:nvPr/>
-      </p:nvGrpSpPr>
-      <p:grpSpPr>
-        <a:xfrm>
-          <a:off x="0" y="0"/>
-          <a:ext cx="0" cy="0"/>
-          <a:chOff x="0" y="0"/>
-          <a:chExt cx="0" cy="0"/>
-        </a:xfrm>
-      </p:grpSpPr>
-      <p:sp>
-        <p:nvSpPr>
-          <p:cNvPr id="2" name="Title 1"/>
-          <p:cNvSpPr>
-            <a:spLocks noGrp="1"/>
-          </p:cNvSpPr>
-          <p:nvPr>
-            <p:ph type="title"/>
-          </p:nvPr>
-        </p:nvSpPr>
-        <p:spPr/>
-        <p:txBody>
-          <a:bodyPr/>
-          <a:lstStyle/>
-          <a:p>
-            <a:r>
-              <a:rPr lang="en-US" b="1" dirty="0" smtClean="0">
-                <a:solidFill>
-                  <a:srgbClr val="FF0000"/>
-                </a:solidFill>
-                <a:latin typeface="Times New Roman" panose="02020603050405020304" pitchFamily="18" charset="0"/>
-                <a:cs typeface="Times New Roman" panose="02020603050405020304" pitchFamily="18" charset="0"/>
-              </a:rPr>
-              <a:t>Testing Results</a:t>
-            </a:r>
-            <a:endParaRPr lang="en-US" b="1" dirty="0">
-              <a:solidFill>
-                <a:srgbClr val="FF0000"/>
-              </a:solidFill>
-              <a:latin typeface="Times New Roman" panose="02020603050405020304" pitchFamily="18" charset="0"/>
-              <a:cs typeface="Times New Roman" panose="02020603050405020304" pitchFamily="18" charset="0"/>
-            </a:endParaRPr>
-          </a:p>
-        </p:txBody>
-      </p:sp>
-      <p:graphicFrame>
-        <p:nvGraphicFramePr>
-          <p:cNvPr id="5" name="Table 4"/>
-          <p:cNvGraphicFramePr>
-            <a:graphicFrameLocks noGrp="1"/>
-          </p:cNvGraphicFramePr>
-          <p:nvPr>
-            <p:extLst>
-              <p:ext uri="{D42A27DB-BD31-4B8C-83A1-F6EECF244321}">
-                <p14:modId xmlns:p14="http://schemas.microsoft.com/office/powerpoint/2010/main" val="32372696"/>
-              </p:ext>
-            </p:extLst>
-          </p:nvPr>
-        </p:nvGraphicFramePr>
-        <p:xfrm>
-          <a:off x="1524000" y="1397000"/>
-          <a:ext cx="6096000" cy="1854200"/>
-        </p:xfrm>
-        <a:graphic>
-          <a:graphicData uri="http://schemas.openxmlformats.org/drawingml/2006/table">
-            <a:tbl>
-              <a:tblPr firstRow="1" bandRow="1">
-                <a:tableStyleId>{5C22544A-7EE6-4342-B048-85BDC9FD1C3A}</a:tableStyleId>
-              </a:tblPr>
-              <a:tblGrid>
-                <a:gridCol w="3048000">
-                  <a:extLst>
-                    <a:ext uri="{9D8B030D-6E8A-4147-A177-3AD203B41FA5}">
-                      <a16:colId xmlns:a16="http://schemas.microsoft.com/office/drawing/2014/main" val="1436581588"/>
-                    </a:ext>
-                  </a:extLst>
-                </a:gridCol>
-                <a:gridCol w="3048000">
-                  <a:extLst>
-                    <a:ext uri="{9D8B030D-6E8A-4147-A177-3AD203B41FA5}">
-                      <a16:colId xmlns:a16="http://schemas.microsoft.com/office/drawing/2014/main" val="2492399913"/>
-                    </a:ext>
-                  </a:extLst>
-                </a:gridCol>
-              </a:tblGrid>
-              <a:tr h="370840">
-                <a:tc>
-                  <a:txBody>
-                    <a:bodyPr/>
-                    <a:lstStyle/>
-                    <a:p>
-                      <a:pPr algn="l"/>
-                      <a:r>
-                        <a:rPr lang="en-US"/>
-                        <a:t>Metric</a:t>
-                      </a:r>
-                    </a:p>
-                  </a:txBody>
-                  <a:tcPr anchor="ctr"/>
-                </a:tc>
-                <a:tc>
-                  <a:txBody>
-                    <a:bodyPr/>
-                    <a:lstStyle/>
-                    <a:p>
-                      <a:pPr algn="ctr"/>
-                      <a:r>
-                        <a:rPr lang="en-US"/>
-                        <a:t>Value</a:t>
-                      </a:r>
-                    </a:p>
-                  </a:txBody>
-                  <a:tcPr anchor="ctr"/>
-                </a:tc>
-                <a:extLst>
-                  <a:ext uri="{0D108BD9-81ED-4DB2-BD59-A6C34878D82A}">
-                    <a16:rowId xmlns:a16="http://schemas.microsoft.com/office/drawing/2014/main" val="2630440480"/>
-                  </a:ext>
-                </a:extLst>
-              </a:tr>
-              <a:tr h="370840">
-                <a:tc>
-                  <a:txBody>
-                    <a:bodyPr/>
-                    <a:lstStyle/>
-                    <a:p>
-                      <a:pPr algn="l"/>
-                      <a:r>
-                        <a:rPr lang="en-US"/>
-                        <a:t>Accuracy</a:t>
-                      </a:r>
-                    </a:p>
-                  </a:txBody>
-                  <a:tcPr anchor="ctr"/>
-                </a:tc>
-                <a:tc>
-                  <a:txBody>
-                    <a:bodyPr/>
-                    <a:lstStyle/>
-                    <a:p>
-                      <a:pPr algn="ctr"/>
-                      <a:r>
-                        <a:rPr lang="en-US"/>
-                        <a:t>100%</a:t>
-                      </a:r>
-                    </a:p>
-                  </a:txBody>
-                  <a:tcPr anchor="ctr"/>
-                </a:tc>
-                <a:extLst>
-                  <a:ext uri="{0D108BD9-81ED-4DB2-BD59-A6C34878D82A}">
-                    <a16:rowId xmlns:a16="http://schemas.microsoft.com/office/drawing/2014/main" val="4031935675"/>
-                  </a:ext>
-                </a:extLst>
-              </a:tr>
-              <a:tr h="370840">
-                <a:tc>
-                  <a:txBody>
-                    <a:bodyPr/>
-                    <a:lstStyle/>
-                    <a:p>
-                      <a:pPr algn="l"/>
-                      <a:r>
-                        <a:rPr lang="en-US"/>
-                        <a:t>Avg. Start Error</a:t>
-                      </a:r>
-                    </a:p>
-                  </a:txBody>
-                  <a:tcPr anchor="ctr"/>
-                </a:tc>
-                <a:tc>
-                  <a:txBody>
-                    <a:bodyPr/>
-                    <a:lstStyle/>
-                    <a:p>
-                      <a:pPr algn="ctr"/>
-                      <a:r>
-                        <a:rPr lang="en-US" baseline="0" dirty="0" smtClean="0"/>
-                        <a:t>800.37 </a:t>
-                      </a:r>
-                      <a:r>
-                        <a:rPr lang="en-US" dirty="0" smtClean="0"/>
-                        <a:t>seconds</a:t>
-                      </a:r>
-                      <a:endParaRPr lang="en-US" dirty="0"/>
-                    </a:p>
-                  </a:txBody>
-                  <a:tcPr anchor="ctr"/>
-                </a:tc>
-                <a:extLst>
-                  <a:ext uri="{0D108BD9-81ED-4DB2-BD59-A6C34878D82A}">
-                    <a16:rowId xmlns:a16="http://schemas.microsoft.com/office/drawing/2014/main" val="917544979"/>
-                  </a:ext>
-                </a:extLst>
-              </a:tr>
-              <a:tr h="370840">
-                <a:tc>
-                  <a:txBody>
-                    <a:bodyPr/>
-                    <a:lstStyle/>
-                    <a:p>
-                      <a:pPr algn="l"/>
-                      <a:r>
-                        <a:rPr lang="en-US"/>
-                        <a:t>Avg. End Error</a:t>
-                      </a:r>
-                    </a:p>
-                  </a:txBody>
-                  <a:tcPr anchor="ctr"/>
-                </a:tc>
-                <a:tc>
-                  <a:txBody>
-                    <a:bodyPr/>
-                    <a:lstStyle/>
-                    <a:p>
-                      <a:pPr algn="ctr"/>
-                      <a:r>
-                        <a:rPr lang="en-US" dirty="0" smtClean="0"/>
-                        <a:t>798.4 seconds</a:t>
-                      </a:r>
-                      <a:endParaRPr lang="en-US" dirty="0"/>
-                    </a:p>
-                  </a:txBody>
-                  <a:tcPr anchor="ctr"/>
-                </a:tc>
-                <a:extLst>
-                  <a:ext uri="{0D108BD9-81ED-4DB2-BD59-A6C34878D82A}">
-                    <a16:rowId xmlns:a16="http://schemas.microsoft.com/office/drawing/2014/main" val="3270341027"/>
-                  </a:ext>
-                </a:extLst>
-              </a:tr>
-              <a:tr h="370840">
-                <a:tc>
-                  <a:txBody>
-                    <a:bodyPr/>
-                    <a:lstStyle/>
-                    <a:p>
-                      <a:pPr algn="l"/>
-                      <a:r>
-                        <a:rPr lang="en-US"/>
-                        <a:t>Max Deviation</a:t>
-                      </a:r>
-                    </a:p>
-                  </a:txBody>
-                  <a:tcPr anchor="ctr"/>
-                </a:tc>
-                <a:tc>
-                  <a:txBody>
-                    <a:bodyPr/>
-                    <a:lstStyle/>
-                    <a:p>
-                      <a:pPr algn="ctr"/>
-                      <a:r>
-                        <a:rPr lang="en-US" dirty="0" smtClean="0"/>
-                        <a:t>1335.2 seconds</a:t>
-                      </a:r>
-                      <a:endParaRPr lang="en-US" dirty="0"/>
-                    </a:p>
-                  </a:txBody>
-                  <a:tcPr anchor="ctr"/>
-                </a:tc>
-                <a:extLst>
-                  <a:ext uri="{0D108BD9-81ED-4DB2-BD59-A6C34878D82A}">
-                    <a16:rowId xmlns:a16="http://schemas.microsoft.com/office/drawing/2014/main" val="3980561765"/>
-                  </a:ext>
-                </a:extLst>
-              </a:tr>
-            </a:tbl>
-          </a:graphicData>
-        </a:graphic>
-      </p:graphicFrame>
-      <p:sp>
-        <p:nvSpPr>
-          <p:cNvPr id="8" name="Rectangle 7"/>
-          <p:cNvSpPr/>
-          <p:nvPr/>
-        </p:nvSpPr>
-        <p:spPr>
-          <a:xfrm>
-            <a:off x="1339850" y="6015997"/>
-            <a:ext cx="6464300" cy="369332"/>
-          </a:xfrm>
-          <a:prstGeom prst="rect">
-            <a:avLst/>
-          </a:prstGeom>
-        </p:spPr>
-        <p:txBody>
-          <a:bodyPr wrap="square">
-            <a:spAutoFit/>
-          </a:bodyPr>
-          <a:lstStyle/>
-          <a:p>
-            <a:r>
-              <a:rPr lang="en-US" dirty="0"/>
-              <a:t>Graphs showing seizure detection </a:t>
-            </a:r>
-            <a:r>
-              <a:rPr lang="en-US" dirty="0" smtClean="0"/>
-              <a:t>visualization for Testing data</a:t>
-            </a:r>
-            <a:endParaRPr lang="en-US" dirty="0"/>
-          </a:p>
-        </p:txBody>
-      </p:sp>
-      <p:pic>
-        <p:nvPicPr>
-          <p:cNvPr id="3" name="Picture 2"/>
-          <p:cNvPicPr>
-            <a:picLocks noChangeAspect="1"/>
-          </p:cNvPicPr>
-          <p:nvPr/>
-        </p:nvPicPr>
-        <p:blipFill>
-          <a:blip r:embed="rId2"/>
-          <a:stretch>
-            <a:fillRect/>
-          </a:stretch>
-        </p:blipFill>
-        <p:spPr>
-          <a:xfrm>
-            <a:off x="457200" y="3806030"/>
-            <a:ext cx="4036185" cy="1870869"/>
-          </a:xfrm>
-          <a:prstGeom prst="rect">
-            <a:avLst/>
-          </a:prstGeom>
-        </p:spPr>
-      </p:pic>
-      <p:pic>
-        <p:nvPicPr>
-          <p:cNvPr id="4" name="Picture 3"/>
-          <p:cNvPicPr>
-            <a:picLocks noChangeAspect="1"/>
-          </p:cNvPicPr>
-          <p:nvPr/>
-        </p:nvPicPr>
-        <p:blipFill>
-          <a:blip r:embed="rId3"/>
-          <a:stretch>
-            <a:fillRect/>
-          </a:stretch>
-        </p:blipFill>
-        <p:spPr>
-          <a:xfrm>
-            <a:off x="4572000" y="3806030"/>
-            <a:ext cx="4152900" cy="1882586"/>
-          </a:xfrm>
-          <a:prstGeom prst="rect">
-            <a:avLst/>
-          </a:prstGeom>
-        </p:spPr>
-      </p:pic>
-    </p:spTree>
-    <p:extLst>
-      <p:ext uri="{BB962C8B-B14F-4D97-AF65-F5344CB8AC3E}">
-        <p14:creationId xmlns:p14="http://schemas.microsoft.com/office/powerpoint/2010/main" val="281504067"/>
-      </p:ext>
-    </p:extLst>
-  </p:cSld>
-  <p:clrMapOvr>
-    <a:masterClrMapping/>
-  </p:clrMapOvr>
-</p:sld>
-</file>
-
-<file path=ppt/slides/slide12.xml><?xml version="1.0" encoding="utf-8"?>
-<p:sld xmlns:a="http://schemas.openxmlformats.org/drawingml/2006/main" xmlns:r="http://schemas.openxmlformats.org/officeDocument/2006/relationships" xmlns:p="http://schemas.openxmlformats.org/presentationml/2006/main">
-  <p:cSld>
-    <p:spTree>
-      <p:nvGrpSpPr>
-        <p:cNvPr id="1" name=""/>
-        <p:cNvGrpSpPr/>
-        <p:nvPr/>
-      </p:nvGrpSpPr>
-      <p:grpSpPr>
-        <a:xfrm>
-          <a:off x="0" y="0"/>
-          <a:ext cx="0" cy="0"/>
-          <a:chOff x="0" y="0"/>
-          <a:chExt cx="0" cy="0"/>
-        </a:xfrm>
-      </p:grpSpPr>
-      <p:sp>
-        <p:nvSpPr>
-          <p:cNvPr id="2" name="Title 1"/>
-          <p:cNvSpPr>
-            <a:spLocks noGrp="1"/>
-          </p:cNvSpPr>
-          <p:nvPr>
-            <p:ph type="title"/>
-          </p:nvPr>
-        </p:nvSpPr>
-        <p:spPr/>
-        <p:txBody>
-          <a:bodyPr>
-            <a:noAutofit/>
-          </a:bodyPr>
-          <a:lstStyle/>
-          <a:p>
-            <a:r>
-              <a:rPr lang="en-US" b="1" dirty="0">
-                <a:solidFill>
-                  <a:srgbClr val="FF0000"/>
-                </a:solidFill>
-                <a:latin typeface="Times New Roman" panose="02020603050405020304" pitchFamily="18" charset="0"/>
-                <a:cs typeface="Times New Roman" panose="02020603050405020304" pitchFamily="18" charset="0"/>
-              </a:rPr>
-              <a:t>User Input Data and Seizure Labeling Process</a:t>
-            </a:r>
-          </a:p>
-        </p:txBody>
-      </p:sp>
-      <p:sp>
-        <p:nvSpPr>
-          <p:cNvPr id="3" name="Rectangle 2"/>
-          <p:cNvSpPr/>
-          <p:nvPr/>
-        </p:nvSpPr>
-        <p:spPr>
-          <a:xfrm>
-            <a:off x="457200" y="1577539"/>
-            <a:ext cx="8229600" cy="2246769"/>
-          </a:xfrm>
-          <a:prstGeom prst="rect">
-            <a:avLst/>
-          </a:prstGeom>
-        </p:spPr>
-        <p:txBody>
-          <a:bodyPr wrap="square">
-            <a:spAutoFit/>
-          </a:bodyPr>
-          <a:lstStyle/>
-          <a:p>
-            <a:pPr marL="342900" indent="-342900" algn="just">
-              <a:buFont typeface="Arial" panose="020B0604020202020204" pitchFamily="34" charset="0"/>
-              <a:buChar char="•"/>
-            </a:pPr>
-            <a:r>
-              <a:rPr lang="en-US" sz="2000" dirty="0">
-                <a:latin typeface="Times New Roman" panose="02020603050405020304" pitchFamily="18" charset="0"/>
-                <a:cs typeface="Times New Roman" panose="02020603050405020304" pitchFamily="18" charset="0"/>
-              </a:rPr>
-              <a:t>A custom user-input module was developed to analyze new EEG files</a:t>
-            </a:r>
-            <a:r>
-              <a:rPr lang="en-US" sz="2000" dirty="0" smtClean="0">
-                <a:latin typeface="Times New Roman" panose="02020603050405020304" pitchFamily="18" charset="0"/>
-                <a:cs typeface="Times New Roman" panose="02020603050405020304" pitchFamily="18" charset="0"/>
-              </a:rPr>
-              <a:t>.</a:t>
-            </a:r>
-          </a:p>
-          <a:p>
-            <a:pPr marL="342900" indent="-342900" algn="just">
-              <a:buFont typeface="Arial" panose="020B0604020202020204" pitchFamily="34" charset="0"/>
-              <a:buChar char="•"/>
-            </a:pPr>
-            <a:r>
-              <a:rPr lang="en-US" sz="2000" dirty="0" smtClean="0">
-                <a:latin typeface="Times New Roman" panose="02020603050405020304" pitchFamily="18" charset="0"/>
-                <a:cs typeface="Times New Roman" panose="02020603050405020304" pitchFamily="18" charset="0"/>
-              </a:rPr>
-              <a:t>The </a:t>
-            </a:r>
-            <a:r>
-              <a:rPr lang="en-US" sz="2000" dirty="0">
-                <a:latin typeface="Times New Roman" panose="02020603050405020304" pitchFamily="18" charset="0"/>
-                <a:cs typeface="Times New Roman" panose="02020603050405020304" pitchFamily="18" charset="0"/>
-              </a:rPr>
-              <a:t>system checks if the file contains seizure events using a dictionary-based labeling method</a:t>
-            </a:r>
-            <a:r>
-              <a:rPr lang="en-US" sz="2000" dirty="0" smtClean="0">
-                <a:latin typeface="Times New Roman" panose="02020603050405020304" pitchFamily="18" charset="0"/>
-                <a:cs typeface="Times New Roman" panose="02020603050405020304" pitchFamily="18" charset="0"/>
-              </a:rPr>
-              <a:t>.</a:t>
-            </a:r>
-          </a:p>
-          <a:p>
-            <a:pPr marL="342900" indent="-342900" algn="just">
-              <a:buFont typeface="Arial" panose="020B0604020202020204" pitchFamily="34" charset="0"/>
-              <a:buChar char="•"/>
-            </a:pPr>
-            <a:r>
-              <a:rPr lang="en-US" sz="2000" dirty="0" smtClean="0">
-                <a:latin typeface="Times New Roman" panose="02020603050405020304" pitchFamily="18" charset="0"/>
-                <a:cs typeface="Times New Roman" panose="02020603050405020304" pitchFamily="18" charset="0"/>
-              </a:rPr>
-              <a:t>For </a:t>
-            </a:r>
-            <a:r>
-              <a:rPr lang="en-US" sz="2000" dirty="0">
-                <a:latin typeface="Times New Roman" panose="02020603050405020304" pitchFamily="18" charset="0"/>
-                <a:cs typeface="Times New Roman" panose="02020603050405020304" pitchFamily="18" charset="0"/>
-              </a:rPr>
-              <a:t>seizure-positive files, seizure start and end times are extracted</a:t>
-            </a:r>
-            <a:r>
-              <a:rPr lang="en-US" sz="2000" dirty="0" smtClean="0">
-                <a:latin typeface="Times New Roman" panose="02020603050405020304" pitchFamily="18" charset="0"/>
-                <a:cs typeface="Times New Roman" panose="02020603050405020304" pitchFamily="18" charset="0"/>
-              </a:rPr>
-              <a:t>.</a:t>
-            </a:r>
-          </a:p>
-          <a:p>
-            <a:pPr marL="342900" indent="-342900" algn="just">
-              <a:buFont typeface="Arial" panose="020B0604020202020204" pitchFamily="34" charset="0"/>
-              <a:buChar char="•"/>
-            </a:pPr>
-            <a:r>
-              <a:rPr lang="en-US" sz="2000" dirty="0" smtClean="0">
-                <a:latin typeface="Times New Roman" panose="02020603050405020304" pitchFamily="18" charset="0"/>
-                <a:cs typeface="Times New Roman" panose="02020603050405020304" pitchFamily="18" charset="0"/>
-              </a:rPr>
-              <a:t>Non-seizure </a:t>
-            </a:r>
-            <a:r>
-              <a:rPr lang="en-US" sz="2000" dirty="0">
-                <a:latin typeface="Times New Roman" panose="02020603050405020304" pitchFamily="18" charset="0"/>
-                <a:cs typeface="Times New Roman" panose="02020603050405020304" pitchFamily="18" charset="0"/>
-              </a:rPr>
-              <a:t>files are automatically labeled as “0” (no seizure</a:t>
-            </a:r>
-            <a:r>
-              <a:rPr lang="en-US" sz="2000" dirty="0" smtClean="0">
-                <a:latin typeface="Times New Roman" panose="02020603050405020304" pitchFamily="18" charset="0"/>
-                <a:cs typeface="Times New Roman" panose="02020603050405020304" pitchFamily="18" charset="0"/>
-              </a:rPr>
-              <a:t>).</a:t>
-            </a:r>
-          </a:p>
-          <a:p>
-            <a:pPr marL="342900" indent="-342900" algn="just">
-              <a:buFont typeface="Arial" panose="020B0604020202020204" pitchFamily="34" charset="0"/>
-              <a:buChar char="•"/>
-            </a:pPr>
-            <a:r>
-              <a:rPr lang="en-US" sz="2000" dirty="0" smtClean="0">
-                <a:latin typeface="Times New Roman" panose="02020603050405020304" pitchFamily="18" charset="0"/>
-                <a:cs typeface="Times New Roman" panose="02020603050405020304" pitchFamily="18" charset="0"/>
-              </a:rPr>
-              <a:t>Output </a:t>
-            </a:r>
-            <a:r>
-              <a:rPr lang="en-US" sz="2000" dirty="0">
-                <a:latin typeface="Times New Roman" panose="02020603050405020304" pitchFamily="18" charset="0"/>
-                <a:cs typeface="Times New Roman" panose="02020603050405020304" pitchFamily="18" charset="0"/>
-              </a:rPr>
-              <a:t>data is then passed to the Random Forest Classifier and </a:t>
-            </a:r>
-            <a:r>
-              <a:rPr lang="en-US" sz="2000" dirty="0" err="1">
-                <a:latin typeface="Times New Roman" panose="02020603050405020304" pitchFamily="18" charset="0"/>
-                <a:cs typeface="Times New Roman" panose="02020603050405020304" pitchFamily="18" charset="0"/>
-              </a:rPr>
-              <a:t>Regressor</a:t>
-            </a:r>
-            <a:r>
-              <a:rPr lang="en-US" sz="2000" dirty="0">
-                <a:latin typeface="Times New Roman" panose="02020603050405020304" pitchFamily="18" charset="0"/>
-                <a:cs typeface="Times New Roman" panose="02020603050405020304" pitchFamily="18" charset="0"/>
-              </a:rPr>
-              <a:t> for detection and timing prediction.</a:t>
-            </a:r>
-          </a:p>
-        </p:txBody>
-      </p:sp>
-      <p:pic>
-        <p:nvPicPr>
-          <p:cNvPr id="4" name="Picture 3"/>
-          <p:cNvPicPr>
-            <a:picLocks noChangeAspect="1"/>
-          </p:cNvPicPr>
-          <p:nvPr/>
-        </p:nvPicPr>
-        <p:blipFill>
-          <a:blip r:embed="rId2"/>
-          <a:stretch>
-            <a:fillRect/>
-          </a:stretch>
-        </p:blipFill>
-        <p:spPr>
-          <a:xfrm>
-            <a:off x="457200" y="3984209"/>
-            <a:ext cx="4219769" cy="1601348"/>
-          </a:xfrm>
-          <a:prstGeom prst="rect">
-            <a:avLst/>
-          </a:prstGeom>
-        </p:spPr>
-      </p:pic>
-      <p:sp>
-        <p:nvSpPr>
-          <p:cNvPr id="5" name="Rectangle 4"/>
-          <p:cNvSpPr/>
-          <p:nvPr/>
-        </p:nvSpPr>
-        <p:spPr>
-          <a:xfrm>
-            <a:off x="636684" y="5608514"/>
-            <a:ext cx="3860800" cy="430887"/>
-          </a:xfrm>
-          <a:prstGeom prst="rect">
-            <a:avLst/>
-          </a:prstGeom>
-        </p:spPr>
-        <p:txBody>
-          <a:bodyPr wrap="square">
-            <a:spAutoFit/>
-          </a:bodyPr>
-          <a:lstStyle/>
-          <a:p>
-            <a:r>
-              <a:rPr lang="en-US" sz="1100" dirty="0">
-                <a:latin typeface="Times New Roman" panose="02020603050405020304" pitchFamily="18" charset="0"/>
-                <a:cs typeface="Times New Roman" panose="02020603050405020304" pitchFamily="18" charset="0"/>
-              </a:rPr>
-              <a:t>Testing signal plots showing actual seizure durations of a user input file</a:t>
-            </a:r>
-          </a:p>
-        </p:txBody>
-      </p:sp>
-      <p:pic>
-        <p:nvPicPr>
-          <p:cNvPr id="6" name="Picture 5"/>
-          <p:cNvPicPr>
-            <a:picLocks noChangeAspect="1"/>
-          </p:cNvPicPr>
-          <p:nvPr/>
-        </p:nvPicPr>
-        <p:blipFill>
-          <a:blip r:embed="rId3"/>
-          <a:stretch>
-            <a:fillRect/>
-          </a:stretch>
-        </p:blipFill>
-        <p:spPr>
-          <a:xfrm>
-            <a:off x="5080000" y="3824307"/>
-            <a:ext cx="3606800" cy="1697971"/>
-          </a:xfrm>
-          <a:prstGeom prst="rect">
-            <a:avLst/>
-          </a:prstGeom>
-        </p:spPr>
-      </p:pic>
-      <p:sp>
-        <p:nvSpPr>
-          <p:cNvPr id="7" name="Rectangle 6"/>
-          <p:cNvSpPr/>
-          <p:nvPr/>
-        </p:nvSpPr>
-        <p:spPr>
-          <a:xfrm>
-            <a:off x="4597400" y="5585557"/>
-            <a:ext cx="4089400" cy="430887"/>
-          </a:xfrm>
-          <a:prstGeom prst="rect">
-            <a:avLst/>
-          </a:prstGeom>
-        </p:spPr>
-        <p:txBody>
-          <a:bodyPr wrap="square">
-            <a:spAutoFit/>
-          </a:bodyPr>
-          <a:lstStyle/>
-          <a:p>
-            <a:r>
-              <a:rPr lang="en-US" sz="1100" dirty="0">
-                <a:latin typeface="Times New Roman" panose="02020603050405020304" pitchFamily="18" charset="0"/>
-                <a:cs typeface="Times New Roman" panose="02020603050405020304" pitchFamily="18" charset="0"/>
-              </a:rPr>
-              <a:t>Testing signal plots showing predicted seizure durations of a user input file</a:t>
-            </a:r>
-          </a:p>
-        </p:txBody>
-      </p:sp>
-    </p:spTree>
-    <p:extLst>
-      <p:ext uri="{BB962C8B-B14F-4D97-AF65-F5344CB8AC3E}">
-        <p14:creationId xmlns:p14="http://schemas.microsoft.com/office/powerpoint/2010/main" val="3424054015"/>
-      </p:ext>
-    </p:extLst>
-  </p:cSld>
-  <p:clrMapOvr>
-    <a:masterClrMapping/>
-  </p:clrMapOvr>
-</p:sld>
-</file>
-
-<file path=ppt/slides/slide13.xml><?xml version="1.0" encoding="utf-8"?>
-<p:sld xmlns:a="http://schemas.openxmlformats.org/drawingml/2006/main" xmlns:r="http://schemas.openxmlformats.org/officeDocument/2006/relationships" xmlns:p="http://schemas.openxmlformats.org/presentationml/2006/main">
-  <p:cSld>
-    <p:spTree>
-      <p:nvGrpSpPr>
-        <p:cNvPr id="1" name=""/>
-        <p:cNvGrpSpPr/>
-        <p:nvPr/>
-      </p:nvGrpSpPr>
-      <p:grpSpPr>
-        <a:xfrm>
-          <a:off x="0" y="0"/>
-          <a:ext cx="0" cy="0"/>
-          <a:chOff x="0" y="0"/>
-          <a:chExt cx="0" cy="0"/>
-        </a:xfrm>
-      </p:grpSpPr>
-      <p:sp>
-        <p:nvSpPr>
-          <p:cNvPr id="2" name="Title 1"/>
-          <p:cNvSpPr>
-            <a:spLocks noGrp="1"/>
-          </p:cNvSpPr>
-          <p:nvPr>
-            <p:ph type="title"/>
-          </p:nvPr>
-        </p:nvSpPr>
-        <p:spPr/>
-        <p:txBody>
-          <a:bodyPr/>
-          <a:lstStyle/>
-          <a:p>
-            <a:r>
-              <a:rPr lang="en-US" b="1" dirty="0">
-                <a:solidFill>
-                  <a:srgbClr val="FF0000"/>
-                </a:solidFill>
-                <a:latin typeface="Times New Roman" panose="02020603050405020304" pitchFamily="18" charset="0"/>
-                <a:cs typeface="Times New Roman" panose="02020603050405020304" pitchFamily="18" charset="0"/>
-              </a:rPr>
-              <a:t>Limitations and Future Work</a:t>
-            </a:r>
-          </a:p>
-        </p:txBody>
-      </p:sp>
-      <p:sp>
-        <p:nvSpPr>
-          <p:cNvPr id="3" name="Rectangle 2"/>
-          <p:cNvSpPr/>
-          <p:nvPr/>
-        </p:nvSpPr>
-        <p:spPr>
-          <a:xfrm>
-            <a:off x="914400" y="1574800"/>
-            <a:ext cx="3848100" cy="2554545"/>
-          </a:xfrm>
-          <a:prstGeom prst="rect">
-            <a:avLst/>
-          </a:prstGeom>
-        </p:spPr>
-        <p:txBody>
-          <a:bodyPr wrap="square">
-            <a:spAutoFit/>
-          </a:bodyPr>
-          <a:lstStyle/>
-          <a:p>
-            <a:pPr>
-              <a:lnSpc>
-                <a:spcPct val="200000"/>
-              </a:lnSpc>
-            </a:pPr>
-            <a:r>
-              <a:rPr lang="en-US" sz="2000" b="1" dirty="0">
-                <a:latin typeface="Times New Roman" panose="02020603050405020304" pitchFamily="18" charset="0"/>
-                <a:cs typeface="Times New Roman" panose="02020603050405020304" pitchFamily="18" charset="0"/>
-              </a:rPr>
-              <a:t>Limitations</a:t>
-            </a:r>
-            <a:r>
-              <a:rPr lang="en-US" sz="2000" dirty="0" smtClean="0">
-                <a:latin typeface="Times New Roman" panose="02020603050405020304" pitchFamily="18" charset="0"/>
-                <a:cs typeface="Times New Roman" panose="02020603050405020304" pitchFamily="18" charset="0"/>
-              </a:rPr>
-              <a:t>:</a:t>
-            </a:r>
-          </a:p>
-          <a:p>
-            <a:pPr marL="285750" indent="-285750">
-              <a:lnSpc>
-                <a:spcPct val="200000"/>
-              </a:lnSpc>
-              <a:buFont typeface="Arial" panose="020B0604020202020204" pitchFamily="34" charset="0"/>
-              <a:buChar char="•"/>
-            </a:pPr>
-            <a:r>
-              <a:rPr lang="en-US" sz="2000" dirty="0" smtClean="0">
-                <a:latin typeface="Times New Roman" panose="02020603050405020304" pitchFamily="18" charset="0"/>
-                <a:cs typeface="Times New Roman" panose="02020603050405020304" pitchFamily="18" charset="0"/>
-              </a:rPr>
-              <a:t>Small </a:t>
-            </a:r>
-            <a:r>
-              <a:rPr lang="en-US" sz="2000" dirty="0">
-                <a:latin typeface="Times New Roman" panose="02020603050405020304" pitchFamily="18" charset="0"/>
-                <a:cs typeface="Times New Roman" panose="02020603050405020304" pitchFamily="18" charset="0"/>
-              </a:rPr>
-              <a:t>dataset (3 patients only</a:t>
-            </a:r>
-            <a:r>
-              <a:rPr lang="en-US" sz="2000" dirty="0" smtClean="0">
-                <a:latin typeface="Times New Roman" panose="02020603050405020304" pitchFamily="18" charset="0"/>
-                <a:cs typeface="Times New Roman" panose="02020603050405020304" pitchFamily="18" charset="0"/>
-              </a:rPr>
-              <a:t>)</a:t>
-            </a:r>
-          </a:p>
-          <a:p>
-            <a:pPr marL="285750" indent="-285750">
-              <a:lnSpc>
-                <a:spcPct val="200000"/>
-              </a:lnSpc>
-              <a:buFont typeface="Arial" panose="020B0604020202020204" pitchFamily="34" charset="0"/>
-              <a:buChar char="•"/>
-            </a:pPr>
-            <a:r>
-              <a:rPr lang="en-US" sz="2000" dirty="0" smtClean="0">
-                <a:latin typeface="Times New Roman" panose="02020603050405020304" pitchFamily="18" charset="0"/>
-                <a:cs typeface="Times New Roman" panose="02020603050405020304" pitchFamily="18" charset="0"/>
-              </a:rPr>
-              <a:t>Timing </a:t>
-            </a:r>
-            <a:r>
-              <a:rPr lang="en-US" sz="2000" dirty="0">
-                <a:latin typeface="Times New Roman" panose="02020603050405020304" pitchFamily="18" charset="0"/>
-                <a:cs typeface="Times New Roman" panose="02020603050405020304" pitchFamily="18" charset="0"/>
-              </a:rPr>
-              <a:t>offsets of 5–10 </a:t>
-            </a:r>
-            <a:r>
-              <a:rPr lang="en-US" sz="2000" dirty="0" smtClean="0">
-                <a:latin typeface="Times New Roman" panose="02020603050405020304" pitchFamily="18" charset="0"/>
-                <a:cs typeface="Times New Roman" panose="02020603050405020304" pitchFamily="18" charset="0"/>
-              </a:rPr>
-              <a:t>min</a:t>
-            </a:r>
-          </a:p>
-          <a:p>
-            <a:pPr marL="285750" indent="-285750">
-              <a:lnSpc>
-                <a:spcPct val="200000"/>
-              </a:lnSpc>
-              <a:buFont typeface="Arial" panose="020B0604020202020204" pitchFamily="34" charset="0"/>
-              <a:buChar char="•"/>
-            </a:pPr>
-            <a:r>
-              <a:rPr lang="en-US" sz="2000" dirty="0" smtClean="0">
-                <a:latin typeface="Times New Roman" panose="02020603050405020304" pitchFamily="18" charset="0"/>
-                <a:cs typeface="Times New Roman" panose="02020603050405020304" pitchFamily="18" charset="0"/>
-              </a:rPr>
-              <a:t>Detects </a:t>
-            </a:r>
-            <a:r>
-              <a:rPr lang="en-US" sz="2000" dirty="0">
-                <a:latin typeface="Times New Roman" panose="02020603050405020304" pitchFamily="18" charset="0"/>
-                <a:cs typeface="Times New Roman" panose="02020603050405020304" pitchFamily="18" charset="0"/>
-              </a:rPr>
-              <a:t>only one seizure per file</a:t>
-            </a:r>
-          </a:p>
-        </p:txBody>
-      </p:sp>
-      <p:sp>
-        <p:nvSpPr>
-          <p:cNvPr id="5" name="Rectangle 4"/>
-          <p:cNvSpPr/>
-          <p:nvPr/>
-        </p:nvSpPr>
-        <p:spPr>
-          <a:xfrm>
-            <a:off x="4762500" y="1574800"/>
-            <a:ext cx="4572000" cy="3170099"/>
-          </a:xfrm>
-          <a:prstGeom prst="rect">
-            <a:avLst/>
-          </a:prstGeom>
-        </p:spPr>
-        <p:txBody>
-          <a:bodyPr>
-            <a:spAutoFit/>
-          </a:bodyPr>
-          <a:lstStyle/>
-          <a:p>
-            <a:pPr>
-              <a:lnSpc>
-                <a:spcPct val="200000"/>
-              </a:lnSpc>
-            </a:pPr>
-            <a:r>
-              <a:rPr lang="en-US" sz="2000" b="1" dirty="0">
-                <a:latin typeface="Times New Roman" panose="02020603050405020304" pitchFamily="18" charset="0"/>
-                <a:cs typeface="Times New Roman" panose="02020603050405020304" pitchFamily="18" charset="0"/>
-              </a:rPr>
-              <a:t>Future Work</a:t>
-            </a:r>
-            <a:r>
-              <a:rPr lang="en-US" sz="2000" b="1" dirty="0" smtClean="0">
-                <a:latin typeface="Times New Roman" panose="02020603050405020304" pitchFamily="18" charset="0"/>
-                <a:cs typeface="Times New Roman" panose="02020603050405020304" pitchFamily="18" charset="0"/>
-              </a:rPr>
-              <a:t>:</a:t>
-            </a:r>
-          </a:p>
-          <a:p>
-            <a:pPr marL="342900" indent="-342900">
-              <a:lnSpc>
-                <a:spcPct val="200000"/>
-              </a:lnSpc>
-              <a:buFont typeface="Arial" panose="020B0604020202020204" pitchFamily="34" charset="0"/>
-              <a:buChar char="•"/>
-            </a:pPr>
-            <a:r>
-              <a:rPr lang="en-US" sz="2000" dirty="0" smtClean="0">
-                <a:latin typeface="Times New Roman" panose="02020603050405020304" pitchFamily="18" charset="0"/>
-                <a:cs typeface="Times New Roman" panose="02020603050405020304" pitchFamily="18" charset="0"/>
-              </a:rPr>
-              <a:t>Include 5 files from all 24 patients</a:t>
-            </a:r>
-            <a:endParaRPr lang="en-US" sz="2000" dirty="0">
-              <a:latin typeface="Times New Roman" panose="02020603050405020304" pitchFamily="18" charset="0"/>
-              <a:cs typeface="Times New Roman" panose="02020603050405020304" pitchFamily="18" charset="0"/>
-            </a:endParaRPr>
-          </a:p>
-          <a:p>
-            <a:pPr marL="342900" indent="-342900">
-              <a:lnSpc>
-                <a:spcPct val="200000"/>
-              </a:lnSpc>
-              <a:buFont typeface="Arial" panose="020B0604020202020204" pitchFamily="34" charset="0"/>
-              <a:buChar char="•"/>
-            </a:pPr>
-            <a:r>
-              <a:rPr lang="en-US" sz="2000" dirty="0" smtClean="0">
-                <a:latin typeface="Times New Roman" panose="02020603050405020304" pitchFamily="18" charset="0"/>
-                <a:cs typeface="Times New Roman" panose="02020603050405020304" pitchFamily="18" charset="0"/>
-              </a:rPr>
-              <a:t>Use </a:t>
-            </a:r>
-            <a:r>
-              <a:rPr lang="en-US" sz="2000" dirty="0">
-                <a:latin typeface="Times New Roman" panose="02020603050405020304" pitchFamily="18" charset="0"/>
-                <a:cs typeface="Times New Roman" panose="02020603050405020304" pitchFamily="18" charset="0"/>
-              </a:rPr>
-              <a:t>5–10 sec </a:t>
-            </a:r>
-            <a:r>
-              <a:rPr lang="en-US" sz="2000" dirty="0" smtClean="0">
-                <a:latin typeface="Times New Roman" panose="02020603050405020304" pitchFamily="18" charset="0"/>
-                <a:cs typeface="Times New Roman" panose="02020603050405020304" pitchFamily="18" charset="0"/>
-              </a:rPr>
-              <a:t>epochs</a:t>
-            </a:r>
-          </a:p>
-          <a:p>
-            <a:pPr marL="342900" indent="-342900">
-              <a:lnSpc>
-                <a:spcPct val="200000"/>
-              </a:lnSpc>
-              <a:buFont typeface="Arial" panose="020B0604020202020204" pitchFamily="34" charset="0"/>
-              <a:buChar char="•"/>
-            </a:pPr>
-            <a:r>
-              <a:rPr lang="en-US" sz="2000" dirty="0" smtClean="0">
-                <a:latin typeface="Times New Roman" panose="02020603050405020304" pitchFamily="18" charset="0"/>
-                <a:cs typeface="Times New Roman" panose="02020603050405020304" pitchFamily="18" charset="0"/>
-              </a:rPr>
-              <a:t>Detect </a:t>
-            </a:r>
-            <a:r>
-              <a:rPr lang="en-US" sz="2000" dirty="0">
-                <a:latin typeface="Times New Roman" panose="02020603050405020304" pitchFamily="18" charset="0"/>
-                <a:cs typeface="Times New Roman" panose="02020603050405020304" pitchFamily="18" charset="0"/>
-              </a:rPr>
-              <a:t>multiple </a:t>
-            </a:r>
-            <a:r>
-              <a:rPr lang="en-US" sz="2000" dirty="0" smtClean="0">
-                <a:latin typeface="Times New Roman" panose="02020603050405020304" pitchFamily="18" charset="0"/>
-                <a:cs typeface="Times New Roman" panose="02020603050405020304" pitchFamily="18" charset="0"/>
-              </a:rPr>
-              <a:t>seizures</a:t>
-            </a:r>
-          </a:p>
-          <a:p>
-            <a:pPr marL="342900" indent="-342900">
-              <a:lnSpc>
-                <a:spcPct val="200000"/>
-              </a:lnSpc>
-              <a:buFont typeface="Arial" panose="020B0604020202020204" pitchFamily="34" charset="0"/>
-              <a:buChar char="•"/>
-            </a:pPr>
-            <a:r>
-              <a:rPr lang="en-US" sz="2000" dirty="0" smtClean="0">
-                <a:latin typeface="Times New Roman" panose="02020603050405020304" pitchFamily="18" charset="0"/>
-                <a:cs typeface="Times New Roman" panose="02020603050405020304" pitchFamily="18" charset="0"/>
-              </a:rPr>
-              <a:t>Optimize </a:t>
-            </a:r>
-            <a:r>
-              <a:rPr lang="en-US" sz="2000" dirty="0">
-                <a:latin typeface="Times New Roman" panose="02020603050405020304" pitchFamily="18" charset="0"/>
-                <a:cs typeface="Times New Roman" panose="02020603050405020304" pitchFamily="18" charset="0"/>
-              </a:rPr>
-              <a:t>parameters</a:t>
-            </a:r>
-          </a:p>
-        </p:txBody>
-      </p:sp>
-    </p:spTree>
-    <p:extLst>
-      <p:ext uri="{BB962C8B-B14F-4D97-AF65-F5344CB8AC3E}">
-        <p14:creationId xmlns:p14="http://schemas.microsoft.com/office/powerpoint/2010/main" val="2639595755"/>
-      </p:ext>
-    </p:extLst>
-  </p:cSld>
-  <p:clrMapOvr>
-    <a:masterClrMapping/>
-  </p:clrMapOvr>
-</p:sld>
-</file>
-
-<file path=ppt/slides/slide14.xml><?xml version="1.0" encoding="utf-8"?>
-<p:sld xmlns:a="http://schemas.openxmlformats.org/drawingml/2006/main" xmlns:r="http://schemas.openxmlformats.org/officeDocument/2006/relationships" xmlns:p="http://schemas.openxmlformats.org/presentationml/2006/main">
-  <p:cSld>
-    <p:spTree>
-      <p:nvGrpSpPr>
-        <p:cNvPr id="1" name=""/>
-        <p:cNvGrpSpPr/>
-        <p:nvPr/>
-      </p:nvGrpSpPr>
-      <p:grpSpPr>
-        <a:xfrm>
-          <a:off x="0" y="0"/>
-          <a:ext cx="0" cy="0"/>
-          <a:chOff x="0" y="0"/>
-          <a:chExt cx="0" cy="0"/>
-        </a:xfrm>
-      </p:grpSpPr>
-      <p:sp>
-        <p:nvSpPr>
-          <p:cNvPr id="2" name="Title 1"/>
-          <p:cNvSpPr>
-            <a:spLocks noGrp="1"/>
-          </p:cNvSpPr>
-          <p:nvPr>
-            <p:ph type="title"/>
-          </p:nvPr>
-        </p:nvSpPr>
-        <p:spPr/>
-        <p:txBody>
-          <a:bodyPr/>
-          <a:lstStyle/>
-          <a:p>
-            <a:r>
-              <a:rPr lang="en-US" b="1" dirty="0">
-                <a:solidFill>
-                  <a:srgbClr val="FF0000"/>
-                </a:solidFill>
-                <a:latin typeface="Times New Roman" panose="02020603050405020304" pitchFamily="18" charset="0"/>
-                <a:cs typeface="Times New Roman" panose="02020603050405020304" pitchFamily="18" charset="0"/>
-              </a:rPr>
-              <a:t>Research Plan &amp; Timeline</a:t>
-            </a:r>
-            <a:endParaRPr b="1" dirty="0">
-              <a:solidFill>
-                <a:srgbClr val="FF0000"/>
-              </a:solidFill>
-              <a:latin typeface="Times New Roman" panose="02020603050405020304" pitchFamily="18" charset="0"/>
-              <a:cs typeface="Times New Roman" panose="02020603050405020304" pitchFamily="18" charset="0"/>
-            </a:endParaRPr>
-          </a:p>
-        </p:txBody>
-      </p:sp>
-      <p:pic>
-        <p:nvPicPr>
-          <p:cNvPr id="12" name="Picture 11"/>
-          <p:cNvPicPr>
-            <a:picLocks noChangeAspect="1"/>
-          </p:cNvPicPr>
-          <p:nvPr/>
-        </p:nvPicPr>
-        <p:blipFill>
-          <a:blip r:embed="rId2"/>
-          <a:stretch>
-            <a:fillRect/>
-          </a:stretch>
-        </p:blipFill>
-        <p:spPr>
-          <a:xfrm>
-            <a:off x="1269742" y="1984123"/>
-            <a:ext cx="5944115" cy="1305178"/>
-          </a:xfrm>
-          <a:prstGeom prst="rect">
-            <a:avLst/>
-          </a:prstGeom>
-        </p:spPr>
-      </p:pic>
-      <p:pic>
-        <p:nvPicPr>
-          <p:cNvPr id="13" name="Picture 12"/>
-          <p:cNvPicPr>
-            <a:picLocks noChangeAspect="1"/>
-          </p:cNvPicPr>
-          <p:nvPr/>
-        </p:nvPicPr>
-        <p:blipFill>
-          <a:blip r:embed="rId3"/>
-          <a:stretch>
-            <a:fillRect/>
-          </a:stretch>
-        </p:blipFill>
-        <p:spPr>
-          <a:xfrm>
-            <a:off x="1269741" y="4174139"/>
-            <a:ext cx="5944115" cy="1959961"/>
-          </a:xfrm>
-          <a:prstGeom prst="rect">
-            <a:avLst/>
-          </a:prstGeom>
-        </p:spPr>
-      </p:pic>
-      <p:sp>
-        <p:nvSpPr>
-          <p:cNvPr id="14" name="Rectangle 13"/>
-          <p:cNvSpPr/>
-          <p:nvPr/>
-        </p:nvSpPr>
-        <p:spPr>
-          <a:xfrm>
-            <a:off x="1269742" y="1207430"/>
-            <a:ext cx="7594858" cy="707886"/>
-          </a:xfrm>
-          <a:prstGeom prst="rect">
-            <a:avLst/>
-          </a:prstGeom>
-        </p:spPr>
-        <p:txBody>
-          <a:bodyPr wrap="square">
-            <a:spAutoFit/>
-          </a:bodyPr>
-          <a:lstStyle/>
-          <a:p>
-            <a:r>
-              <a:rPr lang="en-US" sz="2000" b="1" dirty="0">
-                <a:latin typeface="Times New Roman" panose="02020603050405020304" pitchFamily="18" charset="0"/>
-                <a:cs typeface="Times New Roman" panose="02020603050405020304" pitchFamily="18" charset="0"/>
-              </a:rPr>
-              <a:t>Project 1: </a:t>
-            </a:r>
-            <a:endParaRPr lang="en-US" sz="2000" b="1" dirty="0" smtClean="0">
-              <a:latin typeface="Times New Roman" panose="02020603050405020304" pitchFamily="18" charset="0"/>
-              <a:cs typeface="Times New Roman" panose="02020603050405020304" pitchFamily="18" charset="0"/>
-            </a:endParaRPr>
-          </a:p>
-          <a:p>
-            <a:r>
-              <a:rPr lang="en-US" sz="2000" dirty="0" smtClean="0">
-                <a:latin typeface="Times New Roman" panose="02020603050405020304" pitchFamily="18" charset="0"/>
-                <a:cs typeface="Times New Roman" panose="02020603050405020304" pitchFamily="18" charset="0"/>
-              </a:rPr>
-              <a:t>(Completed) </a:t>
-            </a:r>
-            <a:r>
-              <a:rPr lang="en-US" sz="2000" dirty="0">
-                <a:latin typeface="Times New Roman" panose="02020603050405020304" pitchFamily="18" charset="0"/>
-                <a:cs typeface="Times New Roman" panose="02020603050405020304" pitchFamily="18" charset="0"/>
-              </a:rPr>
-              <a:t>model development and preliminary testing</a:t>
-            </a:r>
-          </a:p>
-        </p:txBody>
-      </p:sp>
-      <p:sp>
-        <p:nvSpPr>
-          <p:cNvPr id="15" name="Rectangle 14"/>
-          <p:cNvSpPr/>
-          <p:nvPr/>
-        </p:nvSpPr>
-        <p:spPr>
-          <a:xfrm>
-            <a:off x="1269741" y="3418816"/>
-            <a:ext cx="7556500" cy="707886"/>
-          </a:xfrm>
-          <a:prstGeom prst="rect">
-            <a:avLst/>
-          </a:prstGeom>
-        </p:spPr>
-        <p:txBody>
-          <a:bodyPr wrap="square">
-            <a:spAutoFit/>
-          </a:bodyPr>
-          <a:lstStyle/>
-          <a:p>
-            <a:r>
-              <a:rPr lang="en-US" sz="2000" b="1" dirty="0">
-                <a:latin typeface="Times New Roman" panose="02020603050405020304" pitchFamily="18" charset="0"/>
-                <a:cs typeface="Times New Roman" panose="02020603050405020304" pitchFamily="18" charset="0"/>
-              </a:rPr>
-              <a:t>Project 2:</a:t>
-            </a:r>
-            <a:r>
-              <a:rPr lang="en-US" sz="2000" dirty="0">
-                <a:latin typeface="Times New Roman" panose="02020603050405020304" pitchFamily="18" charset="0"/>
-                <a:cs typeface="Times New Roman" panose="02020603050405020304" pitchFamily="18" charset="0"/>
-              </a:rPr>
-              <a:t> </a:t>
-            </a:r>
-            <a:endParaRPr lang="en-US" sz="2000" dirty="0" smtClean="0">
-              <a:latin typeface="Times New Roman" panose="02020603050405020304" pitchFamily="18" charset="0"/>
-              <a:cs typeface="Times New Roman" panose="02020603050405020304" pitchFamily="18" charset="0"/>
-            </a:endParaRPr>
-          </a:p>
-          <a:p>
-            <a:r>
-              <a:rPr lang="en-US" sz="2000" dirty="0" smtClean="0">
-                <a:latin typeface="Times New Roman" panose="02020603050405020304" pitchFamily="18" charset="0"/>
-                <a:cs typeface="Times New Roman" panose="02020603050405020304" pitchFamily="18" charset="0"/>
-              </a:rPr>
-              <a:t>(Planned) </a:t>
-            </a:r>
-            <a:r>
-              <a:rPr lang="en-US" sz="2000" dirty="0">
-                <a:latin typeface="Times New Roman" panose="02020603050405020304" pitchFamily="18" charset="0"/>
-                <a:cs typeface="Times New Roman" panose="02020603050405020304" pitchFamily="18" charset="0"/>
-              </a:rPr>
-              <a:t>dataset expansion, epoch segmentation, optimization</a:t>
-            </a:r>
-          </a:p>
-        </p:txBody>
-      </p:sp>
-    </p:spTree>
-  </p:cSld>
-  <p:clrMapOvr>
-    <a:masterClrMapping/>
-  </p:clrMapOvr>
-</p:sld>
-</file>
-
-<file path=ppt/slides/slide15.xml><?xml version="1.0" encoding="utf-8"?>
-<p:sld xmlns:a="http://schemas.openxmlformats.org/drawingml/2006/main" xmlns:r="http://schemas.openxmlformats.org/officeDocument/2006/relationships" xmlns:p="http://schemas.openxmlformats.org/presentationml/2006/main">
-  <p:cSld>
-    <p:spTree>
-      <p:nvGrpSpPr>
-        <p:cNvPr id="1" name=""/>
-        <p:cNvGrpSpPr/>
-        <p:nvPr/>
-      </p:nvGrpSpPr>
-      <p:grpSpPr>
-        <a:xfrm>
-          <a:off x="0" y="0"/>
-          <a:ext cx="0" cy="0"/>
-          <a:chOff x="0" y="0"/>
-          <a:chExt cx="0" cy="0"/>
-        </a:xfrm>
-      </p:grpSpPr>
-      <p:sp>
-        <p:nvSpPr>
-          <p:cNvPr id="2" name="Title 1"/>
-          <p:cNvSpPr>
-            <a:spLocks noGrp="1"/>
-          </p:cNvSpPr>
-          <p:nvPr>
-            <p:ph type="title"/>
-          </p:nvPr>
-        </p:nvSpPr>
-        <p:spPr/>
-        <p:txBody>
-          <a:bodyPr/>
-          <a:lstStyle/>
-          <a:p>
-            <a:r>
-              <a:rPr b="1" dirty="0">
-                <a:solidFill>
-                  <a:srgbClr val="FF0000"/>
-                </a:solidFill>
-                <a:latin typeface="Times New Roman" panose="02020603050405020304" pitchFamily="18" charset="0"/>
-                <a:cs typeface="Times New Roman" panose="02020603050405020304" pitchFamily="18" charset="0"/>
-              </a:rPr>
-              <a:t>Conclusion</a:t>
-            </a:r>
-          </a:p>
-        </p:txBody>
-      </p:sp>
-      <p:sp>
-        <p:nvSpPr>
-          <p:cNvPr id="4" name="Rectangle 3"/>
-          <p:cNvSpPr/>
-          <p:nvPr/>
-        </p:nvSpPr>
-        <p:spPr>
-          <a:xfrm>
-            <a:off x="939800" y="1417638"/>
-            <a:ext cx="7023100" cy="3323987"/>
-          </a:xfrm>
-          <a:prstGeom prst="rect">
-            <a:avLst/>
-          </a:prstGeom>
-        </p:spPr>
-        <p:txBody>
-          <a:bodyPr wrap="square">
-            <a:spAutoFit/>
-          </a:bodyPr>
-          <a:lstStyle/>
-          <a:p>
-            <a:pPr marL="285750" indent="-285750" algn="just">
-              <a:lnSpc>
-                <a:spcPct val="150000"/>
-              </a:lnSpc>
-              <a:buFont typeface="Arial" panose="020B0604020202020204" pitchFamily="34" charset="0"/>
-              <a:buChar char="•"/>
-            </a:pPr>
-            <a:r>
-              <a:rPr lang="en-US" sz="2000" dirty="0">
-                <a:latin typeface="Times New Roman" panose="02020603050405020304" pitchFamily="18" charset="0"/>
-                <a:cs typeface="Times New Roman" panose="02020603050405020304" pitchFamily="18" charset="0"/>
-              </a:rPr>
-              <a:t>Random Forest model achieved 100% classification accuracy</a:t>
-            </a:r>
-            <a:r>
-              <a:rPr lang="en-US" sz="2000" dirty="0" smtClean="0">
-                <a:latin typeface="Times New Roman" panose="02020603050405020304" pitchFamily="18" charset="0"/>
-                <a:cs typeface="Times New Roman" panose="02020603050405020304" pitchFamily="18" charset="0"/>
-              </a:rPr>
-              <a:t>.</a:t>
-            </a:r>
-          </a:p>
-          <a:p>
-            <a:pPr marL="285750" indent="-285750" algn="just">
-              <a:lnSpc>
-                <a:spcPct val="150000"/>
-              </a:lnSpc>
-              <a:buFont typeface="Arial" panose="020B0604020202020204" pitchFamily="34" charset="0"/>
-              <a:buChar char="•"/>
-            </a:pPr>
-            <a:r>
-              <a:rPr lang="en-US" sz="2000" dirty="0" smtClean="0">
-                <a:latin typeface="Times New Roman" panose="02020603050405020304" pitchFamily="18" charset="0"/>
-                <a:cs typeface="Times New Roman" panose="02020603050405020304" pitchFamily="18" charset="0"/>
-              </a:rPr>
-              <a:t>Regression </a:t>
-            </a:r>
-            <a:r>
-              <a:rPr lang="en-US" sz="2000" dirty="0">
-                <a:latin typeface="Times New Roman" panose="02020603050405020304" pitchFamily="18" charset="0"/>
-                <a:cs typeface="Times New Roman" panose="02020603050405020304" pitchFamily="18" charset="0"/>
-              </a:rPr>
-              <a:t>results show good timing prediction with room for improvement</a:t>
-            </a:r>
-            <a:r>
-              <a:rPr lang="en-US" sz="2000" dirty="0" smtClean="0">
-                <a:latin typeface="Times New Roman" panose="02020603050405020304" pitchFamily="18" charset="0"/>
-                <a:cs typeface="Times New Roman" panose="02020603050405020304" pitchFamily="18" charset="0"/>
-              </a:rPr>
-              <a:t>.</a:t>
-            </a:r>
-          </a:p>
-          <a:p>
-            <a:pPr marL="285750" indent="-285750" algn="just">
-              <a:lnSpc>
-                <a:spcPct val="150000"/>
-              </a:lnSpc>
-              <a:buFont typeface="Arial" panose="020B0604020202020204" pitchFamily="34" charset="0"/>
-              <a:buChar char="•"/>
-            </a:pPr>
-            <a:r>
-              <a:rPr lang="en-US" sz="2000" dirty="0" smtClean="0">
-                <a:latin typeface="Times New Roman" panose="02020603050405020304" pitchFamily="18" charset="0"/>
-                <a:cs typeface="Times New Roman" panose="02020603050405020304" pitchFamily="18" charset="0"/>
-              </a:rPr>
-              <a:t>The </a:t>
-            </a:r>
-            <a:r>
-              <a:rPr lang="en-US" sz="2000" dirty="0">
-                <a:latin typeface="Times New Roman" panose="02020603050405020304" pitchFamily="18" charset="0"/>
-                <a:cs typeface="Times New Roman" panose="02020603050405020304" pitchFamily="18" charset="0"/>
-              </a:rPr>
-              <a:t>system demonstrates the potential of traditional ML for EEG-based seizure prediction</a:t>
-            </a:r>
-            <a:r>
-              <a:rPr lang="en-US" sz="2000" dirty="0" smtClean="0">
-                <a:latin typeface="Times New Roman" panose="02020603050405020304" pitchFamily="18" charset="0"/>
-                <a:cs typeface="Times New Roman" panose="02020603050405020304" pitchFamily="18" charset="0"/>
-              </a:rPr>
-              <a:t>.</a:t>
-            </a:r>
-          </a:p>
-          <a:p>
-            <a:pPr marL="285750" indent="-285750" algn="just">
-              <a:lnSpc>
-                <a:spcPct val="150000"/>
-              </a:lnSpc>
-              <a:buFont typeface="Arial" panose="020B0604020202020204" pitchFamily="34" charset="0"/>
-              <a:buChar char="•"/>
-            </a:pPr>
-            <a:r>
-              <a:rPr lang="en-US" sz="2000" dirty="0" smtClean="0">
-                <a:latin typeface="Times New Roman" panose="02020603050405020304" pitchFamily="18" charset="0"/>
-                <a:cs typeface="Times New Roman" panose="02020603050405020304" pitchFamily="18" charset="0"/>
-              </a:rPr>
-              <a:t>Future </a:t>
-            </a:r>
-            <a:r>
-              <a:rPr lang="en-US" sz="2000" dirty="0">
-                <a:latin typeface="Times New Roman" panose="02020603050405020304" pitchFamily="18" charset="0"/>
-                <a:cs typeface="Times New Roman" panose="02020603050405020304" pitchFamily="18" charset="0"/>
-              </a:rPr>
-              <a:t>work aims to enhance accuracy and apply to larger datasets.</a:t>
-            </a:r>
-          </a:p>
-        </p:txBody>
-      </p:sp>
-    </p:spTree>
-  </p:cSld>
-  <p:clrMapOvr>
-    <a:masterClrMapping/>
-  </p:clrMapOvr>
-</p:sld>
-</file>
-
-<file path=ppt/slides/slide16.xml><?xml version="1.0" encoding="utf-8"?>
-<p:sld xmlns:a="http://schemas.openxmlformats.org/drawingml/2006/main" xmlns:r="http://schemas.openxmlformats.org/officeDocument/2006/relationships" xmlns:p="http://schemas.openxmlformats.org/presentationml/2006/main">
-  <p:cSld>
-    <p:spTree>
-      <p:nvGrpSpPr>
-        <p:cNvPr id="1" name=""/>
-        <p:cNvGrpSpPr/>
-        <p:nvPr/>
-      </p:nvGrpSpPr>
-      <p:grpSpPr>
-        <a:xfrm>
-          <a:off x="0" y="0"/>
-          <a:ext cx="0" cy="0"/>
-          <a:chOff x="0" y="0"/>
-          <a:chExt cx="0" cy="0"/>
-        </a:xfrm>
-      </p:grpSpPr>
-      <p:sp>
-        <p:nvSpPr>
-          <p:cNvPr id="2" name="Title 1"/>
-          <p:cNvSpPr>
-            <a:spLocks noGrp="1"/>
-          </p:cNvSpPr>
-          <p:nvPr>
-            <p:ph type="title"/>
-          </p:nvPr>
-        </p:nvSpPr>
-        <p:spPr>
-          <a:xfrm>
-            <a:off x="457200" y="-47555"/>
-            <a:ext cx="8229600" cy="1143000"/>
-          </a:xfrm>
-        </p:spPr>
-        <p:txBody>
-          <a:bodyPr/>
-          <a:lstStyle/>
-          <a:p>
-            <a:r>
-              <a:rPr lang="en-US" b="1" dirty="0" smtClean="0">
-                <a:solidFill>
-                  <a:srgbClr val="FF0000"/>
-                </a:solidFill>
-                <a:latin typeface="Times New Roman" panose="02020603050405020304" pitchFamily="18" charset="0"/>
-                <a:cs typeface="Times New Roman" panose="02020603050405020304" pitchFamily="18" charset="0"/>
-              </a:rPr>
-              <a:t>References</a:t>
-            </a:r>
-            <a:endParaRPr b="1" dirty="0">
-              <a:solidFill>
-                <a:srgbClr val="FF0000"/>
-              </a:solidFill>
-              <a:latin typeface="Times New Roman" panose="02020603050405020304" pitchFamily="18" charset="0"/>
-              <a:cs typeface="Times New Roman" panose="02020603050405020304" pitchFamily="18" charset="0"/>
-            </a:endParaRPr>
-          </a:p>
-        </p:txBody>
-      </p:sp>
-      <p:sp>
-        <p:nvSpPr>
-          <p:cNvPr id="3" name="Rectangle 2"/>
-          <p:cNvSpPr/>
-          <p:nvPr/>
-        </p:nvSpPr>
-        <p:spPr>
-          <a:xfrm>
-            <a:off x="927100" y="1095445"/>
-            <a:ext cx="7289800" cy="4898329"/>
-          </a:xfrm>
-          <a:prstGeom prst="rect">
-            <a:avLst/>
-          </a:prstGeom>
-        </p:spPr>
-        <p:txBody>
-          <a:bodyPr wrap="square">
-            <a:spAutoFit/>
-          </a:bodyPr>
-          <a:lstStyle/>
-          <a:p>
-            <a:pPr marL="342900" indent="-342900">
-              <a:lnSpc>
-                <a:spcPct val="150000"/>
-              </a:lnSpc>
-              <a:buFont typeface="+mj-lt"/>
-              <a:buAutoNum type="arabicPeriod"/>
-            </a:pPr>
-            <a:r>
-              <a:rPr lang="en-US" sz="1500" dirty="0" err="1">
-                <a:latin typeface="Times New Roman" panose="02020603050405020304" pitchFamily="18" charset="0"/>
-                <a:cs typeface="Times New Roman" panose="02020603050405020304" pitchFamily="18" charset="0"/>
-              </a:rPr>
-              <a:t>Shoeb</a:t>
-            </a:r>
-            <a:r>
-              <a:rPr lang="en-US" sz="1500" dirty="0">
-                <a:latin typeface="Times New Roman" panose="02020603050405020304" pitchFamily="18" charset="0"/>
-                <a:cs typeface="Times New Roman" panose="02020603050405020304" pitchFamily="18" charset="0"/>
-              </a:rPr>
-              <a:t>, A.H. &amp; </a:t>
-            </a:r>
-            <a:r>
-              <a:rPr lang="en-US" sz="1500" dirty="0" err="1">
-                <a:latin typeface="Times New Roman" panose="02020603050405020304" pitchFamily="18" charset="0"/>
-                <a:cs typeface="Times New Roman" panose="02020603050405020304" pitchFamily="18" charset="0"/>
-              </a:rPr>
-              <a:t>Guttag</a:t>
-            </a:r>
-            <a:r>
-              <a:rPr lang="en-US" sz="1500" dirty="0">
-                <a:latin typeface="Times New Roman" panose="02020603050405020304" pitchFamily="18" charset="0"/>
-                <a:cs typeface="Times New Roman" panose="02020603050405020304" pitchFamily="18" charset="0"/>
-              </a:rPr>
-              <a:t>, J. (2010). Application of machine learning to epileptic seizure detection. MIT</a:t>
-            </a:r>
-            <a:r>
-              <a:rPr lang="en-US" sz="1500" dirty="0" smtClean="0">
-                <a:latin typeface="Times New Roman" panose="02020603050405020304" pitchFamily="18" charset="0"/>
-                <a:cs typeface="Times New Roman" panose="02020603050405020304" pitchFamily="18" charset="0"/>
-              </a:rPr>
-              <a:t>.</a:t>
-            </a:r>
-          </a:p>
-          <a:p>
-            <a:pPr marL="342900" indent="-342900">
-              <a:lnSpc>
-                <a:spcPct val="150000"/>
-              </a:lnSpc>
-              <a:buFont typeface="+mj-lt"/>
-              <a:buAutoNum type="arabicPeriod"/>
-            </a:pPr>
-            <a:r>
-              <a:rPr lang="en-US" sz="1500" dirty="0" smtClean="0">
-                <a:latin typeface="Times New Roman" panose="02020603050405020304" pitchFamily="18" charset="0"/>
-                <a:cs typeface="Times New Roman" panose="02020603050405020304" pitchFamily="18" charset="0"/>
-              </a:rPr>
-              <a:t>Ahmed</a:t>
-            </a:r>
-            <a:r>
-              <a:rPr lang="en-US" sz="1500" dirty="0">
-                <a:latin typeface="Times New Roman" panose="02020603050405020304" pitchFamily="18" charset="0"/>
-                <a:cs typeface="Times New Roman" panose="02020603050405020304" pitchFamily="18" charset="0"/>
-              </a:rPr>
-              <a:t>, M., Zhang, Y. &amp; Jiang, J. (2020). Machine learning for EEG-based seizure detection. IEEE Access, 8, 47435–47445</a:t>
-            </a:r>
-            <a:r>
-              <a:rPr lang="en-US" sz="1500" dirty="0" smtClean="0">
-                <a:latin typeface="Times New Roman" panose="02020603050405020304" pitchFamily="18" charset="0"/>
-                <a:cs typeface="Times New Roman" panose="02020603050405020304" pitchFamily="18" charset="0"/>
-              </a:rPr>
-              <a:t>.</a:t>
-            </a:r>
-          </a:p>
-          <a:p>
-            <a:pPr marL="342900" indent="-342900">
-              <a:lnSpc>
-                <a:spcPct val="150000"/>
-              </a:lnSpc>
-              <a:buFont typeface="+mj-lt"/>
-              <a:buAutoNum type="arabicPeriod"/>
-            </a:pPr>
-            <a:r>
-              <a:rPr lang="en-US" sz="1500" dirty="0" err="1" smtClean="0">
-                <a:latin typeface="Times New Roman" panose="02020603050405020304" pitchFamily="18" charset="0"/>
-                <a:cs typeface="Times New Roman" panose="02020603050405020304" pitchFamily="18" charset="0"/>
-              </a:rPr>
-              <a:t>Chandel</a:t>
-            </a:r>
-            <a:r>
-              <a:rPr lang="en-US" sz="1500" dirty="0">
-                <a:latin typeface="Times New Roman" panose="02020603050405020304" pitchFamily="18" charset="0"/>
-                <a:cs typeface="Times New Roman" panose="02020603050405020304" pitchFamily="18" charset="0"/>
-              </a:rPr>
-              <a:t>, G., Kumar, R. &amp; Nigam, A. (2022). Analysis of EEG signals using Random Forest models for epilepsy detection. IEEE Transactions on Neural Systems and Rehabilitation Engineering</a:t>
-            </a:r>
-            <a:r>
-              <a:rPr lang="en-US" sz="1500" dirty="0" smtClean="0">
-                <a:latin typeface="Times New Roman" panose="02020603050405020304" pitchFamily="18" charset="0"/>
-                <a:cs typeface="Times New Roman" panose="02020603050405020304" pitchFamily="18" charset="0"/>
-              </a:rPr>
-              <a:t>.</a:t>
-            </a:r>
-          </a:p>
-          <a:p>
-            <a:pPr marL="342900" indent="-342900">
-              <a:lnSpc>
-                <a:spcPct val="150000"/>
-              </a:lnSpc>
-              <a:buFont typeface="+mj-lt"/>
-              <a:buAutoNum type="arabicPeriod"/>
-            </a:pPr>
-            <a:r>
-              <a:rPr lang="en-US" sz="1500" dirty="0" err="1" smtClean="0">
-                <a:latin typeface="Times New Roman" panose="02020603050405020304" pitchFamily="18" charset="0"/>
-                <a:cs typeface="Times New Roman" panose="02020603050405020304" pitchFamily="18" charset="0"/>
-              </a:rPr>
-              <a:t>Mourad</a:t>
-            </a:r>
-            <a:r>
-              <a:rPr lang="en-US" sz="1500" dirty="0">
-                <a:latin typeface="Times New Roman" panose="02020603050405020304" pitchFamily="18" charset="0"/>
-                <a:cs typeface="Times New Roman" panose="02020603050405020304" pitchFamily="18" charset="0"/>
-              </a:rPr>
-              <a:t>, R., </a:t>
-            </a:r>
-            <a:r>
-              <a:rPr lang="en-US" sz="1500" dirty="0" err="1">
-                <a:latin typeface="Times New Roman" panose="02020603050405020304" pitchFamily="18" charset="0"/>
-                <a:cs typeface="Times New Roman" panose="02020603050405020304" pitchFamily="18" charset="0"/>
-              </a:rPr>
-              <a:t>Soltani</a:t>
-            </a:r>
-            <a:r>
-              <a:rPr lang="en-US" sz="1500" dirty="0">
-                <a:latin typeface="Times New Roman" panose="02020603050405020304" pitchFamily="18" charset="0"/>
-                <a:cs typeface="Times New Roman" panose="02020603050405020304" pitchFamily="18" charset="0"/>
-              </a:rPr>
-              <a:t>, M. &amp; El-Hajj, A. (2025). Machine and deep learning methods for seizure recognition. Brain Research</a:t>
-            </a:r>
-            <a:r>
-              <a:rPr lang="en-US" sz="1500" dirty="0" smtClean="0">
-                <a:latin typeface="Times New Roman" panose="02020603050405020304" pitchFamily="18" charset="0"/>
-                <a:cs typeface="Times New Roman" panose="02020603050405020304" pitchFamily="18" charset="0"/>
-              </a:rPr>
-              <a:t>.</a:t>
-            </a:r>
-          </a:p>
-          <a:p>
-            <a:pPr marL="342900" indent="-342900">
-              <a:lnSpc>
-                <a:spcPct val="150000"/>
-              </a:lnSpc>
-              <a:buFont typeface="+mj-lt"/>
-              <a:buAutoNum type="arabicPeriod"/>
-            </a:pPr>
-            <a:r>
-              <a:rPr lang="en-US" sz="1500" dirty="0" err="1" smtClean="0">
-                <a:latin typeface="Times New Roman" panose="02020603050405020304" pitchFamily="18" charset="0"/>
-                <a:cs typeface="Times New Roman" panose="02020603050405020304" pitchFamily="18" charset="0"/>
-              </a:rPr>
-              <a:t>Tzallas</a:t>
-            </a:r>
-            <a:r>
-              <a:rPr lang="en-US" sz="1500" dirty="0">
-                <a:latin typeface="Times New Roman" panose="02020603050405020304" pitchFamily="18" charset="0"/>
-                <a:cs typeface="Times New Roman" panose="02020603050405020304" pitchFamily="18" charset="0"/>
-              </a:rPr>
-              <a:t>, A.T., </a:t>
-            </a:r>
-            <a:r>
-              <a:rPr lang="en-US" sz="1500" dirty="0" err="1">
-                <a:latin typeface="Times New Roman" panose="02020603050405020304" pitchFamily="18" charset="0"/>
-                <a:cs typeface="Times New Roman" panose="02020603050405020304" pitchFamily="18" charset="0"/>
-              </a:rPr>
-              <a:t>Tsipouras</a:t>
-            </a:r>
-            <a:r>
-              <a:rPr lang="en-US" sz="1500" dirty="0">
-                <a:latin typeface="Times New Roman" panose="02020603050405020304" pitchFamily="18" charset="0"/>
-                <a:cs typeface="Times New Roman" panose="02020603050405020304" pitchFamily="18" charset="0"/>
-              </a:rPr>
-              <a:t>, M.G. &amp; Fotiadis, D.I. (2009). Epileptic seizure detection in EEGs using time–frequency analysis. IEEE Transactions on Information Technology in Biomedicine, 13(5), 703–710</a:t>
-            </a:r>
-            <a:r>
-              <a:rPr lang="en-US" sz="1500" dirty="0" smtClean="0">
-                <a:latin typeface="Times New Roman" panose="02020603050405020304" pitchFamily="18" charset="0"/>
-                <a:cs typeface="Times New Roman" panose="02020603050405020304" pitchFamily="18" charset="0"/>
-              </a:rPr>
-              <a:t>.</a:t>
-            </a:r>
-          </a:p>
-          <a:p>
-            <a:pPr marL="342900" indent="-342900">
-              <a:lnSpc>
-                <a:spcPct val="150000"/>
-              </a:lnSpc>
-              <a:buFont typeface="+mj-lt"/>
-              <a:buAutoNum type="arabicPeriod"/>
-            </a:pPr>
-            <a:r>
-              <a:rPr lang="en-US" sz="1500" dirty="0" err="1" smtClean="0">
-                <a:latin typeface="Times New Roman" panose="02020603050405020304" pitchFamily="18" charset="0"/>
-                <a:cs typeface="Times New Roman" panose="02020603050405020304" pitchFamily="18" charset="0"/>
-              </a:rPr>
-              <a:t>Subasi</a:t>
-            </a:r>
-            <a:r>
-              <a:rPr lang="en-US" sz="1500" dirty="0">
-                <a:latin typeface="Times New Roman" panose="02020603050405020304" pitchFamily="18" charset="0"/>
-                <a:cs typeface="Times New Roman" panose="02020603050405020304" pitchFamily="18" charset="0"/>
-              </a:rPr>
-              <a:t>, A. (2007). EEG signal classification using wavelet feature extraction and Random Forests. Expert Systems with Applications, 37(2), 233–238.</a:t>
-            </a:r>
-          </a:p>
-        </p:txBody>
-      </p:sp>
-    </p:spTree>
-  </p:cSld>
-  <p:clrMapOvr>
-    <a:masterClrMapping/>
-  </p:clrMapOvr>
-</p:sld>
-</file>
-
-<file path=ppt/slides/slide2.xml><?xml version="1.0" encoding="utf-8"?>
-<p:sld xmlns:a="http://schemas.openxmlformats.org/drawingml/2006/main" xmlns:r="http://schemas.openxmlformats.org/officeDocument/2006/relationships" xmlns:p="http://schemas.openxmlformats.org/presentationml/2006/main">
-  <p:cSld>
-    <p:spTree>
-      <p:nvGrpSpPr>
-        <p:cNvPr id="1" name=""/>
-        <p:cNvGrpSpPr/>
-        <p:nvPr/>
-      </p:nvGrpSpPr>
-      <p:grpSpPr>
-        <a:xfrm>
-          <a:off x="0" y="0"/>
-          <a:ext cx="0" cy="0"/>
-          <a:chOff x="0" y="0"/>
-          <a:chExt cx="0" cy="0"/>
-        </a:xfrm>
-      </p:grpSpPr>
-      <p:sp>
-        <p:nvSpPr>
-          <p:cNvPr id="2" name="Title 1"/>
-          <p:cNvSpPr>
-            <a:spLocks noGrp="1"/>
-          </p:cNvSpPr>
-          <p:nvPr>
-            <p:ph type="title"/>
-          </p:nvPr>
-        </p:nvSpPr>
-        <p:spPr/>
-        <p:txBody>
-          <a:bodyPr/>
-          <a:lstStyle/>
-          <a:p>
-            <a:r>
-              <a:rPr b="1" dirty="0">
-                <a:solidFill>
-                  <a:srgbClr val="FF0000"/>
-                </a:solidFill>
-                <a:latin typeface="Times New Roman" panose="02020603050405020304" pitchFamily="18" charset="0"/>
-                <a:cs typeface="Times New Roman" panose="02020603050405020304" pitchFamily="18" charset="0"/>
-              </a:rPr>
-              <a:t>Introduction</a:t>
-            </a:r>
-          </a:p>
-        </p:txBody>
-      </p:sp>
-      <p:sp>
-        <p:nvSpPr>
-          <p:cNvPr id="7" name="Rectangle 6"/>
-          <p:cNvSpPr/>
-          <p:nvPr/>
-        </p:nvSpPr>
-        <p:spPr>
-          <a:xfrm>
-            <a:off x="720436" y="1620983"/>
-            <a:ext cx="8686799" cy="2400657"/>
-          </a:xfrm>
-          <a:prstGeom prst="rect">
-            <a:avLst/>
-          </a:prstGeom>
-        </p:spPr>
-        <p:txBody>
-          <a:bodyPr wrap="square">
-            <a:spAutoFit/>
-          </a:bodyPr>
-          <a:lstStyle/>
-          <a:p>
-            <a:pPr marL="285750" indent="-285750">
-              <a:lnSpc>
-                <a:spcPct val="150000"/>
-              </a:lnSpc>
-              <a:buFont typeface="Arial" panose="020B0604020202020204" pitchFamily="34" charset="0"/>
-              <a:buChar char="•"/>
-            </a:pPr>
-            <a:r>
-              <a:rPr lang="en-US" sz="2000" dirty="0">
-                <a:latin typeface="Times New Roman" panose="02020603050405020304" pitchFamily="18" charset="0"/>
-                <a:cs typeface="Times New Roman" panose="02020603050405020304" pitchFamily="18" charset="0"/>
-              </a:rPr>
-              <a:t>Epilepsy affects 50M+ people globally</a:t>
-            </a:r>
-            <a:r>
-              <a:rPr lang="en-US" sz="2000" dirty="0" smtClean="0">
-                <a:latin typeface="Times New Roman" panose="02020603050405020304" pitchFamily="18" charset="0"/>
-                <a:cs typeface="Times New Roman" panose="02020603050405020304" pitchFamily="18" charset="0"/>
-              </a:rPr>
-              <a:t>.</a:t>
-            </a:r>
-          </a:p>
-          <a:p>
-            <a:pPr marL="285750" indent="-285750">
-              <a:lnSpc>
-                <a:spcPct val="150000"/>
-              </a:lnSpc>
-              <a:buFont typeface="Arial" panose="020B0604020202020204" pitchFamily="34" charset="0"/>
-              <a:buChar char="•"/>
-            </a:pPr>
-            <a:r>
-              <a:rPr lang="en-US" sz="2000" dirty="0" smtClean="0">
-                <a:latin typeface="Times New Roman" panose="02020603050405020304" pitchFamily="18" charset="0"/>
-                <a:cs typeface="Times New Roman" panose="02020603050405020304" pitchFamily="18" charset="0"/>
-              </a:rPr>
-              <a:t>Seizures </a:t>
-            </a:r>
-            <a:r>
-              <a:rPr lang="en-US" sz="2000" dirty="0">
-                <a:latin typeface="Times New Roman" panose="02020603050405020304" pitchFamily="18" charset="0"/>
-                <a:cs typeface="Times New Roman" panose="02020603050405020304" pitchFamily="18" charset="0"/>
-              </a:rPr>
-              <a:t>are unpredictable and life-threatening</a:t>
-            </a:r>
-            <a:r>
-              <a:rPr lang="en-US" sz="2000" dirty="0" smtClean="0">
-                <a:latin typeface="Times New Roman" panose="02020603050405020304" pitchFamily="18" charset="0"/>
-                <a:cs typeface="Times New Roman" panose="02020603050405020304" pitchFamily="18" charset="0"/>
-              </a:rPr>
-              <a:t>.</a:t>
-            </a:r>
-          </a:p>
-          <a:p>
-            <a:pPr marL="285750" indent="-285750">
-              <a:lnSpc>
-                <a:spcPct val="150000"/>
-              </a:lnSpc>
-              <a:buFont typeface="Arial" panose="020B0604020202020204" pitchFamily="34" charset="0"/>
-              <a:buChar char="•"/>
-            </a:pPr>
-            <a:r>
-              <a:rPr lang="en-US" sz="2000" dirty="0" smtClean="0">
-                <a:latin typeface="Times New Roman" panose="02020603050405020304" pitchFamily="18" charset="0"/>
-                <a:cs typeface="Times New Roman" panose="02020603050405020304" pitchFamily="18" charset="0"/>
-              </a:rPr>
-              <a:t>Manual </a:t>
-            </a:r>
-            <a:r>
-              <a:rPr lang="en-US" sz="2000" dirty="0">
-                <a:latin typeface="Times New Roman" panose="02020603050405020304" pitchFamily="18" charset="0"/>
-                <a:cs typeface="Times New Roman" panose="02020603050405020304" pitchFamily="18" charset="0"/>
-              </a:rPr>
-              <a:t>EEG interpretation is slow and impractical for real-time prediction</a:t>
-            </a:r>
-            <a:r>
-              <a:rPr lang="en-US" sz="2000" dirty="0" smtClean="0">
-                <a:latin typeface="Times New Roman" panose="02020603050405020304" pitchFamily="18" charset="0"/>
-                <a:cs typeface="Times New Roman" panose="02020603050405020304" pitchFamily="18" charset="0"/>
-              </a:rPr>
-              <a:t>.</a:t>
-            </a:r>
-          </a:p>
-          <a:p>
-            <a:pPr marL="285750" indent="-285750">
-              <a:lnSpc>
-                <a:spcPct val="150000"/>
-              </a:lnSpc>
-              <a:buFont typeface="Arial" panose="020B0604020202020204" pitchFamily="34" charset="0"/>
-              <a:buChar char="•"/>
-            </a:pPr>
-            <a:r>
-              <a:rPr lang="en-US" sz="2000" dirty="0" smtClean="0">
-                <a:latin typeface="Times New Roman" panose="02020603050405020304" pitchFamily="18" charset="0"/>
-                <a:cs typeface="Times New Roman" panose="02020603050405020304" pitchFamily="18" charset="0"/>
-              </a:rPr>
-              <a:t>Machine </a:t>
-            </a:r>
-            <a:r>
-              <a:rPr lang="en-US" sz="2000" dirty="0">
-                <a:latin typeface="Times New Roman" panose="02020603050405020304" pitchFamily="18" charset="0"/>
-                <a:cs typeface="Times New Roman" panose="02020603050405020304" pitchFamily="18" charset="0"/>
-              </a:rPr>
-              <a:t>learning helps </a:t>
-            </a:r>
-            <a:r>
-              <a:rPr lang="en-US" sz="2000" dirty="0" smtClean="0">
-                <a:latin typeface="Times New Roman" panose="02020603050405020304" pitchFamily="18" charset="0"/>
-                <a:cs typeface="Times New Roman" panose="02020603050405020304" pitchFamily="18" charset="0"/>
-              </a:rPr>
-              <a:t>au mate </a:t>
-            </a:r>
-            <a:r>
-              <a:rPr lang="en-US" sz="2000" dirty="0">
-                <a:latin typeface="Times New Roman" panose="02020603050405020304" pitchFamily="18" charset="0"/>
-                <a:cs typeface="Times New Roman" panose="02020603050405020304" pitchFamily="18" charset="0"/>
-              </a:rPr>
-              <a:t>seizure detection</a:t>
-            </a:r>
-            <a:r>
-              <a:rPr lang="en-US" sz="2000" dirty="0" smtClean="0">
-                <a:latin typeface="Times New Roman" panose="02020603050405020304" pitchFamily="18" charset="0"/>
-                <a:cs typeface="Times New Roman" panose="02020603050405020304" pitchFamily="18" charset="0"/>
-              </a:rPr>
-              <a:t>.</a:t>
-            </a:r>
-          </a:p>
-          <a:p>
-            <a:pPr marL="285750" indent="-285750">
-              <a:lnSpc>
-                <a:spcPct val="150000"/>
-              </a:lnSpc>
-              <a:buFont typeface="Arial" panose="020B0604020202020204" pitchFamily="34" charset="0"/>
-              <a:buChar char="•"/>
-            </a:pPr>
-            <a:r>
-              <a:rPr lang="en-US" sz="2000" dirty="0" smtClean="0">
-                <a:latin typeface="Times New Roman" panose="02020603050405020304" pitchFamily="18" charset="0"/>
-                <a:cs typeface="Times New Roman" panose="02020603050405020304" pitchFamily="18" charset="0"/>
-              </a:rPr>
-              <a:t>Previous </a:t>
-            </a:r>
-            <a:r>
-              <a:rPr lang="en-US" sz="2000" dirty="0">
-                <a:latin typeface="Times New Roman" panose="02020603050405020304" pitchFamily="18" charset="0"/>
-                <a:cs typeface="Times New Roman" panose="02020603050405020304" pitchFamily="18" charset="0"/>
-              </a:rPr>
-              <a:t>research achieved high accuracy but poor generalization.</a:t>
-            </a:r>
-          </a:p>
-        </p:txBody>
-      </p:sp>
-      <p:pic>
-        <p:nvPicPr>
-          <p:cNvPr id="8" name="Picture 7"/>
-          <p:cNvPicPr/>
-          <p:nvPr/>
-        </p:nvPicPr>
-        <p:blipFill>
-          <a:blip r:embed="rId2"/>
-          <a:stretch>
-            <a:fillRect/>
-          </a:stretch>
-        </p:blipFill>
-        <p:spPr>
-          <a:xfrm>
-            <a:off x="1239982" y="4169650"/>
-            <a:ext cx="5943600" cy="2289175"/>
-          </a:xfrm>
-          <a:prstGeom prst="rect">
-            <a:avLst/>
-          </a:prstGeom>
-        </p:spPr>
-      </p:pic>
-      <p:sp>
-        <p:nvSpPr>
-          <p:cNvPr id="9" name="Rectangle 8"/>
-          <p:cNvSpPr/>
-          <p:nvPr/>
-        </p:nvSpPr>
-        <p:spPr>
-          <a:xfrm>
-            <a:off x="1009650" y="6004195"/>
-            <a:ext cx="7124700" cy="369332"/>
-          </a:xfrm>
-          <a:prstGeom prst="rect">
-            <a:avLst/>
-          </a:prstGeom>
-        </p:spPr>
-        <p:txBody>
-          <a:bodyPr wrap="square">
-            <a:spAutoFit/>
-          </a:bodyPr>
-          <a:lstStyle/>
-          <a:p>
-            <a:r>
-              <a:rPr lang="en-US" dirty="0"/>
-              <a:t>Basic process of EEG acquisition from scalp electrodes for seizure analysis </a:t>
-            </a:r>
-          </a:p>
-        </p:txBody>
-      </p:sp>
-    </p:spTree>
-  </p:cSld>
-  <p:clrMapOvr>
-    <a:masterClrMapping/>
-  </p:clrMapOvr>
-</p:sld>
-</file>
-
-<file path=ppt/slides/slide3.xml><?xml version="1.0" encoding="utf-8"?>
-<p:sld xmlns:a="http://schemas.openxmlformats.org/drawingml/2006/main" xmlns:r="http://schemas.openxmlformats.org/officeDocument/2006/relationships" xmlns:p="http://schemas.openxmlformats.org/presentationml/2006/main">
-  <p:cSld>
-    <p:spTree>
-      <p:nvGrpSpPr>
-        <p:cNvPr id="1" name=""/>
-        <p:cNvGrpSpPr/>
-        <p:nvPr/>
-      </p:nvGrpSpPr>
-      <p:grpSpPr>
-        <a:xfrm>
-          <a:off x="0" y="0"/>
-          <a:ext cx="0" cy="0"/>
-          <a:chOff x="0" y="0"/>
-          <a:chExt cx="0" cy="0"/>
-        </a:xfrm>
-      </p:grpSpPr>
-      <p:sp>
-        <p:nvSpPr>
-          <p:cNvPr id="2" name="Title 1"/>
-          <p:cNvSpPr>
-            <a:spLocks noGrp="1"/>
-          </p:cNvSpPr>
-          <p:nvPr>
-            <p:ph type="title"/>
-          </p:nvPr>
-        </p:nvSpPr>
-        <p:spPr/>
-        <p:txBody>
-          <a:bodyPr>
-            <a:normAutofit/>
-          </a:bodyPr>
-          <a:lstStyle/>
-          <a:p>
-            <a:r>
-              <a:rPr lang="en-US" b="1" dirty="0">
-                <a:solidFill>
-                  <a:srgbClr val="FF0000"/>
-                </a:solidFill>
-                <a:latin typeface="Times New Roman" panose="02020603050405020304" pitchFamily="18" charset="0"/>
-                <a:cs typeface="Times New Roman" panose="02020603050405020304" pitchFamily="18" charset="0"/>
-              </a:rPr>
-              <a:t>Aim and Objectives</a:t>
-            </a:r>
-            <a:endParaRPr b="1" dirty="0">
-              <a:solidFill>
-                <a:srgbClr val="FF0000"/>
-              </a:solidFill>
-              <a:latin typeface="Times New Roman" panose="02020603050405020304" pitchFamily="18" charset="0"/>
-              <a:cs typeface="Times New Roman" panose="02020603050405020304" pitchFamily="18" charset="0"/>
-            </a:endParaRPr>
-          </a:p>
-        </p:txBody>
-      </p:sp>
-      <p:sp>
-        <p:nvSpPr>
-          <p:cNvPr id="5" name="Rectangle 4"/>
-          <p:cNvSpPr/>
-          <p:nvPr/>
-        </p:nvSpPr>
-        <p:spPr>
-          <a:xfrm>
-            <a:off x="900545" y="1461940"/>
-            <a:ext cx="7523019" cy="3477875"/>
-          </a:xfrm>
-          <a:prstGeom prst="rect">
-            <a:avLst/>
-          </a:prstGeom>
-        </p:spPr>
-        <p:txBody>
-          <a:bodyPr wrap="square">
-            <a:spAutoFit/>
-          </a:bodyPr>
-          <a:lstStyle/>
-          <a:p>
-            <a:pPr algn="just"/>
-            <a:r>
-              <a:rPr lang="en-US" sz="2000" b="1" dirty="0">
-                <a:latin typeface="Times New Roman" panose="02020603050405020304" pitchFamily="18" charset="0"/>
-                <a:cs typeface="Times New Roman" panose="02020603050405020304" pitchFamily="18" charset="0"/>
-              </a:rPr>
-              <a:t>Aim</a:t>
-            </a:r>
-            <a:r>
-              <a:rPr lang="en-US" sz="2000" b="1" dirty="0" smtClean="0">
-                <a:latin typeface="Times New Roman" panose="02020603050405020304" pitchFamily="18" charset="0"/>
-                <a:cs typeface="Times New Roman" panose="02020603050405020304" pitchFamily="18" charset="0"/>
-              </a:rPr>
-              <a:t>:</a:t>
-            </a:r>
-          </a:p>
-          <a:p>
-            <a:pPr algn="just"/>
-            <a:r>
-              <a:rPr lang="en-US" sz="2000" dirty="0">
-                <a:latin typeface="Times New Roman" panose="02020603050405020304" pitchFamily="18" charset="0"/>
-                <a:cs typeface="Times New Roman" panose="02020603050405020304" pitchFamily="18" charset="0"/>
-              </a:rPr>
-              <a:t>The aim of this project is to build a machine learning model in Python using the Random Forest Classifier and Random Forest </a:t>
-            </a:r>
-            <a:r>
-              <a:rPr lang="en-US" sz="2000" dirty="0" err="1">
-                <a:latin typeface="Times New Roman" panose="02020603050405020304" pitchFamily="18" charset="0"/>
-                <a:cs typeface="Times New Roman" panose="02020603050405020304" pitchFamily="18" charset="0"/>
-              </a:rPr>
-              <a:t>Regressor</a:t>
-            </a:r>
-            <a:r>
-              <a:rPr lang="en-US" sz="2000" dirty="0">
-                <a:latin typeface="Times New Roman" panose="02020603050405020304" pitchFamily="18" charset="0"/>
-                <a:cs typeface="Times New Roman" panose="02020603050405020304" pitchFamily="18" charset="0"/>
-              </a:rPr>
-              <a:t>. </a:t>
-            </a:r>
-            <a:endParaRPr lang="en-US" sz="2000" dirty="0" smtClean="0">
-              <a:latin typeface="Times New Roman" panose="02020603050405020304" pitchFamily="18" charset="0"/>
-              <a:cs typeface="Times New Roman" panose="02020603050405020304" pitchFamily="18" charset="0"/>
-            </a:endParaRPr>
-          </a:p>
-          <a:p>
-            <a:pPr algn="just"/>
-            <a:endParaRPr lang="en-US" sz="2000" dirty="0" smtClean="0">
-              <a:latin typeface="Times New Roman" panose="02020603050405020304" pitchFamily="18" charset="0"/>
-              <a:cs typeface="Times New Roman" panose="02020603050405020304" pitchFamily="18" charset="0"/>
-            </a:endParaRPr>
-          </a:p>
-          <a:p>
-            <a:pPr algn="just"/>
-            <a:r>
-              <a:rPr lang="en-US" sz="2000" b="1" dirty="0" smtClean="0">
-                <a:latin typeface="Times New Roman" panose="02020603050405020304" pitchFamily="18" charset="0"/>
-                <a:cs typeface="Times New Roman" panose="02020603050405020304" pitchFamily="18" charset="0"/>
-              </a:rPr>
-              <a:t>Objective:</a:t>
-            </a:r>
-          </a:p>
-          <a:p>
-            <a:pPr marL="342900" indent="-342900" algn="just">
-              <a:buFont typeface="Arial" panose="020B0604020202020204" pitchFamily="34" charset="0"/>
-              <a:buChar char="•"/>
-            </a:pPr>
-            <a:r>
-              <a:rPr lang="en-US" sz="2000" dirty="0">
-                <a:latin typeface="Times New Roman" panose="02020603050405020304" pitchFamily="18" charset="0"/>
-                <a:cs typeface="Times New Roman" panose="02020603050405020304" pitchFamily="18" charset="0"/>
-              </a:rPr>
-              <a:t>Use CHB–MIT EEG </a:t>
-            </a:r>
-            <a:r>
-              <a:rPr lang="en-US" sz="2000" dirty="0" smtClean="0">
-                <a:latin typeface="Times New Roman" panose="02020603050405020304" pitchFamily="18" charset="0"/>
-                <a:cs typeface="Times New Roman" panose="02020603050405020304" pitchFamily="18" charset="0"/>
-              </a:rPr>
-              <a:t>data.</a:t>
-            </a:r>
-          </a:p>
-          <a:p>
-            <a:pPr marL="342900" indent="-342900" algn="just">
-              <a:buFont typeface="Arial" panose="020B0604020202020204" pitchFamily="34" charset="0"/>
-              <a:buChar char="•"/>
-            </a:pPr>
-            <a:r>
-              <a:rPr lang="en-US" sz="2000" dirty="0" smtClean="0">
-                <a:latin typeface="Times New Roman" panose="02020603050405020304" pitchFamily="18" charset="0"/>
-                <a:cs typeface="Times New Roman" panose="02020603050405020304" pitchFamily="18" charset="0"/>
-              </a:rPr>
-              <a:t>Detect </a:t>
-            </a:r>
-            <a:r>
-              <a:rPr lang="en-US" sz="2000" dirty="0">
-                <a:latin typeface="Times New Roman" panose="02020603050405020304" pitchFamily="18" charset="0"/>
-                <a:cs typeface="Times New Roman" panose="02020603050405020304" pitchFamily="18" charset="0"/>
-              </a:rPr>
-              <a:t>seizure and non-seizure segments</a:t>
-            </a:r>
-            <a:r>
-              <a:rPr lang="en-US" sz="2000" dirty="0" smtClean="0">
-                <a:latin typeface="Times New Roman" panose="02020603050405020304" pitchFamily="18" charset="0"/>
-                <a:cs typeface="Times New Roman" panose="02020603050405020304" pitchFamily="18" charset="0"/>
-              </a:rPr>
-              <a:t>.</a:t>
-            </a:r>
-          </a:p>
-          <a:p>
-            <a:pPr marL="342900" indent="-342900" algn="just">
-              <a:buFont typeface="Arial" panose="020B0604020202020204" pitchFamily="34" charset="0"/>
-              <a:buChar char="•"/>
-            </a:pPr>
-            <a:r>
-              <a:rPr lang="en-US" sz="2000" dirty="0" smtClean="0">
-                <a:latin typeface="Times New Roman" panose="02020603050405020304" pitchFamily="18" charset="0"/>
-                <a:cs typeface="Times New Roman" panose="02020603050405020304" pitchFamily="18" charset="0"/>
-              </a:rPr>
-              <a:t>Predict </a:t>
-            </a:r>
-            <a:r>
-              <a:rPr lang="en-US" sz="2000" dirty="0">
-                <a:latin typeface="Times New Roman" panose="02020603050405020304" pitchFamily="18" charset="0"/>
-                <a:cs typeface="Times New Roman" panose="02020603050405020304" pitchFamily="18" charset="0"/>
-              </a:rPr>
-              <a:t>seizure start and end times</a:t>
-            </a:r>
-            <a:r>
-              <a:rPr lang="en-US" sz="2000" dirty="0" smtClean="0">
-                <a:latin typeface="Times New Roman" panose="02020603050405020304" pitchFamily="18" charset="0"/>
-                <a:cs typeface="Times New Roman" panose="02020603050405020304" pitchFamily="18" charset="0"/>
-              </a:rPr>
-              <a:t>.</a:t>
-            </a:r>
-          </a:p>
-          <a:p>
-            <a:pPr marL="342900" indent="-342900" algn="just">
-              <a:buFont typeface="Arial" panose="020B0604020202020204" pitchFamily="34" charset="0"/>
-              <a:buChar char="•"/>
-            </a:pPr>
-            <a:r>
-              <a:rPr lang="en-US" sz="2000" dirty="0" smtClean="0">
-                <a:latin typeface="Times New Roman" panose="02020603050405020304" pitchFamily="18" charset="0"/>
-                <a:cs typeface="Times New Roman" panose="02020603050405020304" pitchFamily="18" charset="0"/>
-              </a:rPr>
-              <a:t>Extract </a:t>
-            </a:r>
-            <a:r>
-              <a:rPr lang="en-US" sz="2000" dirty="0">
-                <a:latin typeface="Times New Roman" panose="02020603050405020304" pitchFamily="18" charset="0"/>
-                <a:cs typeface="Times New Roman" panose="02020603050405020304" pitchFamily="18" charset="0"/>
-              </a:rPr>
-              <a:t>and analyze EEG features</a:t>
-            </a:r>
-            <a:r>
-              <a:rPr lang="en-US" sz="2000" dirty="0" smtClean="0">
-                <a:latin typeface="Times New Roman" panose="02020603050405020304" pitchFamily="18" charset="0"/>
-                <a:cs typeface="Times New Roman" panose="02020603050405020304" pitchFamily="18" charset="0"/>
-              </a:rPr>
-              <a:t>.</a:t>
-            </a:r>
-          </a:p>
-          <a:p>
-            <a:pPr marL="342900" indent="-342900" algn="just">
-              <a:buFont typeface="Arial" panose="020B0604020202020204" pitchFamily="34" charset="0"/>
-              <a:buChar char="•"/>
-            </a:pPr>
-            <a:r>
-              <a:rPr lang="en-US" sz="2000" dirty="0" smtClean="0">
-                <a:latin typeface="Times New Roman" panose="02020603050405020304" pitchFamily="18" charset="0"/>
-                <a:cs typeface="Times New Roman" panose="02020603050405020304" pitchFamily="18" charset="0"/>
-              </a:rPr>
-              <a:t>Visualize </a:t>
-            </a:r>
-            <a:r>
-              <a:rPr lang="en-US" sz="2000" dirty="0">
-                <a:latin typeface="Times New Roman" panose="02020603050405020304" pitchFamily="18" charset="0"/>
-                <a:cs typeface="Times New Roman" panose="02020603050405020304" pitchFamily="18" charset="0"/>
-              </a:rPr>
-              <a:t>and evaluate model performance</a:t>
-            </a:r>
-            <a:r>
-              <a:rPr lang="en-US" sz="2000" dirty="0" smtClean="0">
-                <a:latin typeface="Times New Roman" panose="02020603050405020304" pitchFamily="18" charset="0"/>
-                <a:cs typeface="Times New Roman" panose="02020603050405020304" pitchFamily="18" charset="0"/>
-              </a:rPr>
-              <a:t>.</a:t>
-            </a:r>
-          </a:p>
-          <a:p>
-            <a:pPr marL="342900" indent="-342900" algn="just">
-              <a:buFont typeface="Arial" panose="020B0604020202020204" pitchFamily="34" charset="0"/>
-              <a:buChar char="•"/>
-            </a:pPr>
-            <a:r>
-              <a:rPr lang="en-US" sz="2000" dirty="0" smtClean="0">
-                <a:latin typeface="Times New Roman" panose="02020603050405020304" pitchFamily="18" charset="0"/>
-                <a:cs typeface="Times New Roman" panose="02020603050405020304" pitchFamily="18" charset="0"/>
-              </a:rPr>
-              <a:t>Identify </a:t>
-            </a:r>
-            <a:r>
-              <a:rPr lang="en-US" sz="2000" dirty="0">
-                <a:latin typeface="Times New Roman" panose="02020603050405020304" pitchFamily="18" charset="0"/>
-                <a:cs typeface="Times New Roman" panose="02020603050405020304" pitchFamily="18" charset="0"/>
-              </a:rPr>
-              <a:t>limitations and future improvements.</a:t>
-            </a:r>
-            <a:endParaRPr lang="en-US" sz="2000" dirty="0" smtClean="0">
-              <a:latin typeface="Times New Roman" panose="02020603050405020304" pitchFamily="18" charset="0"/>
-              <a:cs typeface="Times New Roman" panose="02020603050405020304" pitchFamily="18" charset="0"/>
-            </a:endParaRPr>
-          </a:p>
-        </p:txBody>
-      </p:sp>
-    </p:spTree>
-  </p:cSld>
-  <p:clrMapOvr>
-    <a:masterClrMapping/>
-  </p:clrMapOvr>
-</p:sld>
-</file>
-
-<file path=ppt/slides/slide4.xml><?xml version="1.0" encoding="utf-8"?>
-<p:sld xmlns:a="http://schemas.openxmlformats.org/drawingml/2006/main" xmlns:r="http://schemas.openxmlformats.org/officeDocument/2006/relationships" xmlns:p="http://schemas.openxmlformats.org/presentationml/2006/main">
-  <p:cSld>
-    <p:spTree>
-      <p:nvGrpSpPr>
-        <p:cNvPr id="1" name=""/>
-        <p:cNvGrpSpPr/>
-        <p:nvPr/>
-      </p:nvGrpSpPr>
-      <p:grpSpPr>
-        <a:xfrm>
-          <a:off x="0" y="0"/>
-          <a:ext cx="0" cy="0"/>
-          <a:chOff x="0" y="0"/>
-          <a:chExt cx="0" cy="0"/>
-        </a:xfrm>
-      </p:grpSpPr>
-      <p:sp>
-        <p:nvSpPr>
-          <p:cNvPr id="2" name="Title 1"/>
-          <p:cNvSpPr>
-            <a:spLocks noGrp="1"/>
-          </p:cNvSpPr>
-          <p:nvPr>
-            <p:ph type="title"/>
-          </p:nvPr>
-        </p:nvSpPr>
-        <p:spPr/>
-        <p:txBody>
-          <a:bodyPr/>
-          <a:lstStyle/>
-          <a:p>
-            <a:endParaRPr lang="en-US"/>
-          </a:p>
-        </p:txBody>
-      </p:sp>
-    </p:spTree>
-    <p:extLst>
-      <p:ext uri="{BB962C8B-B14F-4D97-AF65-F5344CB8AC3E}">
-        <p14:creationId xmlns:p14="http://schemas.microsoft.com/office/powerpoint/2010/main" val="4012244318"/>
-      </p:ext>
-    </p:extLst>
-  </p:cSld>
-  <p:clrMapOvr>
-    <a:masterClrMapping/>
-  </p:clrMapOvr>
-</p:sld>
-</file>
-
-<file path=ppt/slides/slide5.xml><?xml version="1.0" encoding="utf-8"?>
-<p:sld xmlns:a="http://schemas.openxmlformats.org/drawingml/2006/main" xmlns:r="http://schemas.openxmlformats.org/officeDocument/2006/relationships" xmlns:p="http://schemas.openxmlformats.org/presentationml/2006/main">
-  <p:cSld>
-    <p:spTree>
-      <p:nvGrpSpPr>
-        <p:cNvPr id="1" name=""/>
-        <p:cNvGrpSpPr/>
-        <p:nvPr/>
-      </p:nvGrpSpPr>
-      <p:grpSpPr>
-        <a:xfrm>
-          <a:off x="0" y="0"/>
-          <a:ext cx="0" cy="0"/>
-          <a:chOff x="0" y="0"/>
-          <a:chExt cx="0" cy="0"/>
-        </a:xfrm>
-      </p:grpSpPr>
-      <p:sp>
-        <p:nvSpPr>
-          <p:cNvPr id="2" name="Title 1"/>
-          <p:cNvSpPr>
-            <a:spLocks noGrp="1"/>
-          </p:cNvSpPr>
-          <p:nvPr>
-            <p:ph type="title"/>
-          </p:nvPr>
-        </p:nvSpPr>
-        <p:spPr/>
-        <p:txBody>
-          <a:bodyPr/>
-          <a:lstStyle/>
-          <a:p>
-            <a:endParaRPr lang="en-US"/>
-          </a:p>
-        </p:txBody>
-      </p:sp>
-    </p:spTree>
-    <p:extLst>
-      <p:ext uri="{BB962C8B-B14F-4D97-AF65-F5344CB8AC3E}">
-        <p14:creationId xmlns:p14="http://schemas.microsoft.com/office/powerpoint/2010/main" val="679624396"/>
-      </p:ext>
-    </p:extLst>
-  </p:cSld>
-  <p:clrMapOvr>
-    <a:masterClrMapping/>
-  </p:clrMapOvr>
-</p:sld>
-</file>
-
-<file path=ppt/slides/slide6.xml><?xml version="1.0" encoding="utf-8"?>
-<p:sld xmlns:a="http://schemas.openxmlformats.org/drawingml/2006/main" xmlns:r="http://schemas.openxmlformats.org/officeDocument/2006/relationships" xmlns:p="http://schemas.openxmlformats.org/presentationml/2006/main">
-  <p:cSld>
-    <p:spTree>
-      <p:nvGrpSpPr>
-        <p:cNvPr id="1" name=""/>
-        <p:cNvGrpSpPr/>
-        <p:nvPr/>
-      </p:nvGrpSpPr>
-      <p:grpSpPr>
-        <a:xfrm>
-          <a:off x="0" y="0"/>
-          <a:ext cx="0" cy="0"/>
-          <a:chOff x="0" y="0"/>
-          <a:chExt cx="0" cy="0"/>
-        </a:xfrm>
-      </p:grpSpPr>
-      <p:sp>
-        <p:nvSpPr>
-          <p:cNvPr id="2" name="Title 1"/>
-          <p:cNvSpPr>
-            <a:spLocks noGrp="1"/>
-          </p:cNvSpPr>
-          <p:nvPr>
-            <p:ph type="title"/>
-          </p:nvPr>
-        </p:nvSpPr>
-        <p:spPr/>
-        <p:txBody>
-          <a:bodyPr>
-            <a:normAutofit/>
-          </a:bodyPr>
-          <a:lstStyle/>
-          <a:p>
-            <a:r>
-              <a:rPr lang="en-US" b="1" dirty="0">
-                <a:solidFill>
-                  <a:srgbClr val="FF0000"/>
-                </a:solidFill>
-                <a:latin typeface="Times New Roman" panose="02020603050405020304" pitchFamily="18" charset="0"/>
-                <a:cs typeface="Times New Roman" panose="02020603050405020304" pitchFamily="18" charset="0"/>
-              </a:rPr>
-              <a:t>Research Methodology</a:t>
-            </a:r>
-          </a:p>
-        </p:txBody>
-      </p:sp>
-      <p:sp>
-        <p:nvSpPr>
-          <p:cNvPr id="4" name="Rectangle 3"/>
-          <p:cNvSpPr/>
-          <p:nvPr/>
-        </p:nvSpPr>
-        <p:spPr>
-          <a:xfrm>
-            <a:off x="457200" y="1451679"/>
-            <a:ext cx="8628812" cy="1938992"/>
-          </a:xfrm>
-          <a:prstGeom prst="rect">
-            <a:avLst/>
-          </a:prstGeom>
-        </p:spPr>
-        <p:txBody>
-          <a:bodyPr wrap="square">
-            <a:spAutoFit/>
-          </a:bodyPr>
-          <a:lstStyle/>
-          <a:p>
-            <a:pPr marL="457200" indent="-457200">
-              <a:buFont typeface="+mj-lt"/>
-              <a:buAutoNum type="arabicPeriod"/>
-            </a:pPr>
-            <a:r>
-              <a:rPr lang="en-US" sz="2000" dirty="0">
-                <a:latin typeface="Times New Roman" panose="02020603050405020304" pitchFamily="18" charset="0"/>
-                <a:cs typeface="Times New Roman" panose="02020603050405020304" pitchFamily="18" charset="0"/>
-              </a:rPr>
-              <a:t>Data </a:t>
-            </a:r>
-            <a:r>
-              <a:rPr lang="en-US" sz="2000" dirty="0" smtClean="0">
-                <a:latin typeface="Times New Roman" panose="02020603050405020304" pitchFamily="18" charset="0"/>
-                <a:cs typeface="Times New Roman" panose="02020603050405020304" pitchFamily="18" charset="0"/>
-              </a:rPr>
-              <a:t>collection </a:t>
-            </a:r>
-            <a:r>
-              <a:rPr lang="en-US" sz="2000" dirty="0">
-                <a:latin typeface="Times New Roman" panose="02020603050405020304" pitchFamily="18" charset="0"/>
-                <a:cs typeface="Times New Roman" panose="02020603050405020304" pitchFamily="18" charset="0"/>
-              </a:rPr>
-              <a:t>from CHB–MIT EEG </a:t>
-            </a:r>
-            <a:r>
-              <a:rPr lang="en-US" sz="2000" dirty="0" smtClean="0">
-                <a:latin typeface="Times New Roman" panose="02020603050405020304" pitchFamily="18" charset="0"/>
-                <a:cs typeface="Times New Roman" panose="02020603050405020304" pitchFamily="18" charset="0"/>
-              </a:rPr>
-              <a:t>database and importing in google </a:t>
-            </a:r>
-            <a:r>
-              <a:rPr lang="en-US" sz="2000" dirty="0" err="1" smtClean="0">
-                <a:latin typeface="Times New Roman" panose="02020603050405020304" pitchFamily="18" charset="0"/>
-                <a:cs typeface="Times New Roman" panose="02020603050405020304" pitchFamily="18" charset="0"/>
-              </a:rPr>
-              <a:t>colab</a:t>
-            </a:r>
-            <a:endParaRPr lang="en-US" sz="2000" dirty="0" smtClean="0">
-              <a:latin typeface="Times New Roman" panose="02020603050405020304" pitchFamily="18" charset="0"/>
-              <a:cs typeface="Times New Roman" panose="02020603050405020304" pitchFamily="18" charset="0"/>
-            </a:endParaRPr>
-          </a:p>
-          <a:p>
-            <a:pPr marL="457200" indent="-457200">
-              <a:buFont typeface="+mj-lt"/>
-              <a:buAutoNum type="arabicPeriod"/>
-            </a:pPr>
-            <a:r>
-              <a:rPr lang="en-US" sz="2000" dirty="0" smtClean="0">
-                <a:latin typeface="Times New Roman" panose="02020603050405020304" pitchFamily="18" charset="0"/>
-                <a:cs typeface="Times New Roman" panose="02020603050405020304" pitchFamily="18" charset="0"/>
-              </a:rPr>
-              <a:t>Data Preprocessing, labeling and separating seizure files</a:t>
-            </a:r>
-          </a:p>
-          <a:p>
-            <a:pPr marL="457200" indent="-457200">
-              <a:buFont typeface="+mj-lt"/>
-              <a:buAutoNum type="arabicPeriod"/>
-            </a:pPr>
-            <a:r>
-              <a:rPr lang="en-US" sz="2000" dirty="0" smtClean="0">
-                <a:latin typeface="Times New Roman" panose="02020603050405020304" pitchFamily="18" charset="0"/>
-                <a:cs typeface="Times New Roman" panose="02020603050405020304" pitchFamily="18" charset="0"/>
-              </a:rPr>
-              <a:t>Feature extraction</a:t>
-            </a:r>
-          </a:p>
-          <a:p>
-            <a:pPr marL="457200" indent="-457200">
-              <a:buFont typeface="+mj-lt"/>
-              <a:buAutoNum type="arabicPeriod"/>
-            </a:pPr>
-            <a:r>
-              <a:rPr lang="en-US" sz="2000" dirty="0" smtClean="0">
-                <a:latin typeface="Times New Roman" panose="02020603050405020304" pitchFamily="18" charset="0"/>
-                <a:cs typeface="Times New Roman" panose="02020603050405020304" pitchFamily="18" charset="0"/>
-              </a:rPr>
-              <a:t>Splitting for training and testing</a:t>
-            </a:r>
-          </a:p>
-          <a:p>
-            <a:pPr marL="457200" indent="-457200">
-              <a:buFont typeface="+mj-lt"/>
-              <a:buAutoNum type="arabicPeriod"/>
-            </a:pPr>
-            <a:r>
-              <a:rPr lang="en-US" sz="2000" dirty="0" smtClean="0">
-                <a:latin typeface="Times New Roman" panose="02020603050405020304" pitchFamily="18" charset="0"/>
-                <a:cs typeface="Times New Roman" panose="02020603050405020304" pitchFamily="18" charset="0"/>
-              </a:rPr>
-              <a:t>Model training, predicting and testing</a:t>
-            </a:r>
-          </a:p>
-          <a:p>
-            <a:pPr marL="457200" indent="-457200">
-              <a:buFont typeface="+mj-lt"/>
-              <a:buAutoNum type="arabicPeriod"/>
-            </a:pPr>
-            <a:r>
-              <a:rPr lang="en-US" sz="2000" dirty="0" smtClean="0">
-                <a:latin typeface="Times New Roman" panose="02020603050405020304" pitchFamily="18" charset="0"/>
-                <a:cs typeface="Times New Roman" panose="02020603050405020304" pitchFamily="18" charset="0"/>
-              </a:rPr>
-              <a:t>Visualization and comparing actual and predicted result</a:t>
-            </a:r>
-            <a:endParaRPr lang="en-US" sz="2000" dirty="0">
-              <a:latin typeface="Times New Roman" panose="02020603050405020304" pitchFamily="18" charset="0"/>
-              <a:cs typeface="Times New Roman" panose="02020603050405020304" pitchFamily="18" charset="0"/>
-            </a:endParaRPr>
-          </a:p>
-        </p:txBody>
-      </p:sp>
-    </p:spTree>
-  </p:cSld>
-  <p:clrMapOvr>
-    <a:masterClrMapping/>
-  </p:clrMapOvr>
-</p:sld>
-</file>
-
-<file path=ppt/slides/slide7.xml><?xml version="1.0" encoding="utf-8"?>
-<p:sld xmlns:a="http://schemas.openxmlformats.org/drawingml/2006/main" xmlns:r="http://schemas.openxmlformats.org/officeDocument/2006/relationships" xmlns:p="http://schemas.openxmlformats.org/presentationml/2006/main">
-  <p:cSld>
-    <p:spTree>
-      <p:nvGrpSpPr>
-        <p:cNvPr id="1" name=""/>
-        <p:cNvGrpSpPr/>
-        <p:nvPr/>
-      </p:nvGrpSpPr>
-      <p:grpSpPr>
-        <a:xfrm>
-          <a:off x="0" y="0"/>
-          <a:ext cx="0" cy="0"/>
-          <a:chOff x="0" y="0"/>
-          <a:chExt cx="0" cy="0"/>
-        </a:xfrm>
-      </p:grpSpPr>
-      <p:pic>
-        <p:nvPicPr>
-          <p:cNvPr id="3" name="Picture 2"/>
-          <p:cNvPicPr>
-            <a:picLocks noChangeAspect="1"/>
-          </p:cNvPicPr>
-          <p:nvPr/>
-        </p:nvPicPr>
-        <p:blipFill>
-          <a:blip r:embed="rId2"/>
-          <a:stretch>
-            <a:fillRect/>
-          </a:stretch>
-        </p:blipFill>
-        <p:spPr>
-          <a:xfrm>
-            <a:off x="0" y="1847599"/>
-            <a:ext cx="9144000" cy="4849091"/>
-          </a:xfrm>
-          <a:prstGeom prst="rect">
-            <a:avLst/>
-          </a:prstGeom>
-        </p:spPr>
-      </p:pic>
-      <p:sp>
-        <p:nvSpPr>
-          <p:cNvPr id="5" name="Rectangle 4"/>
-          <p:cNvSpPr/>
-          <p:nvPr/>
-        </p:nvSpPr>
-        <p:spPr>
-          <a:xfrm>
-            <a:off x="0" y="68540"/>
-            <a:ext cx="9144000" cy="1446550"/>
-          </a:xfrm>
-          <a:prstGeom prst="rect">
-            <a:avLst/>
-          </a:prstGeom>
-        </p:spPr>
-        <p:txBody>
-          <a:bodyPr wrap="square">
-            <a:spAutoFit/>
-          </a:bodyPr>
-          <a:lstStyle/>
-          <a:p>
-            <a:pPr algn="ctr"/>
-            <a:r>
-              <a:rPr lang="en-US" sz="4400" b="1" dirty="0">
-                <a:solidFill>
-                  <a:srgbClr val="FF0000"/>
-                </a:solidFill>
-                <a:latin typeface="Times New Roman" panose="02020603050405020304" pitchFamily="18" charset="0"/>
-                <a:cs typeface="Times New Roman" panose="02020603050405020304" pitchFamily="18" charset="0"/>
-              </a:rPr>
-              <a:t>Workflow of the proposed machine learning </a:t>
-            </a:r>
-            <a:r>
-              <a:rPr lang="en-US" sz="4400" b="1" dirty="0" smtClean="0">
-                <a:solidFill>
-                  <a:srgbClr val="FF0000"/>
-                </a:solidFill>
-                <a:latin typeface="Times New Roman" panose="02020603050405020304" pitchFamily="18" charset="0"/>
-                <a:cs typeface="Times New Roman" panose="02020603050405020304" pitchFamily="18" charset="0"/>
-              </a:rPr>
-              <a:t>model</a:t>
-            </a:r>
-            <a:endParaRPr lang="en-US" sz="4400" b="1" dirty="0">
-              <a:solidFill>
-                <a:srgbClr val="FF0000"/>
-              </a:solidFill>
-              <a:latin typeface="Times New Roman" panose="02020603050405020304" pitchFamily="18" charset="0"/>
-              <a:cs typeface="Times New Roman" panose="02020603050405020304" pitchFamily="18" charset="0"/>
-            </a:endParaRPr>
-          </a:p>
-        </p:txBody>
-      </p:sp>
-    </p:spTree>
-    <p:extLst>
-      <p:ext uri="{BB962C8B-B14F-4D97-AF65-F5344CB8AC3E}">
-        <p14:creationId xmlns:p14="http://schemas.microsoft.com/office/powerpoint/2010/main" val="1697488586"/>
-      </p:ext>
-    </p:extLst>
-  </p:cSld>
-  <p:clrMapOvr>
-    <a:masterClrMapping/>
-  </p:clrMapOvr>
-</p:sld>
-</file>
-
-<file path=ppt/slides/slide8.xml><?xml version="1.0" encoding="utf-8"?>
-<p:sld xmlns:a="http://schemas.openxmlformats.org/drawingml/2006/main" xmlns:r="http://schemas.openxmlformats.org/officeDocument/2006/relationships" xmlns:p="http://schemas.openxmlformats.org/presentationml/2006/main">
-  <p:cSld>
-    <p:spTree>
-      <p:nvGrpSpPr>
-        <p:cNvPr id="1" name=""/>
-        <p:cNvGrpSpPr/>
-        <p:nvPr/>
-      </p:nvGrpSpPr>
-      <p:grpSpPr>
-        <a:xfrm>
-          <a:off x="0" y="0"/>
-          <a:ext cx="0" cy="0"/>
-          <a:chOff x="0" y="0"/>
-          <a:chExt cx="0" cy="0"/>
-        </a:xfrm>
-      </p:grpSpPr>
-      <p:sp>
-        <p:nvSpPr>
-          <p:cNvPr id="2" name="Title 1"/>
-          <p:cNvSpPr>
-            <a:spLocks noGrp="1"/>
-          </p:cNvSpPr>
-          <p:nvPr>
-            <p:ph type="title"/>
-          </p:nvPr>
-        </p:nvSpPr>
-        <p:spPr/>
-        <p:txBody>
-          <a:bodyPr>
-            <a:normAutofit fontScale="90000"/>
-          </a:bodyPr>
-          <a:lstStyle/>
-          <a:p>
-            <a:r>
-              <a:rPr lang="en-US" b="1" dirty="0" smtClean="0">
-                <a:solidFill>
-                  <a:srgbClr val="FF0000"/>
-                </a:solidFill>
-                <a:latin typeface="Times New Roman" panose="02020603050405020304" pitchFamily="18" charset="0"/>
-                <a:cs typeface="Times New Roman" panose="02020603050405020304" pitchFamily="18" charset="0"/>
-              </a:rPr>
-              <a:t>Data </a:t>
-            </a:r>
-            <a:r>
-              <a:rPr lang="en-US" b="1" dirty="0">
-                <a:solidFill>
-                  <a:srgbClr val="FF0000"/>
-                </a:solidFill>
-                <a:latin typeface="Times New Roman" panose="02020603050405020304" pitchFamily="18" charset="0"/>
-                <a:cs typeface="Times New Roman" panose="02020603050405020304" pitchFamily="18" charset="0"/>
-              </a:rPr>
-              <a:t>Preparation and Feature Extraction</a:t>
-            </a:r>
-            <a:endParaRPr b="1" dirty="0">
-              <a:solidFill>
-                <a:srgbClr val="FF0000"/>
-              </a:solidFill>
-              <a:latin typeface="Times New Roman" panose="02020603050405020304" pitchFamily="18" charset="0"/>
-              <a:cs typeface="Times New Roman" panose="02020603050405020304" pitchFamily="18" charset="0"/>
-            </a:endParaRPr>
-          </a:p>
-        </p:txBody>
-      </p:sp>
-      <p:sp>
-        <p:nvSpPr>
-          <p:cNvPr id="4" name="Rectangle 3"/>
-          <p:cNvSpPr/>
-          <p:nvPr/>
-        </p:nvSpPr>
-        <p:spPr>
-          <a:xfrm>
-            <a:off x="908050" y="1954937"/>
-            <a:ext cx="7327900" cy="2806987"/>
-          </a:xfrm>
-          <a:prstGeom prst="rect">
-            <a:avLst/>
-          </a:prstGeom>
-        </p:spPr>
-        <p:txBody>
-          <a:bodyPr wrap="square">
-            <a:spAutoFit/>
-          </a:bodyPr>
-          <a:lstStyle/>
-          <a:p>
-            <a:pPr marL="285750" indent="-285750" algn="just">
-              <a:lnSpc>
-                <a:spcPct val="150000"/>
-              </a:lnSpc>
-              <a:buFont typeface="Arial" panose="020B0604020202020204" pitchFamily="34" charset="0"/>
-              <a:buChar char="•"/>
-            </a:pPr>
-            <a:r>
-              <a:rPr lang="en-US" sz="2000" dirty="0">
-                <a:latin typeface="Times New Roman" panose="02020603050405020304" pitchFamily="18" charset="0"/>
-                <a:cs typeface="Times New Roman" panose="02020603050405020304" pitchFamily="18" charset="0"/>
-              </a:rPr>
-              <a:t>EEG </a:t>
-            </a:r>
-            <a:r>
-              <a:rPr lang="en-US" sz="2000" dirty="0" smtClean="0">
-                <a:latin typeface="Times New Roman" panose="02020603050405020304" pitchFamily="18" charset="0"/>
-                <a:cs typeface="Times New Roman" panose="02020603050405020304" pitchFamily="18" charset="0"/>
-              </a:rPr>
-              <a:t>recordings: 115 .</a:t>
-            </a:r>
-            <a:r>
-              <a:rPr lang="en-US" sz="2000" dirty="0" err="1" smtClean="0">
-                <a:latin typeface="Times New Roman" panose="02020603050405020304" pitchFamily="18" charset="0"/>
-                <a:cs typeface="Times New Roman" panose="02020603050405020304" pitchFamily="18" charset="0"/>
-              </a:rPr>
-              <a:t>edf</a:t>
-            </a:r>
-            <a:r>
-              <a:rPr lang="en-US" sz="2000" dirty="0" smtClean="0">
-                <a:latin typeface="Times New Roman" panose="02020603050405020304" pitchFamily="18" charset="0"/>
-                <a:cs typeface="Times New Roman" panose="02020603050405020304" pitchFamily="18" charset="0"/>
-              </a:rPr>
-              <a:t> files of 3 patients with </a:t>
-            </a:r>
-            <a:r>
-              <a:rPr lang="en-US" sz="2000" dirty="0">
-                <a:latin typeface="Times New Roman" panose="02020603050405020304" pitchFamily="18" charset="0"/>
-                <a:cs typeface="Times New Roman" panose="02020603050405020304" pitchFamily="18" charset="0"/>
-              </a:rPr>
-              <a:t>23 channels </a:t>
-            </a:r>
-            <a:r>
-              <a:rPr lang="en-US" sz="2000" dirty="0" smtClean="0">
-                <a:latin typeface="Times New Roman" panose="02020603050405020304" pitchFamily="18" charset="0"/>
-                <a:cs typeface="Times New Roman" panose="02020603050405020304" pitchFamily="18" charset="0"/>
-              </a:rPr>
-              <a:t>each</a:t>
-            </a:r>
-          </a:p>
-          <a:p>
-            <a:pPr marL="285750" indent="-285750" algn="just">
-              <a:lnSpc>
-                <a:spcPct val="150000"/>
-              </a:lnSpc>
-              <a:buFont typeface="Arial" panose="020B0604020202020204" pitchFamily="34" charset="0"/>
-              <a:buChar char="•"/>
-            </a:pPr>
-            <a:r>
-              <a:rPr lang="en-US" sz="2000" dirty="0" smtClean="0">
-                <a:latin typeface="Times New Roman" panose="02020603050405020304" pitchFamily="18" charset="0"/>
-                <a:cs typeface="Times New Roman" panose="02020603050405020304" pitchFamily="18" charset="0"/>
-              </a:rPr>
-              <a:t>Tools used: </a:t>
-            </a:r>
-            <a:r>
-              <a:rPr lang="en-US" sz="2000" dirty="0">
-                <a:latin typeface="Times New Roman" panose="02020603050405020304" pitchFamily="18" charset="0"/>
-                <a:cs typeface="Times New Roman" panose="02020603050405020304" pitchFamily="18" charset="0"/>
-              </a:rPr>
-              <a:t>Google </a:t>
-            </a:r>
-            <a:r>
-              <a:rPr lang="en-US" sz="2000" dirty="0" err="1">
-                <a:latin typeface="Times New Roman" panose="02020603050405020304" pitchFamily="18" charset="0"/>
-                <a:cs typeface="Times New Roman" panose="02020603050405020304" pitchFamily="18" charset="0"/>
-              </a:rPr>
-              <a:t>Colab</a:t>
-            </a:r>
-            <a:r>
-              <a:rPr lang="en-US" sz="2000" dirty="0">
-                <a:latin typeface="Times New Roman" panose="02020603050405020304" pitchFamily="18" charset="0"/>
-                <a:cs typeface="Times New Roman" panose="02020603050405020304" pitchFamily="18" charset="0"/>
-              </a:rPr>
-              <a:t>, MNE, </a:t>
-            </a:r>
-            <a:r>
-              <a:rPr lang="en-US" sz="2000" dirty="0" err="1">
-                <a:latin typeface="Times New Roman" panose="02020603050405020304" pitchFamily="18" charset="0"/>
-                <a:cs typeface="Times New Roman" panose="02020603050405020304" pitchFamily="18" charset="0"/>
-              </a:rPr>
-              <a:t>NumPy</a:t>
-            </a:r>
-            <a:r>
-              <a:rPr lang="en-US" sz="2000" dirty="0">
-                <a:latin typeface="Times New Roman" panose="02020603050405020304" pitchFamily="18" charset="0"/>
-                <a:cs typeface="Times New Roman" panose="02020603050405020304" pitchFamily="18" charset="0"/>
-              </a:rPr>
-              <a:t>, </a:t>
-            </a:r>
-            <a:r>
-              <a:rPr lang="en-US" sz="2000" dirty="0" smtClean="0">
-                <a:latin typeface="Times New Roman" panose="02020603050405020304" pitchFamily="18" charset="0"/>
-                <a:cs typeface="Times New Roman" panose="02020603050405020304" pitchFamily="18" charset="0"/>
-              </a:rPr>
-              <a:t>Panda, Glob, </a:t>
-            </a:r>
-            <a:r>
-              <a:rPr lang="en-US" sz="2000" dirty="0" err="1" smtClean="0">
-                <a:latin typeface="Times New Roman" panose="02020603050405020304" pitchFamily="18" charset="0"/>
-                <a:cs typeface="Times New Roman" panose="02020603050405020304" pitchFamily="18" charset="0"/>
-              </a:rPr>
-              <a:t>SciPy</a:t>
-            </a:r>
-            <a:r>
-              <a:rPr lang="en-US" sz="2000" dirty="0" smtClean="0">
-                <a:latin typeface="Times New Roman" panose="02020603050405020304" pitchFamily="18" charset="0"/>
-                <a:cs typeface="Times New Roman" panose="02020603050405020304" pitchFamily="18" charset="0"/>
-              </a:rPr>
-              <a:t> </a:t>
-            </a:r>
-            <a:r>
-              <a:rPr lang="en-US" sz="2000" dirty="0" err="1" smtClean="0">
-                <a:latin typeface="Times New Roman" panose="02020603050405020304" pitchFamily="18" charset="0"/>
-                <a:cs typeface="Times New Roman" panose="02020603050405020304" pitchFamily="18" charset="0"/>
-              </a:rPr>
-              <a:t>etc</a:t>
-            </a:r>
-            <a:endParaRPr lang="en-US" sz="2000" dirty="0" smtClean="0">
-              <a:latin typeface="Times New Roman" panose="02020603050405020304" pitchFamily="18" charset="0"/>
-              <a:cs typeface="Times New Roman" panose="02020603050405020304" pitchFamily="18" charset="0"/>
-            </a:endParaRPr>
-          </a:p>
-          <a:p>
-            <a:pPr marL="285750" indent="-285750" algn="just">
-              <a:lnSpc>
-                <a:spcPct val="150000"/>
-              </a:lnSpc>
-              <a:buFont typeface="Arial" panose="020B0604020202020204" pitchFamily="34" charset="0"/>
-              <a:buChar char="•"/>
-            </a:pPr>
-            <a:r>
-              <a:rPr lang="en-US" sz="2000" dirty="0" smtClean="0">
-                <a:latin typeface="Times New Roman" panose="02020603050405020304" pitchFamily="18" charset="0"/>
-                <a:cs typeface="Times New Roman" panose="02020603050405020304" pitchFamily="18" charset="0"/>
-              </a:rPr>
-              <a:t>Steps</a:t>
-            </a:r>
-            <a:r>
-              <a:rPr lang="en-US" sz="2000" dirty="0">
-                <a:latin typeface="Times New Roman" panose="02020603050405020304" pitchFamily="18" charset="0"/>
-                <a:cs typeface="Times New Roman" panose="02020603050405020304" pitchFamily="18" charset="0"/>
-              </a:rPr>
-              <a:t>: </a:t>
-            </a:r>
-            <a:r>
-              <a:rPr lang="en-US" sz="2000" dirty="0" smtClean="0">
-                <a:latin typeface="Times New Roman" panose="02020603050405020304" pitchFamily="18" charset="0"/>
-                <a:cs typeface="Times New Roman" panose="02020603050405020304" pitchFamily="18" charset="0"/>
-              </a:rPr>
-              <a:t>Noise removal, filtering, </a:t>
-            </a:r>
-            <a:r>
-              <a:rPr lang="en-US" sz="2000" dirty="0">
-                <a:latin typeface="Times New Roman" panose="02020603050405020304" pitchFamily="18" charset="0"/>
-                <a:cs typeface="Times New Roman" panose="02020603050405020304" pitchFamily="18" charset="0"/>
-              </a:rPr>
-              <a:t>labeling, cropping seizure </a:t>
-            </a:r>
-            <a:r>
-              <a:rPr lang="en-US" sz="2000" dirty="0" smtClean="0">
-                <a:latin typeface="Times New Roman" panose="02020603050405020304" pitchFamily="18" charset="0"/>
-                <a:cs typeface="Times New Roman" panose="02020603050405020304" pitchFamily="18" charset="0"/>
-              </a:rPr>
-              <a:t>sections</a:t>
-            </a:r>
-          </a:p>
-          <a:p>
-            <a:pPr marL="285750" indent="-285750" algn="just">
-              <a:lnSpc>
-                <a:spcPct val="150000"/>
-              </a:lnSpc>
-              <a:buFont typeface="Arial" panose="020B0604020202020204" pitchFamily="34" charset="0"/>
-              <a:buChar char="•"/>
-            </a:pPr>
-            <a:r>
-              <a:rPr lang="en-US" sz="2000" dirty="0" smtClean="0">
-                <a:latin typeface="Times New Roman" panose="02020603050405020304" pitchFamily="18" charset="0"/>
-                <a:cs typeface="Times New Roman" panose="02020603050405020304" pitchFamily="18" charset="0"/>
-              </a:rPr>
-              <a:t>Extracted </a:t>
-            </a:r>
-            <a:r>
-              <a:rPr lang="en-US" sz="2000" dirty="0">
-                <a:latin typeface="Times New Roman" panose="02020603050405020304" pitchFamily="18" charset="0"/>
-                <a:cs typeface="Times New Roman" panose="02020603050405020304" pitchFamily="18" charset="0"/>
-              </a:rPr>
-              <a:t>features: Mean, Variance</a:t>
-            </a:r>
-            <a:r>
-              <a:rPr lang="en-US" sz="2000" dirty="0" smtClean="0">
-                <a:latin typeface="Times New Roman" panose="02020603050405020304" pitchFamily="18" charset="0"/>
-                <a:cs typeface="Times New Roman" panose="02020603050405020304" pitchFamily="18" charset="0"/>
-              </a:rPr>
-              <a:t>, SD, Peak to Peak, max, min, </a:t>
-            </a:r>
-            <a:r>
-              <a:rPr lang="en-US" sz="2000" dirty="0">
-                <a:latin typeface="Times New Roman" panose="02020603050405020304" pitchFamily="18" charset="0"/>
-                <a:cs typeface="Times New Roman" panose="02020603050405020304" pitchFamily="18" charset="0"/>
-              </a:rPr>
-              <a:t>RMS, Power, Skewness, </a:t>
-            </a:r>
-            <a:r>
-              <a:rPr lang="en-US" sz="2000" dirty="0" smtClean="0">
-                <a:latin typeface="Times New Roman" panose="02020603050405020304" pitchFamily="18" charset="0"/>
-                <a:cs typeface="Times New Roman" panose="02020603050405020304" pitchFamily="18" charset="0"/>
-              </a:rPr>
-              <a:t>Kurtosis, Absolute Differential Mean </a:t>
-            </a:r>
-            <a:r>
-              <a:rPr lang="en-US" sz="2000" dirty="0" err="1" smtClean="0">
-                <a:latin typeface="Times New Roman" panose="02020603050405020304" pitchFamily="18" charset="0"/>
-                <a:cs typeface="Times New Roman" panose="02020603050405020304" pitchFamily="18" charset="0"/>
-              </a:rPr>
-              <a:t>etc</a:t>
-            </a:r>
-            <a:endParaRPr lang="en-US" sz="2000" dirty="0" smtClean="0">
-              <a:latin typeface="Times New Roman" panose="02020603050405020304" pitchFamily="18" charset="0"/>
-              <a:cs typeface="Times New Roman" panose="02020603050405020304" pitchFamily="18" charset="0"/>
-            </a:endParaRPr>
-          </a:p>
-          <a:p>
-            <a:pPr marL="285750" indent="-285750" algn="just">
-              <a:lnSpc>
-                <a:spcPct val="150000"/>
-              </a:lnSpc>
-              <a:buFont typeface="Arial" panose="020B0604020202020204" pitchFamily="34" charset="0"/>
-              <a:buChar char="•"/>
-            </a:pPr>
-            <a:r>
-              <a:rPr lang="en-US" sz="2000" dirty="0" smtClean="0">
-                <a:latin typeface="Times New Roman" panose="02020603050405020304" pitchFamily="18" charset="0"/>
-                <a:cs typeface="Times New Roman" panose="02020603050405020304" pitchFamily="18" charset="0"/>
-              </a:rPr>
-              <a:t>Train Test Split</a:t>
-            </a:r>
-            <a:r>
-              <a:rPr lang="en-US" sz="2000" dirty="0">
-                <a:latin typeface="Times New Roman" panose="02020603050405020304" pitchFamily="18" charset="0"/>
-                <a:cs typeface="Times New Roman" panose="02020603050405020304" pitchFamily="18" charset="0"/>
-              </a:rPr>
-              <a:t>: 90% </a:t>
-            </a:r>
-            <a:r>
-              <a:rPr lang="en-US" sz="2000" dirty="0" smtClean="0">
-                <a:latin typeface="Times New Roman" panose="02020603050405020304" pitchFamily="18" charset="0"/>
-                <a:cs typeface="Times New Roman" panose="02020603050405020304" pitchFamily="18" charset="0"/>
-              </a:rPr>
-              <a:t>for training</a:t>
-            </a:r>
-            <a:r>
-              <a:rPr lang="en-US" sz="2000" dirty="0">
-                <a:latin typeface="Times New Roman" panose="02020603050405020304" pitchFamily="18" charset="0"/>
-                <a:cs typeface="Times New Roman" panose="02020603050405020304" pitchFamily="18" charset="0"/>
-              </a:rPr>
-              <a:t>, 10% </a:t>
-            </a:r>
-            <a:r>
-              <a:rPr lang="en-US" sz="2000" dirty="0" smtClean="0">
-                <a:latin typeface="Times New Roman" panose="02020603050405020304" pitchFamily="18" charset="0"/>
-                <a:cs typeface="Times New Roman" panose="02020603050405020304" pitchFamily="18" charset="0"/>
-              </a:rPr>
-              <a:t>for testing</a:t>
-            </a:r>
-            <a:endParaRPr lang="en-US" sz="2000" dirty="0">
-              <a:latin typeface="Times New Roman" panose="02020603050405020304" pitchFamily="18" charset="0"/>
-              <a:cs typeface="Times New Roman" panose="02020603050405020304" pitchFamily="18" charset="0"/>
-            </a:endParaRPr>
-          </a:p>
-        </p:txBody>
-      </p:sp>
-    </p:spTree>
-  </p:cSld>
-  <p:clrMapOvr>
-    <a:masterClrMapping/>
-  </p:clrMapOvr>
-</p:sld>
-</file>
-
-<file path=ppt/slides/slide9.xml><?xml version="1.0" encoding="utf-8"?>
-<p:sld xmlns:a="http://schemas.openxmlformats.org/drawingml/2006/main" xmlns:r="http://schemas.openxmlformats.org/officeDocument/2006/relationships" xmlns:p="http://schemas.openxmlformats.org/presentationml/2006/main">
-  <p:cSld>
-    <p:spTree>
-      <p:nvGrpSpPr>
-        <p:cNvPr id="1" name=""/>
-        <p:cNvGrpSpPr/>
-        <p:nvPr/>
-      </p:nvGrpSpPr>
-      <p:grpSpPr>
-        <a:xfrm>
-          <a:off x="0" y="0"/>
-          <a:ext cx="0" cy="0"/>
-          <a:chOff x="0" y="0"/>
-          <a:chExt cx="0" cy="0"/>
-        </a:xfrm>
-      </p:grpSpPr>
-      <p:sp>
-        <p:nvSpPr>
-          <p:cNvPr id="2" name="Title 1"/>
-          <p:cNvSpPr>
-            <a:spLocks noGrp="1"/>
-          </p:cNvSpPr>
-          <p:nvPr>
-            <p:ph type="title"/>
-          </p:nvPr>
-        </p:nvSpPr>
-        <p:spPr/>
-        <p:txBody>
-          <a:bodyPr/>
-          <a:lstStyle/>
-          <a:p>
-            <a:r>
-              <a:rPr b="1" dirty="0">
-                <a:solidFill>
-                  <a:srgbClr val="FF0000"/>
-                </a:solidFill>
-                <a:latin typeface="Times New Roman" panose="02020603050405020304" pitchFamily="18" charset="0"/>
-                <a:cs typeface="Times New Roman" panose="02020603050405020304" pitchFamily="18" charset="0"/>
-              </a:rPr>
-              <a:t>Research Methodology (Flow)</a:t>
-            </a:r>
-          </a:p>
-        </p:txBody>
-      </p:sp>
-      <p:sp>
-        <p:nvSpPr>
-          <p:cNvPr id="8" name="Rectangle 7"/>
-          <p:cNvSpPr/>
-          <p:nvPr/>
-        </p:nvSpPr>
-        <p:spPr>
-          <a:xfrm>
-            <a:off x="4737100" y="1633835"/>
-            <a:ext cx="3657600" cy="1015663"/>
-          </a:xfrm>
-          <a:prstGeom prst="rect">
-            <a:avLst/>
-          </a:prstGeom>
-        </p:spPr>
-        <p:txBody>
-          <a:bodyPr wrap="square">
-            <a:spAutoFit/>
-          </a:bodyPr>
-          <a:lstStyle/>
-          <a:p>
-            <a:r>
-              <a:rPr lang="en-US" sz="2000" b="1" dirty="0">
-                <a:latin typeface="Times New Roman" panose="02020603050405020304" pitchFamily="18" charset="0"/>
-                <a:cs typeface="Times New Roman" panose="02020603050405020304" pitchFamily="18" charset="0"/>
-              </a:rPr>
-              <a:t>Random </a:t>
-            </a:r>
-            <a:r>
-              <a:rPr lang="en-US" sz="2000" b="1" dirty="0" smtClean="0">
-                <a:latin typeface="Times New Roman" panose="02020603050405020304" pitchFamily="18" charset="0"/>
-                <a:cs typeface="Times New Roman" panose="02020603050405020304" pitchFamily="18" charset="0"/>
-              </a:rPr>
-              <a:t>Forest </a:t>
-            </a:r>
-            <a:r>
-              <a:rPr lang="en-US" sz="2000" b="1" dirty="0" err="1">
-                <a:latin typeface="Times New Roman" panose="02020603050405020304" pitchFamily="18" charset="0"/>
-                <a:cs typeface="Times New Roman" panose="02020603050405020304" pitchFamily="18" charset="0"/>
-              </a:rPr>
-              <a:t>Regressor</a:t>
-            </a:r>
-            <a:r>
-              <a:rPr lang="en-US" sz="2000" b="1" dirty="0" smtClean="0">
-                <a:latin typeface="Times New Roman" panose="02020603050405020304" pitchFamily="18" charset="0"/>
-                <a:cs typeface="Times New Roman" panose="02020603050405020304" pitchFamily="18" charset="0"/>
-              </a:rPr>
-              <a:t>:</a:t>
-            </a:r>
-          </a:p>
-          <a:p>
-            <a:r>
-              <a:rPr lang="en-US" sz="2000" dirty="0" smtClean="0">
-                <a:latin typeface="Times New Roman" panose="02020603050405020304" pitchFamily="18" charset="0"/>
-                <a:cs typeface="Times New Roman" panose="02020603050405020304" pitchFamily="18" charset="0"/>
-              </a:rPr>
-              <a:t>Predicts </a:t>
-            </a:r>
-            <a:r>
-              <a:rPr lang="en-US" sz="2000" dirty="0">
-                <a:latin typeface="Times New Roman" panose="02020603050405020304" pitchFamily="18" charset="0"/>
-                <a:cs typeface="Times New Roman" panose="02020603050405020304" pitchFamily="18" charset="0"/>
-              </a:rPr>
-              <a:t>seizure start and end </a:t>
-            </a:r>
-            <a:r>
-              <a:rPr lang="en-US" sz="2000" dirty="0" smtClean="0">
-                <a:latin typeface="Times New Roman" panose="02020603050405020304" pitchFamily="18" charset="0"/>
-                <a:cs typeface="Times New Roman" panose="02020603050405020304" pitchFamily="18" charset="0"/>
-              </a:rPr>
-              <a:t>times of a file containing seizure</a:t>
-            </a:r>
-            <a:endParaRPr lang="en-US" sz="2000" dirty="0">
-              <a:latin typeface="Times New Roman" panose="02020603050405020304" pitchFamily="18" charset="0"/>
-              <a:cs typeface="Times New Roman" panose="02020603050405020304" pitchFamily="18" charset="0"/>
-            </a:endParaRPr>
-          </a:p>
-        </p:txBody>
-      </p:sp>
-      <p:sp>
-        <p:nvSpPr>
-          <p:cNvPr id="9" name="Rectangle 8"/>
-          <p:cNvSpPr/>
-          <p:nvPr/>
-        </p:nvSpPr>
-        <p:spPr>
-          <a:xfrm>
-            <a:off x="596900" y="1645691"/>
-            <a:ext cx="3657600" cy="1323439"/>
-          </a:xfrm>
-          <a:prstGeom prst="rect">
-            <a:avLst/>
-          </a:prstGeom>
-        </p:spPr>
-        <p:txBody>
-          <a:bodyPr wrap="square">
-            <a:spAutoFit/>
-          </a:bodyPr>
-          <a:lstStyle/>
-          <a:p>
-            <a:r>
-              <a:rPr lang="en-US" sz="2000" b="1" dirty="0">
-                <a:latin typeface="Times New Roman" panose="02020603050405020304" pitchFamily="18" charset="0"/>
-                <a:cs typeface="Times New Roman" panose="02020603050405020304" pitchFamily="18" charset="0"/>
-              </a:rPr>
-              <a:t>Random Forest Classifier</a:t>
-            </a:r>
-            <a:r>
-              <a:rPr lang="en-US" sz="2000" b="1" dirty="0" smtClean="0">
-                <a:latin typeface="Times New Roman" panose="02020603050405020304" pitchFamily="18" charset="0"/>
-                <a:cs typeface="Times New Roman" panose="02020603050405020304" pitchFamily="18" charset="0"/>
-              </a:rPr>
-              <a:t>:</a:t>
-            </a:r>
-          </a:p>
-          <a:p>
-            <a:r>
-              <a:rPr lang="en-US" sz="2000" dirty="0" smtClean="0">
-                <a:latin typeface="Times New Roman" panose="02020603050405020304" pitchFamily="18" charset="0"/>
-                <a:cs typeface="Times New Roman" panose="02020603050405020304" pitchFamily="18" charset="0"/>
-              </a:rPr>
-              <a:t>Detects </a:t>
-            </a:r>
-            <a:r>
-              <a:rPr lang="en-US" sz="2000" dirty="0">
-                <a:latin typeface="Times New Roman" panose="02020603050405020304" pitchFamily="18" charset="0"/>
-                <a:cs typeface="Times New Roman" panose="02020603050405020304" pitchFamily="18" charset="0"/>
-              </a:rPr>
-              <a:t>seizure vs. non-seizure EEG </a:t>
-            </a:r>
-            <a:r>
-              <a:rPr lang="en-US" sz="2000" dirty="0" smtClean="0">
-                <a:latin typeface="Times New Roman" panose="02020603050405020304" pitchFamily="18" charset="0"/>
-                <a:cs typeface="Times New Roman" panose="02020603050405020304" pitchFamily="18" charset="0"/>
-              </a:rPr>
-              <a:t>segments</a:t>
-            </a:r>
-          </a:p>
-          <a:p>
-            <a:endParaRPr lang="en-US" sz="2000" dirty="0">
-              <a:latin typeface="Times New Roman" panose="02020603050405020304" pitchFamily="18" charset="0"/>
-              <a:cs typeface="Times New Roman" panose="02020603050405020304" pitchFamily="18" charset="0"/>
-            </a:endParaRPr>
-          </a:p>
-        </p:txBody>
-      </p:sp>
-      <p:pic>
-        <p:nvPicPr>
-          <p:cNvPr id="11" name="Picture 10" descr="Random Forest Regression: When Does It Fail and Why?"/>
-          <p:cNvPicPr/>
-          <p:nvPr/>
-        </p:nvPicPr>
-        <p:blipFill>
-          <a:blip r:embed="rId2">
-            <a:extLst>
-              <a:ext uri="{28A0092B-C50C-407E-A947-70E740481C1C}">
-                <a14:useLocalDpi xmlns:a14="http://schemas.microsoft.com/office/drawing/2010/main" val="0"/>
-              </a:ext>
-            </a:extLst>
-          </a:blip>
-          <a:srcRect/>
-          <a:stretch>
-            <a:fillRect/>
-          </a:stretch>
-        </p:blipFill>
-        <p:spPr bwMode="auto">
-          <a:xfrm>
-            <a:off x="5017690" y="3121530"/>
-            <a:ext cx="3096419" cy="1866900"/>
-          </a:xfrm>
-          <a:prstGeom prst="rect">
-            <a:avLst/>
-          </a:prstGeom>
-          <a:noFill/>
-          <a:ln>
-            <a:noFill/>
-          </a:ln>
-        </p:spPr>
-      </p:pic>
-      <p:pic>
-        <p:nvPicPr>
-          <p:cNvPr id="12" name="Picture 11"/>
-          <p:cNvPicPr/>
-          <p:nvPr/>
-        </p:nvPicPr>
-        <p:blipFill rotWithShape="1">
-          <a:blip r:embed="rId3"/>
-          <a:srcRect t="16000"/>
-          <a:stretch/>
-        </p:blipFill>
-        <p:spPr bwMode="auto">
-          <a:xfrm>
-            <a:off x="802480" y="3197183"/>
-            <a:ext cx="3071813" cy="2072957"/>
-          </a:xfrm>
-          <a:prstGeom prst="rect">
-            <a:avLst/>
-          </a:prstGeom>
-          <a:ln>
-            <a:noFill/>
-          </a:ln>
-          <a:extLst>
-            <a:ext uri="{53640926-AAD7-44D8-BBD7-CCE9431645EC}">
-              <a14:shadowObscured xmlns:a14="http://schemas.microsoft.com/office/drawing/2010/main"/>
-            </a:ext>
-          </a:extLst>
-        </p:spPr>
-      </p:pic>
-      <p:sp>
-        <p:nvSpPr>
-          <p:cNvPr id="13" name="Rectangle 12"/>
-          <p:cNvSpPr/>
-          <p:nvPr/>
-        </p:nvSpPr>
-        <p:spPr>
-          <a:xfrm>
-            <a:off x="802480" y="5175027"/>
-            <a:ext cx="2855120" cy="646331"/>
-          </a:xfrm>
-          <a:prstGeom prst="rect">
-            <a:avLst/>
-          </a:prstGeom>
-        </p:spPr>
-        <p:txBody>
-          <a:bodyPr wrap="square">
-            <a:spAutoFit/>
-          </a:bodyPr>
-          <a:lstStyle/>
-          <a:p>
-            <a:r>
-              <a:rPr lang="en-US" dirty="0" smtClean="0"/>
-              <a:t>Random </a:t>
-            </a:r>
-            <a:r>
-              <a:rPr lang="en-US" dirty="0"/>
-              <a:t>Forest Classifier (Source: freecodecamp.org)</a:t>
-            </a:r>
-          </a:p>
-        </p:txBody>
-      </p:sp>
-      <p:sp>
-        <p:nvSpPr>
-          <p:cNvPr id="14" name="Rectangle 13"/>
-          <p:cNvSpPr/>
-          <p:nvPr/>
-        </p:nvSpPr>
-        <p:spPr>
-          <a:xfrm>
-            <a:off x="5193109" y="5137296"/>
-            <a:ext cx="2921000" cy="646331"/>
-          </a:xfrm>
-          <a:prstGeom prst="rect">
-            <a:avLst/>
-          </a:prstGeom>
-        </p:spPr>
-        <p:txBody>
-          <a:bodyPr wrap="square">
-            <a:spAutoFit/>
-          </a:bodyPr>
-          <a:lstStyle/>
-          <a:p>
-            <a:r>
-              <a:rPr lang="en-US" dirty="0" smtClean="0"/>
-              <a:t>Random </a:t>
-            </a:r>
-            <a:r>
-              <a:rPr lang="en-US" dirty="0"/>
-              <a:t>Forest </a:t>
-            </a:r>
-            <a:r>
-              <a:rPr lang="en-US" dirty="0" err="1"/>
-              <a:t>Regressor</a:t>
-            </a:r>
-            <a:r>
-              <a:rPr lang="en-US" dirty="0"/>
-              <a:t> (Source: neptune.ai)</a:t>
-            </a:r>
-          </a:p>
-        </p:txBody>
-      </p:sp>
-    </p:spTree>
   </p:cSld>
   <p:clrMapOvr>
     <a:masterClrMapping/>
